--- a/interfície adquisició.pptx
+++ b/interfície adquisició.pptx
@@ -6,6 +6,14 @@
   </p:sldMasterIdLst>
   <p:sldIdLst>
     <p:sldId id="256" r:id="rId2"/>
+    <p:sldId id="262" r:id="rId3"/>
+    <p:sldId id="263" r:id="rId4"/>
+    <p:sldId id="260" r:id="rId5"/>
+    <p:sldId id="259" r:id="rId6"/>
+    <p:sldId id="264" r:id="rId7"/>
+    <p:sldId id="257" r:id="rId8"/>
+    <p:sldId id="258" r:id="rId9"/>
+    <p:sldId id="265" r:id="rId10"/>
   </p:sldIdLst>
   <p:sldSz cx="12192000" cy="6858000"/>
   <p:notesSz cx="6858000" cy="9144000"/>
@@ -104,7 +112,24 @@
       </a:defRPr>
     </a:lvl9pPr>
   </p:defaultTextStyle>
+  <p:extLst>
+    <p:ext uri="{EFAFB233-063F-42B5-8137-9DF3F51BA10A}">
+      <p15:sldGuideLst xmlns:p15="http://schemas.microsoft.com/office/powerpoint/2012/main"/>
+    </p:ext>
+  </p:extLst>
 </p:presentation>
+</file>
+
+<file path=ppt/commentAuthors.xml><?xml version="1.0" encoding="utf-8"?>
+<p:cmAuthorLst xmlns:a="http://schemas.openxmlformats.org/drawingml/2006/main" xmlns:r="http://schemas.openxmlformats.org/officeDocument/2006/relationships" xmlns:p="http://schemas.openxmlformats.org/presentationml/2006/main">
+  <p:cmAuthor id="1" name="Victor Moyano Diaz" initials="VMD" lastIdx="1" clrIdx="0">
+    <p:extLst>
+      <p:ext uri="{19B8F6BF-5375-455C-9EA6-DF929625EA0E}">
+        <p15:presenceInfo xmlns:p15="http://schemas.microsoft.com/office/powerpoint/2012/main" userId="S-1-5-21-2071209921-1197687148-1628264008-4071" providerId="AD"/>
+      </p:ext>
+    </p:extLst>
+  </p:cmAuthor>
+</p:cmAuthorLst>
 </file>
 
 <file path=ppt/slideLayouts/slideLayout1.xml><?xml version="1.0" encoding="utf-8"?>
@@ -238,7 +263,7 @@
           <a:p>
             <a:fld id="{69F3D2C7-4860-46D4-B7D2-7DB937732747}" type="datetimeFigureOut">
               <a:rPr lang="es-ES" smtClean="0"/>
-              <a:t>24/08/2016</a:t>
+              <a:t>26/08/2016</a:t>
             </a:fld>
             <a:endParaRPr lang="es-ES"/>
           </a:p>
@@ -408,7 +433,7 @@
           <a:p>
             <a:fld id="{69F3D2C7-4860-46D4-B7D2-7DB937732747}" type="datetimeFigureOut">
               <a:rPr lang="es-ES" smtClean="0"/>
-              <a:t>24/08/2016</a:t>
+              <a:t>26/08/2016</a:t>
             </a:fld>
             <a:endParaRPr lang="es-ES"/>
           </a:p>
@@ -588,7 +613,7 @@
           <a:p>
             <a:fld id="{69F3D2C7-4860-46D4-B7D2-7DB937732747}" type="datetimeFigureOut">
               <a:rPr lang="es-ES" smtClean="0"/>
-              <a:t>24/08/2016</a:t>
+              <a:t>26/08/2016</a:t>
             </a:fld>
             <a:endParaRPr lang="es-ES"/>
           </a:p>
@@ -758,7 +783,7 @@
           <a:p>
             <a:fld id="{69F3D2C7-4860-46D4-B7D2-7DB937732747}" type="datetimeFigureOut">
               <a:rPr lang="es-ES" smtClean="0"/>
-              <a:t>24/08/2016</a:t>
+              <a:t>26/08/2016</a:t>
             </a:fld>
             <a:endParaRPr lang="es-ES"/>
           </a:p>
@@ -1004,7 +1029,7 @@
           <a:p>
             <a:fld id="{69F3D2C7-4860-46D4-B7D2-7DB937732747}" type="datetimeFigureOut">
               <a:rPr lang="es-ES" smtClean="0"/>
-              <a:t>24/08/2016</a:t>
+              <a:t>26/08/2016</a:t>
             </a:fld>
             <a:endParaRPr lang="es-ES"/>
           </a:p>
@@ -1236,7 +1261,7 @@
           <a:p>
             <a:fld id="{69F3D2C7-4860-46D4-B7D2-7DB937732747}" type="datetimeFigureOut">
               <a:rPr lang="es-ES" smtClean="0"/>
-              <a:t>24/08/2016</a:t>
+              <a:t>26/08/2016</a:t>
             </a:fld>
             <a:endParaRPr lang="es-ES"/>
           </a:p>
@@ -1603,7 +1628,7 @@
           <a:p>
             <a:fld id="{69F3D2C7-4860-46D4-B7D2-7DB937732747}" type="datetimeFigureOut">
               <a:rPr lang="es-ES" smtClean="0"/>
-              <a:t>24/08/2016</a:t>
+              <a:t>26/08/2016</a:t>
             </a:fld>
             <a:endParaRPr lang="es-ES"/>
           </a:p>
@@ -1721,7 +1746,7 @@
           <a:p>
             <a:fld id="{69F3D2C7-4860-46D4-B7D2-7DB937732747}" type="datetimeFigureOut">
               <a:rPr lang="es-ES" smtClean="0"/>
-              <a:t>24/08/2016</a:t>
+              <a:t>26/08/2016</a:t>
             </a:fld>
             <a:endParaRPr lang="es-ES"/>
           </a:p>
@@ -1816,7 +1841,7 @@
           <a:p>
             <a:fld id="{69F3D2C7-4860-46D4-B7D2-7DB937732747}" type="datetimeFigureOut">
               <a:rPr lang="es-ES" smtClean="0"/>
-              <a:t>24/08/2016</a:t>
+              <a:t>26/08/2016</a:t>
             </a:fld>
             <a:endParaRPr lang="es-ES"/>
           </a:p>
@@ -2093,7 +2118,7 @@
           <a:p>
             <a:fld id="{69F3D2C7-4860-46D4-B7D2-7DB937732747}" type="datetimeFigureOut">
               <a:rPr lang="es-ES" smtClean="0"/>
-              <a:t>24/08/2016</a:t>
+              <a:t>26/08/2016</a:t>
             </a:fld>
             <a:endParaRPr lang="es-ES"/>
           </a:p>
@@ -2346,7 +2371,7 @@
           <a:p>
             <a:fld id="{69F3D2C7-4860-46D4-B7D2-7DB937732747}" type="datetimeFigureOut">
               <a:rPr lang="es-ES" smtClean="0"/>
-              <a:t>24/08/2016</a:t>
+              <a:t>26/08/2016</a:t>
             </a:fld>
             <a:endParaRPr lang="es-ES"/>
           </a:p>
@@ -2559,7 +2584,7 @@
           <a:p>
             <a:fld id="{69F3D2C7-4860-46D4-B7D2-7DB937732747}" type="datetimeFigureOut">
               <a:rPr lang="es-ES" smtClean="0"/>
-              <a:t>24/08/2016</a:t>
+              <a:t>26/08/2016</a:t>
             </a:fld>
             <a:endParaRPr lang="es-ES"/>
           </a:p>
@@ -2972,8 +2997,8 @@
         </p:nvSpPr>
         <p:spPr>
           <a:xfrm>
-            <a:off x="3237722" y="251927"/>
-            <a:ext cx="6004849" cy="923330"/>
+            <a:off x="2276669" y="177282"/>
+            <a:ext cx="6709594" cy="923330"/>
           </a:xfrm>
           <a:prstGeom prst="rect">
             <a:avLst/>
@@ -2988,7 +3013,7 @@
           <a:p>
             <a:r>
               <a:rPr lang="es-ES" sz="5400" dirty="0" smtClean="0"/>
-              <a:t>DEFINICIÓ D’ESCENA</a:t>
+              <a:t>1. DEFINICIÓ D’ESCENA</a:t>
             </a:r>
             <a:endParaRPr lang="es-ES" sz="5400" dirty="0"/>
           </a:p>
@@ -3002,8 +3027,8 @@
         </p:nvSpPr>
         <p:spPr>
           <a:xfrm>
-            <a:off x="906338" y="1285867"/>
-            <a:ext cx="11113170" cy="830997"/>
+            <a:off x="505195" y="1017208"/>
+            <a:ext cx="10796610" cy="1200329"/>
           </a:xfrm>
           <a:prstGeom prst="rect">
             <a:avLst/>
@@ -3051,7 +3076,15 @@
               <a:rPr lang="ca-ES" sz="2400" dirty="0" smtClean="0">
                 <a:sym typeface="Wingdings" panose="05000000000000000000" pitchFamily="2" charset="2"/>
               </a:rPr>
-              <a:t> rotació de la taula, que defineixen una Imatge determinada. Una escena és una imatge.</a:t>
+              <a:t> rotació de la taula, que fan que una imatge sigui única i identificable. Una escena és </a:t>
+            </a:r>
+          </a:p>
+          <a:p>
+            <a:r>
+              <a:rPr lang="ca-ES" sz="2400" dirty="0" smtClean="0">
+                <a:sym typeface="Wingdings" panose="05000000000000000000" pitchFamily="2" charset="2"/>
+              </a:rPr>
+              <a:t>una imatge.</a:t>
             </a:r>
             <a:endParaRPr lang="ca-ES" sz="2400" dirty="0"/>
           </a:p>
@@ -3561,7 +3594,7 @@
         <p:spPr>
           <a:xfrm>
             <a:off x="0" y="4412707"/>
-            <a:ext cx="12019508" cy="923330"/>
+            <a:ext cx="12019508" cy="1200329"/>
           </a:xfrm>
           <a:prstGeom prst="rect">
             <a:avLst/>
@@ -3833,7 +3866,31 @@
               <a:rPr lang="es-ES" dirty="0" smtClean="0">
                 <a:sym typeface="Wingdings" panose="05000000000000000000" pitchFamily="2" charset="2"/>
               </a:rPr>
-              <a:t>. </a:t>
+              <a:t>, a </a:t>
+            </a:r>
+            <a:r>
+              <a:rPr lang="es-ES" dirty="0" err="1" smtClean="0">
+                <a:sym typeface="Wingdings" panose="05000000000000000000" pitchFamily="2" charset="2"/>
+              </a:rPr>
+              <a:t>més</a:t>
+            </a:r>
+            <a:r>
+              <a:rPr lang="es-ES" dirty="0" smtClean="0">
+                <a:sym typeface="Wingdings" panose="05000000000000000000" pitchFamily="2" charset="2"/>
+              </a:rPr>
+              <a:t> de identificar de quina cámara es cada </a:t>
+            </a:r>
+            <a:r>
+              <a:rPr lang="es-ES" dirty="0" err="1" smtClean="0">
+                <a:sym typeface="Wingdings" panose="05000000000000000000" pitchFamily="2" charset="2"/>
+              </a:rPr>
+              <a:t>imatge</a:t>
+            </a:r>
+            <a:r>
+              <a:rPr lang="es-ES" dirty="0" smtClean="0">
+                <a:sym typeface="Wingdings" panose="05000000000000000000" pitchFamily="2" charset="2"/>
+              </a:rPr>
+              <a:t>.</a:t>
             </a:r>
             <a:endParaRPr lang="es-ES" dirty="0"/>
           </a:p>
@@ -3847,8 +3904,8 @@
         </p:nvSpPr>
         <p:spPr>
           <a:xfrm>
-            <a:off x="-1" y="5454987"/>
-            <a:ext cx="11991103" cy="646331"/>
+            <a:off x="0" y="5723646"/>
+            <a:ext cx="11626324" cy="646331"/>
           </a:xfrm>
           <a:prstGeom prst="rect">
             <a:avLst/>
@@ -3875,18 +3932,10 @@
           <a:lstStyle/>
           <a:p>
             <a:r>
-              <a:rPr lang="es-ES" dirty="0" err="1" smtClean="0"/>
-              <a:t>Rotació</a:t>
-            </a:r>
-            <a:r>
-              <a:rPr lang="es-ES" dirty="0" smtClean="0"/>
-              <a:t> de la taula</a:t>
-            </a:r>
-            <a:r>
               <a:rPr lang="es-ES" dirty="0" smtClean="0">
                 <a:sym typeface="Wingdings" panose="05000000000000000000" pitchFamily="2" charset="2"/>
               </a:rPr>
-              <a:t> Encara que la taula es rectangular i </a:t>
+              <a:t>Taula rotatoria Encara que la taula es rectangular i </a:t>
             </a:r>
             <a:r>
               <a:rPr lang="es-ES" dirty="0" err="1" smtClean="0">
@@ -3982,6 +4031,6963 @@
     <p:extLst>
       <p:ext uri="{BB962C8B-B14F-4D97-AF65-F5344CB8AC3E}">
         <p14:creationId xmlns:p14="http://schemas.microsoft.com/office/powerpoint/2010/main" val="2136134912"/>
+      </p:ext>
+    </p:extLst>
+  </p:cSld>
+  <p:clrMapOvr>
+    <a:masterClrMapping/>
+  </p:clrMapOvr>
+</p:sld>
+</file>
+
+<file path=ppt/slides/slide2.xml><?xml version="1.0" encoding="utf-8"?>
+<p:sld xmlns:a="http://schemas.openxmlformats.org/drawingml/2006/main" xmlns:r="http://schemas.openxmlformats.org/officeDocument/2006/relationships" xmlns:p="http://schemas.openxmlformats.org/presentationml/2006/main">
+  <p:cSld>
+    <p:spTree>
+      <p:nvGrpSpPr>
+        <p:cNvPr id="1" name=""/>
+        <p:cNvGrpSpPr/>
+        <p:nvPr/>
+      </p:nvGrpSpPr>
+      <p:grpSpPr>
+        <a:xfrm>
+          <a:off x="0" y="0"/>
+          <a:ext cx="0" cy="0"/>
+          <a:chOff x="0" y="0"/>
+          <a:chExt cx="0" cy="0"/>
+        </a:xfrm>
+      </p:grpSpPr>
+      <p:sp>
+        <p:nvSpPr>
+          <p:cNvPr id="4" name="Rectangle 3"/>
+          <p:cNvSpPr/>
+          <p:nvPr/>
+        </p:nvSpPr>
+        <p:spPr>
+          <a:xfrm>
+            <a:off x="2367842" y="448224"/>
+            <a:ext cx="6923314" cy="709126"/>
+          </a:xfrm>
+          <a:prstGeom prst="rect">
+            <a:avLst/>
+          </a:prstGeom>
+        </p:spPr>
+        <p:style>
+          <a:lnRef idx="2">
+            <a:schemeClr val="accent1">
+              <a:shade val="50000"/>
+            </a:schemeClr>
+          </a:lnRef>
+          <a:fillRef idx="1">
+            <a:schemeClr val="accent1"/>
+          </a:fillRef>
+          <a:effectRef idx="0">
+            <a:schemeClr val="accent1"/>
+          </a:effectRef>
+          <a:fontRef idx="minor">
+            <a:schemeClr val="lt1"/>
+          </a:fontRef>
+        </p:style>
+        <p:txBody>
+          <a:bodyPr rtlCol="0" anchor="ctr"/>
+          <a:lstStyle/>
+          <a:p>
+            <a:pPr algn="ctr"/>
+            <a:endParaRPr lang="es-ES" dirty="0"/>
+          </a:p>
+        </p:txBody>
+      </p:sp>
+      <p:sp>
+        <p:nvSpPr>
+          <p:cNvPr id="8" name="TextBox 7"/>
+          <p:cNvSpPr txBox="1"/>
+          <p:nvPr/>
+        </p:nvSpPr>
+        <p:spPr>
+          <a:xfrm>
+            <a:off x="5108907" y="541177"/>
+            <a:ext cx="2486212" cy="523220"/>
+          </a:xfrm>
+          <a:prstGeom prst="rect">
+            <a:avLst/>
+          </a:prstGeom>
+          <a:noFill/>
+        </p:spPr>
+        <p:txBody>
+          <a:bodyPr wrap="square" rtlCol="0">
+            <a:spAutoFit/>
+          </a:bodyPr>
+          <a:lstStyle/>
+          <a:p>
+            <a:r>
+              <a:rPr lang="es-ES" sz="2800" u="sng" dirty="0" smtClean="0">
+                <a:solidFill>
+                  <a:schemeClr val="bg1"/>
+                </a:solidFill>
+              </a:rPr>
+              <a:t>CÀMERES</a:t>
+            </a:r>
+            <a:endParaRPr lang="es-ES" sz="2800" u="sng" dirty="0">
+              <a:solidFill>
+                <a:schemeClr val="bg1"/>
+              </a:solidFill>
+            </a:endParaRPr>
+          </a:p>
+        </p:txBody>
+      </p:sp>
+      <p:sp>
+        <p:nvSpPr>
+          <p:cNvPr id="12" name="TextBox 11"/>
+          <p:cNvSpPr txBox="1"/>
+          <p:nvPr/>
+        </p:nvSpPr>
+        <p:spPr>
+          <a:xfrm>
+            <a:off x="745392" y="1468041"/>
+            <a:ext cx="9807530" cy="3970318"/>
+          </a:xfrm>
+          <a:prstGeom prst="rect">
+            <a:avLst/>
+          </a:prstGeom>
+          <a:noFill/>
+        </p:spPr>
+        <p:txBody>
+          <a:bodyPr wrap="square" rtlCol="0">
+            <a:spAutoFit/>
+          </a:bodyPr>
+          <a:lstStyle/>
+          <a:p>
+            <a:pPr marL="285750" indent="-285750" algn="just">
+              <a:buFontTx/>
+              <a:buChar char="-"/>
+            </a:pPr>
+            <a:r>
+              <a:rPr lang="es-ES" b="1" dirty="0" smtClean="0"/>
+              <a:t>Identificador </a:t>
+            </a:r>
+            <a:r>
+              <a:rPr lang="es-ES" b="1" dirty="0" err="1" smtClean="0"/>
+              <a:t>Càmara</a:t>
+            </a:r>
+            <a:r>
+              <a:rPr lang="es-ES" b="1" dirty="0" smtClean="0"/>
+              <a:t>(</a:t>
+            </a:r>
+            <a:r>
+              <a:rPr lang="es-ES" b="1" dirty="0" err="1" smtClean="0"/>
+              <a:t>int</a:t>
+            </a:r>
+            <a:r>
+              <a:rPr lang="es-ES" b="1" dirty="0" smtClean="0"/>
+              <a:t>):</a:t>
+            </a:r>
+          </a:p>
+          <a:p>
+            <a:pPr algn="just"/>
+            <a:r>
+              <a:rPr lang="es-ES" dirty="0" smtClean="0"/>
+              <a:t>Identificador </a:t>
+            </a:r>
+            <a:r>
+              <a:rPr lang="es-ES" dirty="0" err="1" smtClean="0"/>
+              <a:t>únic</a:t>
+            </a:r>
+            <a:r>
+              <a:rPr lang="es-ES" dirty="0" smtClean="0"/>
+              <a:t> del </a:t>
+            </a:r>
+            <a:r>
+              <a:rPr lang="es-ES" dirty="0" err="1" smtClean="0"/>
+              <a:t>tipus</a:t>
+            </a:r>
+            <a:r>
+              <a:rPr lang="es-ES" dirty="0" smtClean="0"/>
+              <a:t> de </a:t>
+            </a:r>
+            <a:r>
+              <a:rPr lang="es-ES" dirty="0" err="1" smtClean="0"/>
+              <a:t>càmara</a:t>
+            </a:r>
+            <a:r>
+              <a:rPr lang="es-ES" dirty="0" smtClean="0"/>
+              <a:t>. </a:t>
+            </a:r>
+            <a:r>
+              <a:rPr lang="es-ES" dirty="0" err="1" smtClean="0"/>
+              <a:t>Podria</a:t>
+            </a:r>
+            <a:r>
+              <a:rPr lang="es-ES" dirty="0" smtClean="0"/>
+              <a:t> </a:t>
+            </a:r>
+            <a:r>
+              <a:rPr lang="es-ES" dirty="0" err="1" smtClean="0"/>
+              <a:t>haver</a:t>
+            </a:r>
+            <a:r>
+              <a:rPr lang="es-ES" dirty="0" smtClean="0"/>
+              <a:t> un </a:t>
+            </a:r>
+            <a:r>
+              <a:rPr lang="es-ES" dirty="0" err="1" smtClean="0"/>
+              <a:t>petit</a:t>
+            </a:r>
+            <a:r>
+              <a:rPr lang="es-ES" dirty="0" smtClean="0"/>
+              <a:t> </a:t>
+            </a:r>
+            <a:r>
+              <a:rPr lang="es-ES" dirty="0" err="1" smtClean="0"/>
+              <a:t>arxiu</a:t>
+            </a:r>
+            <a:r>
+              <a:rPr lang="es-ES" dirty="0" smtClean="0"/>
+              <a:t> </a:t>
+            </a:r>
+            <a:r>
+              <a:rPr lang="es-ES" dirty="0" err="1" smtClean="0"/>
+              <a:t>amb</a:t>
+            </a:r>
+            <a:r>
+              <a:rPr lang="es-ES" dirty="0" smtClean="0"/>
+              <a:t> </a:t>
+            </a:r>
+            <a:r>
+              <a:rPr lang="es-ES" dirty="0" err="1" smtClean="0"/>
+              <a:t>informació</a:t>
+            </a:r>
+            <a:r>
+              <a:rPr lang="es-ES" dirty="0" smtClean="0"/>
+              <a:t> de totes les </a:t>
+            </a:r>
+            <a:r>
+              <a:rPr lang="es-ES" dirty="0" err="1" smtClean="0"/>
+              <a:t>càmeras</a:t>
+            </a:r>
+            <a:r>
+              <a:rPr lang="es-ES" dirty="0" smtClean="0"/>
+              <a:t> disponibles, i </a:t>
+            </a:r>
+            <a:r>
+              <a:rPr lang="es-ES" dirty="0" err="1" smtClean="0"/>
+              <a:t>l’usuari</a:t>
+            </a:r>
+            <a:r>
+              <a:rPr lang="es-ES" dirty="0" smtClean="0"/>
+              <a:t> </a:t>
+            </a:r>
+            <a:r>
+              <a:rPr lang="es-ES" dirty="0" err="1" smtClean="0"/>
+              <a:t>hauría</a:t>
+            </a:r>
+            <a:r>
+              <a:rPr lang="es-ES" dirty="0" smtClean="0"/>
+              <a:t> de actualizar </a:t>
+            </a:r>
+            <a:r>
+              <a:rPr lang="es-ES" dirty="0" err="1" smtClean="0"/>
+              <a:t>aquesta</a:t>
+            </a:r>
+            <a:r>
+              <a:rPr lang="es-ES" dirty="0" smtClean="0"/>
+              <a:t> base de </a:t>
+            </a:r>
+            <a:r>
+              <a:rPr lang="es-ES" dirty="0" err="1" smtClean="0"/>
+              <a:t>dades</a:t>
+            </a:r>
+            <a:r>
+              <a:rPr lang="es-ES" dirty="0" smtClean="0"/>
+              <a:t> </a:t>
+            </a:r>
+            <a:r>
+              <a:rPr lang="es-ES" dirty="0" err="1" smtClean="0"/>
+              <a:t>quan</a:t>
+            </a:r>
+            <a:r>
+              <a:rPr lang="es-ES" dirty="0" smtClean="0"/>
+              <a:t> </a:t>
+            </a:r>
+            <a:r>
+              <a:rPr lang="es-ES" dirty="0" err="1" smtClean="0"/>
+              <a:t>s’utilitzin</a:t>
+            </a:r>
+            <a:r>
+              <a:rPr lang="es-ES" dirty="0" smtClean="0"/>
+              <a:t> noves </a:t>
+            </a:r>
+            <a:r>
+              <a:rPr lang="es-ES" dirty="0" err="1" smtClean="0"/>
+              <a:t>càmeras</a:t>
+            </a:r>
+            <a:r>
+              <a:rPr lang="es-ES" dirty="0" smtClean="0"/>
+              <a:t>.</a:t>
+            </a:r>
+          </a:p>
+          <a:p>
+            <a:pPr algn="just"/>
+            <a:endParaRPr lang="es-ES" dirty="0" smtClean="0"/>
+          </a:p>
+          <a:p>
+            <a:pPr marL="285750" indent="-285750" algn="just">
+              <a:buFontTx/>
+              <a:buChar char="-"/>
+            </a:pPr>
+            <a:r>
+              <a:rPr lang="es-ES" b="1" dirty="0" err="1" smtClean="0"/>
+              <a:t>Posició_x_y_z</a:t>
+            </a:r>
+            <a:r>
+              <a:rPr lang="es-ES" b="1" dirty="0" smtClean="0"/>
+              <a:t>(</a:t>
+            </a:r>
+            <a:r>
+              <a:rPr lang="es-ES" b="1" dirty="0" err="1" smtClean="0"/>
+              <a:t>float</a:t>
+            </a:r>
+            <a:r>
+              <a:rPr lang="es-ES" b="1" dirty="0" smtClean="0"/>
+              <a:t>[3]):</a:t>
+            </a:r>
+          </a:p>
+          <a:p>
+            <a:pPr algn="just"/>
+            <a:r>
+              <a:rPr lang="es-ES" dirty="0" err="1" smtClean="0"/>
+              <a:t>Són</a:t>
+            </a:r>
+            <a:r>
+              <a:rPr lang="es-ES" dirty="0" smtClean="0"/>
+              <a:t> 3 </a:t>
+            </a:r>
+            <a:r>
+              <a:rPr lang="es-ES" dirty="0" err="1" smtClean="0"/>
+              <a:t>floats</a:t>
+            </a:r>
+            <a:r>
+              <a:rPr lang="es-ES" dirty="0" smtClean="0"/>
+              <a:t> que </a:t>
+            </a:r>
+            <a:r>
+              <a:rPr lang="es-ES" dirty="0" err="1" smtClean="0"/>
+              <a:t>s’encarreguen</a:t>
+            </a:r>
+            <a:r>
+              <a:rPr lang="es-ES" dirty="0" smtClean="0"/>
+              <a:t> de definir la </a:t>
+            </a:r>
+            <a:r>
+              <a:rPr lang="es-ES" dirty="0" err="1" smtClean="0"/>
+              <a:t>posició</a:t>
+            </a:r>
+            <a:r>
+              <a:rPr lang="es-ES" dirty="0" smtClean="0"/>
+              <a:t> de la cámara al </a:t>
+            </a:r>
+            <a:r>
+              <a:rPr lang="es-ES" dirty="0" err="1" smtClean="0"/>
+              <a:t>món</a:t>
+            </a:r>
+            <a:r>
+              <a:rPr lang="es-ES" dirty="0" smtClean="0"/>
+              <a:t>. </a:t>
+            </a:r>
+            <a:r>
+              <a:rPr lang="es-ES" dirty="0" err="1" smtClean="0"/>
+              <a:t>Calibració</a:t>
+            </a:r>
+            <a:r>
+              <a:rPr lang="es-ES" dirty="0" smtClean="0"/>
+              <a:t> de cámara </a:t>
+            </a:r>
+            <a:r>
+              <a:rPr lang="es-ES" dirty="0" err="1" smtClean="0"/>
+              <a:t>pot</a:t>
+            </a:r>
+            <a:r>
+              <a:rPr lang="es-ES" dirty="0" smtClean="0"/>
+              <a:t> ser </a:t>
+            </a:r>
+            <a:r>
+              <a:rPr lang="es-ES" dirty="0" err="1" smtClean="0"/>
+              <a:t>adïent</a:t>
+            </a:r>
+            <a:r>
+              <a:rPr lang="es-ES" dirty="0" smtClean="0"/>
+              <a:t>.</a:t>
+            </a:r>
+          </a:p>
+          <a:p>
+            <a:pPr algn="just"/>
+            <a:endParaRPr lang="es-ES" dirty="0"/>
+          </a:p>
+          <a:p>
+            <a:pPr marL="285750" indent="-285750" algn="just">
+              <a:buFontTx/>
+              <a:buChar char="-"/>
+            </a:pPr>
+            <a:r>
+              <a:rPr lang="es-ES" b="1" dirty="0" err="1" smtClean="0"/>
+              <a:t>Orientació</a:t>
+            </a:r>
+            <a:r>
+              <a:rPr lang="es-ES" b="1" dirty="0" smtClean="0"/>
+              <a:t> _</a:t>
+            </a:r>
+            <a:r>
+              <a:rPr lang="es-ES" b="1" dirty="0" err="1" smtClean="0"/>
+              <a:t>x_y_z</a:t>
+            </a:r>
+            <a:r>
+              <a:rPr lang="es-ES" b="1" dirty="0" smtClean="0"/>
+              <a:t>(</a:t>
+            </a:r>
+            <a:r>
+              <a:rPr lang="es-ES" b="1" dirty="0" err="1" smtClean="0"/>
+              <a:t>float</a:t>
+            </a:r>
+            <a:r>
+              <a:rPr lang="es-ES" b="1" dirty="0" smtClean="0"/>
+              <a:t>[3]): </a:t>
+            </a:r>
+          </a:p>
+          <a:p>
+            <a:pPr algn="just"/>
+            <a:r>
+              <a:rPr lang="es-ES" dirty="0" err="1" smtClean="0"/>
+              <a:t>Són</a:t>
+            </a:r>
+            <a:r>
+              <a:rPr lang="es-ES" dirty="0" smtClean="0"/>
+              <a:t> 3 </a:t>
+            </a:r>
+            <a:r>
+              <a:rPr lang="es-ES" dirty="0" err="1" smtClean="0"/>
+              <a:t>floats</a:t>
+            </a:r>
+            <a:r>
+              <a:rPr lang="es-ES" dirty="0" smtClean="0"/>
+              <a:t> que </a:t>
+            </a:r>
+            <a:r>
+              <a:rPr lang="es-ES" dirty="0" err="1" smtClean="0"/>
+              <a:t>defineixen</a:t>
+            </a:r>
+            <a:r>
+              <a:rPr lang="es-ES" dirty="0" smtClean="0"/>
+              <a:t> la </a:t>
+            </a:r>
+            <a:r>
+              <a:rPr lang="es-ES" dirty="0" err="1" smtClean="0"/>
+              <a:t>rotació</a:t>
+            </a:r>
+            <a:r>
+              <a:rPr lang="es-ES" dirty="0" smtClean="0"/>
+              <a:t> </a:t>
+            </a:r>
+            <a:r>
+              <a:rPr lang="es-ES" dirty="0" err="1" smtClean="0"/>
+              <a:t>dels</a:t>
+            </a:r>
+            <a:r>
+              <a:rPr lang="es-ES" dirty="0" smtClean="0"/>
+              <a:t> </a:t>
+            </a:r>
+            <a:r>
+              <a:rPr lang="es-ES" dirty="0" err="1" smtClean="0"/>
+              <a:t>eixos</a:t>
+            </a:r>
+            <a:r>
+              <a:rPr lang="es-ES" dirty="0" smtClean="0"/>
+              <a:t> de la cámara respecte </a:t>
+            </a:r>
+            <a:r>
+              <a:rPr lang="es-ES" dirty="0" err="1" smtClean="0"/>
+              <a:t>els</a:t>
+            </a:r>
+            <a:r>
+              <a:rPr lang="es-ES" dirty="0" smtClean="0"/>
+              <a:t> </a:t>
+            </a:r>
+            <a:r>
+              <a:rPr lang="es-ES" dirty="0" err="1" smtClean="0"/>
+              <a:t>eixos</a:t>
+            </a:r>
+            <a:r>
+              <a:rPr lang="es-ES" dirty="0" smtClean="0"/>
+              <a:t> del </a:t>
+            </a:r>
+            <a:r>
+              <a:rPr lang="es-ES" dirty="0" err="1" smtClean="0"/>
+              <a:t>món</a:t>
+            </a:r>
+            <a:r>
+              <a:rPr lang="es-ES" dirty="0" smtClean="0"/>
+              <a:t>. </a:t>
+            </a:r>
+            <a:r>
+              <a:rPr lang="es-ES" dirty="0" err="1" smtClean="0"/>
+              <a:t>Els</a:t>
+            </a:r>
+            <a:r>
+              <a:rPr lang="es-ES" dirty="0" smtClean="0"/>
+              <a:t> </a:t>
+            </a:r>
+            <a:r>
+              <a:rPr lang="es-ES" dirty="0" err="1" smtClean="0"/>
+              <a:t>eixos</a:t>
+            </a:r>
+            <a:r>
+              <a:rPr lang="es-ES" dirty="0" smtClean="0"/>
+              <a:t> del </a:t>
+            </a:r>
+            <a:r>
+              <a:rPr lang="es-ES" dirty="0" err="1" smtClean="0"/>
+              <a:t>món</a:t>
+            </a:r>
+            <a:r>
+              <a:rPr lang="es-ES" dirty="0" smtClean="0"/>
+              <a:t> </a:t>
+            </a:r>
+            <a:r>
+              <a:rPr lang="es-ES" dirty="0" err="1" smtClean="0"/>
+              <a:t>coincideixen</a:t>
+            </a:r>
+            <a:r>
+              <a:rPr lang="es-ES" dirty="0" smtClean="0"/>
+              <a:t> </a:t>
+            </a:r>
+            <a:r>
+              <a:rPr lang="es-ES" dirty="0" err="1" smtClean="0"/>
+              <a:t>amb</a:t>
+            </a:r>
+            <a:r>
+              <a:rPr lang="es-ES" dirty="0" smtClean="0"/>
+              <a:t> </a:t>
+            </a:r>
+            <a:r>
+              <a:rPr lang="es-ES" dirty="0" err="1" smtClean="0"/>
+              <a:t>els</a:t>
+            </a:r>
+            <a:r>
+              <a:rPr lang="es-ES" dirty="0" smtClean="0"/>
+              <a:t> </a:t>
+            </a:r>
+            <a:r>
+              <a:rPr lang="es-ES" dirty="0" err="1" smtClean="0"/>
+              <a:t>eixos</a:t>
+            </a:r>
+            <a:r>
+              <a:rPr lang="es-ES" dirty="0" smtClean="0"/>
+              <a:t> de la taula a la </a:t>
+            </a:r>
+            <a:r>
+              <a:rPr lang="es-ES" dirty="0" err="1" smtClean="0"/>
+              <a:t>posició</a:t>
+            </a:r>
+            <a:r>
+              <a:rPr lang="es-ES" dirty="0" smtClean="0"/>
+              <a:t> (0,0).</a:t>
+            </a:r>
+          </a:p>
+          <a:p>
+            <a:pPr algn="just"/>
+            <a:endParaRPr lang="es-ES" dirty="0" smtClean="0"/>
+          </a:p>
+          <a:p>
+            <a:pPr algn="just"/>
+            <a:r>
+              <a:rPr lang="es-ES" b="1" dirty="0" err="1" smtClean="0"/>
+              <a:t>Parametres</a:t>
+            </a:r>
+            <a:r>
+              <a:rPr lang="es-ES" b="1" dirty="0" smtClean="0"/>
+              <a:t> </a:t>
+            </a:r>
+            <a:r>
+              <a:rPr lang="es-ES" b="1" dirty="0" err="1" smtClean="0"/>
+              <a:t>característics</a:t>
+            </a:r>
+            <a:r>
+              <a:rPr lang="es-ES" b="1" dirty="0" smtClean="0"/>
+              <a:t> de la captura de la </a:t>
+            </a:r>
+            <a:r>
+              <a:rPr lang="es-ES" b="1" dirty="0" err="1" smtClean="0"/>
+              <a:t>imatge</a:t>
+            </a:r>
+            <a:r>
+              <a:rPr lang="es-ES" b="1" dirty="0" smtClean="0"/>
+              <a:t> </a:t>
+            </a:r>
+            <a:r>
+              <a:rPr lang="es-ES" b="1" dirty="0" err="1" smtClean="0"/>
+              <a:t>haurian</a:t>
+            </a:r>
+            <a:r>
+              <a:rPr lang="es-ES" b="1" dirty="0" smtClean="0"/>
+              <a:t> de quedar </a:t>
+            </a:r>
+            <a:r>
+              <a:rPr lang="es-ES" b="1" dirty="0" err="1" smtClean="0"/>
+              <a:t>guardats</a:t>
+            </a:r>
+            <a:r>
+              <a:rPr lang="es-ES" b="1" dirty="0" smtClean="0"/>
+              <a:t> al </a:t>
+            </a:r>
+            <a:r>
+              <a:rPr lang="es-ES" b="1" dirty="0" err="1" smtClean="0"/>
+              <a:t>exif</a:t>
+            </a:r>
+            <a:r>
+              <a:rPr lang="es-ES" b="1" dirty="0" smtClean="0"/>
+              <a:t> de cada </a:t>
+            </a:r>
+            <a:r>
+              <a:rPr lang="es-ES" b="1" dirty="0" err="1" smtClean="0"/>
+              <a:t>imatge</a:t>
+            </a:r>
+            <a:r>
+              <a:rPr lang="es-ES" b="1" dirty="0" smtClean="0"/>
+              <a:t>, per </a:t>
+            </a:r>
+            <a:r>
+              <a:rPr lang="es-ES" b="1" dirty="0" err="1" smtClean="0"/>
+              <a:t>tant</a:t>
+            </a:r>
+            <a:r>
+              <a:rPr lang="es-ES" b="1" dirty="0" smtClean="0"/>
+              <a:t>, no </a:t>
+            </a:r>
+            <a:r>
+              <a:rPr lang="es-ES" b="1" dirty="0" err="1" smtClean="0"/>
+              <a:t>és</a:t>
+            </a:r>
+            <a:r>
+              <a:rPr lang="es-ES" b="1" dirty="0" smtClean="0"/>
+              <a:t> </a:t>
+            </a:r>
+            <a:r>
+              <a:rPr lang="es-ES" b="1" dirty="0" err="1" smtClean="0"/>
+              <a:t>necessari</a:t>
+            </a:r>
+            <a:r>
+              <a:rPr lang="es-ES" b="1" dirty="0" smtClean="0"/>
+              <a:t> guardar </a:t>
+            </a:r>
+            <a:r>
+              <a:rPr lang="es-ES" b="1" dirty="0" err="1" smtClean="0"/>
+              <a:t>aquesta</a:t>
+            </a:r>
+            <a:r>
+              <a:rPr lang="es-ES" b="1" dirty="0" smtClean="0"/>
+              <a:t> información- </a:t>
+            </a:r>
+            <a:endParaRPr lang="es-ES" dirty="0" smtClean="0"/>
+          </a:p>
+        </p:txBody>
+      </p:sp>
+    </p:spTree>
+    <p:extLst>
+      <p:ext uri="{BB962C8B-B14F-4D97-AF65-F5344CB8AC3E}">
+        <p14:creationId xmlns:p14="http://schemas.microsoft.com/office/powerpoint/2010/main" val="1326325112"/>
+      </p:ext>
+    </p:extLst>
+  </p:cSld>
+  <p:clrMapOvr>
+    <a:masterClrMapping/>
+  </p:clrMapOvr>
+</p:sld>
+</file>
+
+<file path=ppt/slides/slide3.xml><?xml version="1.0" encoding="utf-8"?>
+<p:sld xmlns:a="http://schemas.openxmlformats.org/drawingml/2006/main" xmlns:r="http://schemas.openxmlformats.org/officeDocument/2006/relationships" xmlns:p="http://schemas.openxmlformats.org/presentationml/2006/main">
+  <p:cSld>
+    <p:spTree>
+      <p:nvGrpSpPr>
+        <p:cNvPr id="1" name=""/>
+        <p:cNvGrpSpPr/>
+        <p:nvPr/>
+      </p:nvGrpSpPr>
+      <p:grpSpPr>
+        <a:xfrm>
+          <a:off x="0" y="0"/>
+          <a:ext cx="0" cy="0"/>
+          <a:chOff x="0" y="0"/>
+          <a:chExt cx="0" cy="0"/>
+        </a:xfrm>
+      </p:grpSpPr>
+      <p:sp>
+        <p:nvSpPr>
+          <p:cNvPr id="4" name="Rectangle 3"/>
+          <p:cNvSpPr/>
+          <p:nvPr/>
+        </p:nvSpPr>
+        <p:spPr>
+          <a:xfrm>
+            <a:off x="2367842" y="448224"/>
+            <a:ext cx="6923314" cy="709126"/>
+          </a:xfrm>
+          <a:prstGeom prst="rect">
+            <a:avLst/>
+          </a:prstGeom>
+        </p:spPr>
+        <p:style>
+          <a:lnRef idx="2">
+            <a:schemeClr val="accent1">
+              <a:shade val="50000"/>
+            </a:schemeClr>
+          </a:lnRef>
+          <a:fillRef idx="1">
+            <a:schemeClr val="accent1"/>
+          </a:fillRef>
+          <a:effectRef idx="0">
+            <a:schemeClr val="accent1"/>
+          </a:effectRef>
+          <a:fontRef idx="minor">
+            <a:schemeClr val="lt1"/>
+          </a:fontRef>
+        </p:style>
+        <p:txBody>
+          <a:bodyPr rtlCol="0" anchor="ctr"/>
+          <a:lstStyle/>
+          <a:p>
+            <a:pPr algn="ctr"/>
+            <a:endParaRPr lang="es-ES" dirty="0"/>
+          </a:p>
+        </p:txBody>
+      </p:sp>
+      <p:sp>
+        <p:nvSpPr>
+          <p:cNvPr id="8" name="TextBox 7"/>
+          <p:cNvSpPr txBox="1"/>
+          <p:nvPr/>
+        </p:nvSpPr>
+        <p:spPr>
+          <a:xfrm>
+            <a:off x="4380054" y="541177"/>
+            <a:ext cx="3332566" cy="523220"/>
+          </a:xfrm>
+          <a:prstGeom prst="rect">
+            <a:avLst/>
+          </a:prstGeom>
+          <a:noFill/>
+        </p:spPr>
+        <p:txBody>
+          <a:bodyPr wrap="square" rtlCol="0">
+            <a:spAutoFit/>
+          </a:bodyPr>
+          <a:lstStyle/>
+          <a:p>
+            <a:r>
+              <a:rPr lang="es-ES" sz="2800" u="sng" dirty="0" smtClean="0">
+                <a:solidFill>
+                  <a:schemeClr val="bg1"/>
+                </a:solidFill>
+              </a:rPr>
+              <a:t>TAULA ROTATORIA</a:t>
+            </a:r>
+            <a:endParaRPr lang="es-ES" sz="2800" u="sng" dirty="0">
+              <a:solidFill>
+                <a:schemeClr val="bg1"/>
+              </a:solidFill>
+            </a:endParaRPr>
+          </a:p>
+        </p:txBody>
+      </p:sp>
+      <p:sp>
+        <p:nvSpPr>
+          <p:cNvPr id="12" name="TextBox 11"/>
+          <p:cNvSpPr txBox="1"/>
+          <p:nvPr/>
+        </p:nvSpPr>
+        <p:spPr>
+          <a:xfrm>
+            <a:off x="745392" y="1468041"/>
+            <a:ext cx="9807530" cy="2585323"/>
+          </a:xfrm>
+          <a:prstGeom prst="rect">
+            <a:avLst/>
+          </a:prstGeom>
+          <a:noFill/>
+        </p:spPr>
+        <p:txBody>
+          <a:bodyPr wrap="square" rtlCol="0">
+            <a:spAutoFit/>
+          </a:bodyPr>
+          <a:lstStyle/>
+          <a:p>
+            <a:pPr algn="just"/>
+            <a:endParaRPr lang="es-ES" dirty="0" smtClean="0"/>
+          </a:p>
+          <a:p>
+            <a:pPr marL="285750" indent="-285750" algn="just">
+              <a:buFontTx/>
+              <a:buChar char="-"/>
+            </a:pPr>
+            <a:r>
+              <a:rPr lang="es-ES" b="1" dirty="0" err="1" smtClean="0"/>
+              <a:t>Rotació</a:t>
+            </a:r>
+            <a:r>
+              <a:rPr lang="es-ES" b="1" dirty="0" smtClean="0"/>
+              <a:t> (</a:t>
+            </a:r>
+            <a:r>
+              <a:rPr lang="es-ES" b="1" dirty="0" err="1" smtClean="0"/>
+              <a:t>float</a:t>
+            </a:r>
+            <a:r>
+              <a:rPr lang="es-ES" b="1" dirty="0" smtClean="0"/>
+              <a:t>):</a:t>
+            </a:r>
+          </a:p>
+          <a:p>
+            <a:pPr algn="just"/>
+            <a:r>
+              <a:rPr lang="es-ES" dirty="0" err="1" smtClean="0"/>
+              <a:t>Rotació</a:t>
+            </a:r>
+            <a:r>
+              <a:rPr lang="es-ES" dirty="0" smtClean="0"/>
+              <a:t> en </a:t>
+            </a:r>
+            <a:r>
+              <a:rPr lang="es-ES" dirty="0" err="1" smtClean="0"/>
+              <a:t>graus</a:t>
+            </a:r>
+            <a:r>
+              <a:rPr lang="es-ES" dirty="0" smtClean="0"/>
+              <a:t> de la taula. </a:t>
+            </a:r>
+            <a:r>
+              <a:rPr lang="es-ES" dirty="0" err="1" smtClean="0"/>
+              <a:t>És</a:t>
+            </a:r>
+            <a:r>
+              <a:rPr lang="es-ES" dirty="0" smtClean="0"/>
+              <a:t> un </a:t>
+            </a:r>
+            <a:r>
+              <a:rPr lang="es-ES" dirty="0" err="1" smtClean="0"/>
+              <a:t>float</a:t>
+            </a:r>
+            <a:r>
+              <a:rPr lang="es-ES" dirty="0" smtClean="0"/>
+              <a:t> que </a:t>
+            </a:r>
+            <a:r>
+              <a:rPr lang="es-ES" dirty="0" err="1" smtClean="0"/>
+              <a:t>pot</a:t>
+            </a:r>
+            <a:r>
+              <a:rPr lang="es-ES" dirty="0" smtClean="0"/>
+              <a:t> </a:t>
+            </a:r>
+            <a:r>
+              <a:rPr lang="es-ES" dirty="0" err="1" smtClean="0"/>
+              <a:t>anar</a:t>
+            </a:r>
+            <a:r>
+              <a:rPr lang="es-ES" dirty="0" smtClean="0"/>
+              <a:t> desde 0 </a:t>
+            </a:r>
+            <a:r>
+              <a:rPr lang="es-ES" dirty="0" err="1" smtClean="0"/>
+              <a:t>fins</a:t>
+            </a:r>
+            <a:r>
+              <a:rPr lang="es-ES" dirty="0" smtClean="0"/>
+              <a:t> a 360, el 360 no </a:t>
+            </a:r>
+            <a:r>
+              <a:rPr lang="es-ES" dirty="0" err="1" smtClean="0"/>
+              <a:t>inclós</a:t>
+            </a:r>
+            <a:r>
+              <a:rPr lang="es-ES" dirty="0" smtClean="0"/>
+              <a:t>. </a:t>
+            </a:r>
+          </a:p>
+          <a:p>
+            <a:pPr marL="285750" indent="-285750" algn="just">
+              <a:buFontTx/>
+              <a:buChar char="-"/>
+            </a:pPr>
+            <a:endParaRPr lang="es-ES" dirty="0" smtClean="0"/>
+          </a:p>
+          <a:p>
+            <a:pPr marL="285750" indent="-285750" algn="just">
+              <a:buFontTx/>
+              <a:buChar char="-"/>
+            </a:pPr>
+            <a:r>
+              <a:rPr lang="es-ES" b="1" dirty="0" err="1" smtClean="0"/>
+              <a:t>Inclinació</a:t>
+            </a:r>
+            <a:r>
+              <a:rPr lang="es-ES" b="1" dirty="0" smtClean="0"/>
+              <a:t> (</a:t>
+            </a:r>
+            <a:r>
+              <a:rPr lang="es-ES" b="1" dirty="0" err="1" smtClean="0"/>
+              <a:t>float</a:t>
+            </a:r>
+            <a:r>
+              <a:rPr lang="es-ES" b="1" dirty="0" smtClean="0"/>
+              <a:t>):</a:t>
+            </a:r>
+          </a:p>
+          <a:p>
+            <a:pPr algn="just"/>
+            <a:r>
+              <a:rPr lang="es-ES" dirty="0" err="1" smtClean="0"/>
+              <a:t>Inclinació</a:t>
+            </a:r>
+            <a:r>
+              <a:rPr lang="es-ES" dirty="0" smtClean="0"/>
+              <a:t> en </a:t>
+            </a:r>
+            <a:r>
+              <a:rPr lang="es-ES" dirty="0" err="1" smtClean="0"/>
+              <a:t>graus</a:t>
+            </a:r>
+            <a:r>
+              <a:rPr lang="es-ES" dirty="0" smtClean="0"/>
+              <a:t> de la taula. </a:t>
+            </a:r>
+            <a:r>
+              <a:rPr lang="es-ES" dirty="0" err="1" smtClean="0"/>
+              <a:t>És</a:t>
+            </a:r>
+            <a:r>
+              <a:rPr lang="es-ES" dirty="0" smtClean="0"/>
+              <a:t> un </a:t>
+            </a:r>
+            <a:r>
+              <a:rPr lang="es-ES" dirty="0" err="1" smtClean="0"/>
+              <a:t>float</a:t>
+            </a:r>
+            <a:r>
+              <a:rPr lang="es-ES" dirty="0" smtClean="0"/>
+              <a:t> que </a:t>
+            </a:r>
+            <a:r>
+              <a:rPr lang="es-ES" dirty="0" err="1" smtClean="0"/>
+              <a:t>pot</a:t>
+            </a:r>
+            <a:r>
+              <a:rPr lang="es-ES" dirty="0" smtClean="0"/>
+              <a:t> </a:t>
+            </a:r>
+            <a:r>
+              <a:rPr lang="es-ES" dirty="0" err="1" smtClean="0"/>
+              <a:t>anar</a:t>
+            </a:r>
+            <a:r>
+              <a:rPr lang="es-ES" dirty="0" smtClean="0"/>
+              <a:t> desde -45 </a:t>
+            </a:r>
+            <a:r>
+              <a:rPr lang="es-ES" dirty="0" err="1" smtClean="0"/>
+              <a:t>fins</a:t>
+            </a:r>
+            <a:r>
+              <a:rPr lang="es-ES" dirty="0" smtClean="0"/>
+              <a:t> a 45 </a:t>
+            </a:r>
+            <a:r>
+              <a:rPr lang="es-ES" dirty="0" err="1" smtClean="0"/>
+              <a:t>graus</a:t>
+            </a:r>
+            <a:r>
+              <a:rPr lang="es-ES" dirty="0" smtClean="0"/>
+              <a:t>, </a:t>
+            </a:r>
+            <a:r>
+              <a:rPr lang="es-ES" dirty="0" err="1" smtClean="0"/>
+              <a:t>on</a:t>
+            </a:r>
+            <a:r>
+              <a:rPr lang="es-ES" dirty="0" smtClean="0"/>
+              <a:t> el 0 es </a:t>
+            </a:r>
+            <a:r>
+              <a:rPr lang="es-ES" dirty="0" err="1" smtClean="0"/>
+              <a:t>refereix</a:t>
+            </a:r>
+            <a:r>
+              <a:rPr lang="es-ES" dirty="0" smtClean="0"/>
+              <a:t> a que la taula es </a:t>
+            </a:r>
+            <a:r>
+              <a:rPr lang="es-ES" dirty="0" err="1" smtClean="0"/>
+              <a:t>troba</a:t>
+            </a:r>
+            <a:r>
+              <a:rPr lang="es-ES" dirty="0" smtClean="0"/>
+              <a:t> </a:t>
+            </a:r>
+            <a:r>
+              <a:rPr lang="es-ES" dirty="0" err="1" smtClean="0"/>
+              <a:t>completament</a:t>
+            </a:r>
+            <a:r>
+              <a:rPr lang="es-ES" dirty="0" smtClean="0"/>
+              <a:t> plana.</a:t>
+            </a:r>
+          </a:p>
+          <a:p>
+            <a:pPr algn="just"/>
+            <a:endParaRPr lang="es-ES" dirty="0" smtClean="0"/>
+          </a:p>
+          <a:p>
+            <a:pPr algn="just"/>
+            <a:r>
+              <a:rPr lang="es-ES" dirty="0" smtClean="0"/>
+              <a:t>- ????:</a:t>
+            </a:r>
+          </a:p>
+        </p:txBody>
+      </p:sp>
+    </p:spTree>
+    <p:extLst>
+      <p:ext uri="{BB962C8B-B14F-4D97-AF65-F5344CB8AC3E}">
+        <p14:creationId xmlns:p14="http://schemas.microsoft.com/office/powerpoint/2010/main" val="1066398663"/>
+      </p:ext>
+    </p:extLst>
+  </p:cSld>
+  <p:clrMapOvr>
+    <a:masterClrMapping/>
+  </p:clrMapOvr>
+</p:sld>
+</file>
+
+<file path=ppt/slides/slide4.xml><?xml version="1.0" encoding="utf-8"?>
+<p:sld xmlns:a="http://schemas.openxmlformats.org/drawingml/2006/main" xmlns:r="http://schemas.openxmlformats.org/officeDocument/2006/relationships" xmlns:p="http://schemas.openxmlformats.org/presentationml/2006/main">
+  <p:cSld>
+    <p:spTree>
+      <p:nvGrpSpPr>
+        <p:cNvPr id="1" name=""/>
+        <p:cNvGrpSpPr/>
+        <p:nvPr/>
+      </p:nvGrpSpPr>
+      <p:grpSpPr>
+        <a:xfrm>
+          <a:off x="0" y="0"/>
+          <a:ext cx="0" cy="0"/>
+          <a:chOff x="0" y="0"/>
+          <a:chExt cx="0" cy="0"/>
+        </a:xfrm>
+      </p:grpSpPr>
+      <p:sp>
+        <p:nvSpPr>
+          <p:cNvPr id="24" name="Rectangle 23"/>
+          <p:cNvSpPr/>
+          <p:nvPr/>
+        </p:nvSpPr>
+        <p:spPr>
+          <a:xfrm>
+            <a:off x="7930792" y="2725887"/>
+            <a:ext cx="3521510" cy="4020600"/>
+          </a:xfrm>
+          <a:prstGeom prst="rect">
+            <a:avLst/>
+          </a:prstGeom>
+          <a:solidFill>
+            <a:schemeClr val="bg1"/>
+          </a:solidFill>
+          <a:ln>
+            <a:solidFill>
+              <a:schemeClr val="tx1"/>
+            </a:solidFill>
+          </a:ln>
+        </p:spPr>
+        <p:style>
+          <a:lnRef idx="2">
+            <a:schemeClr val="accent1">
+              <a:shade val="50000"/>
+            </a:schemeClr>
+          </a:lnRef>
+          <a:fillRef idx="1">
+            <a:schemeClr val="accent1"/>
+          </a:fillRef>
+          <a:effectRef idx="0">
+            <a:schemeClr val="accent1"/>
+          </a:effectRef>
+          <a:fontRef idx="minor">
+            <a:schemeClr val="lt1"/>
+          </a:fontRef>
+        </p:style>
+        <p:txBody>
+          <a:bodyPr rtlCol="0" anchor="ctr"/>
+          <a:lstStyle/>
+          <a:p>
+            <a:pPr algn="ctr"/>
+            <a:endParaRPr lang="es-ES"/>
+          </a:p>
+        </p:txBody>
+      </p:sp>
+      <p:sp>
+        <p:nvSpPr>
+          <p:cNvPr id="5" name="Rectangle 4"/>
+          <p:cNvSpPr/>
+          <p:nvPr/>
+        </p:nvSpPr>
+        <p:spPr>
+          <a:xfrm>
+            <a:off x="2367842" y="448224"/>
+            <a:ext cx="6923314" cy="709126"/>
+          </a:xfrm>
+          <a:prstGeom prst="rect">
+            <a:avLst/>
+          </a:prstGeom>
+        </p:spPr>
+        <p:style>
+          <a:lnRef idx="2">
+            <a:schemeClr val="accent1">
+              <a:shade val="50000"/>
+            </a:schemeClr>
+          </a:lnRef>
+          <a:fillRef idx="1">
+            <a:schemeClr val="accent1"/>
+          </a:fillRef>
+          <a:effectRef idx="0">
+            <a:schemeClr val="accent1"/>
+          </a:effectRef>
+          <a:fontRef idx="minor">
+            <a:schemeClr val="lt1"/>
+          </a:fontRef>
+        </p:style>
+        <p:txBody>
+          <a:bodyPr rtlCol="0" anchor="ctr"/>
+          <a:lstStyle/>
+          <a:p>
+            <a:pPr algn="ctr"/>
+            <a:r>
+              <a:rPr lang="es-ES" sz="2800" u="sng" dirty="0" smtClean="0"/>
+              <a:t>ILUMINACIÓ</a:t>
+            </a:r>
+            <a:endParaRPr lang="es-ES" sz="2800" u="sng" dirty="0"/>
+          </a:p>
+        </p:txBody>
+      </p:sp>
+      <p:sp>
+        <p:nvSpPr>
+          <p:cNvPr id="6" name="TextBox 5"/>
+          <p:cNvSpPr txBox="1"/>
+          <p:nvPr/>
+        </p:nvSpPr>
+        <p:spPr>
+          <a:xfrm>
+            <a:off x="708069" y="1514694"/>
+            <a:ext cx="9807530" cy="3416320"/>
+          </a:xfrm>
+          <a:prstGeom prst="rect">
+            <a:avLst/>
+          </a:prstGeom>
+          <a:noFill/>
+        </p:spPr>
+        <p:txBody>
+          <a:bodyPr wrap="square" rtlCol="0">
+            <a:spAutoFit/>
+          </a:bodyPr>
+          <a:lstStyle/>
+          <a:p>
+            <a:pPr marL="285750" indent="-285750" algn="just">
+              <a:buFontTx/>
+              <a:buChar char="-"/>
+            </a:pPr>
+            <a:r>
+              <a:rPr lang="es-ES" b="1" dirty="0" smtClean="0"/>
+              <a:t>Identificador </a:t>
+            </a:r>
+            <a:r>
+              <a:rPr lang="es-ES" b="1" dirty="0" err="1" smtClean="0"/>
+              <a:t>Llum</a:t>
+            </a:r>
+            <a:r>
+              <a:rPr lang="es-ES" b="1" dirty="0" smtClean="0"/>
+              <a:t> (</a:t>
+            </a:r>
+            <a:r>
+              <a:rPr lang="es-ES" b="1" dirty="0" err="1" smtClean="0"/>
+              <a:t>int</a:t>
+            </a:r>
+            <a:r>
+              <a:rPr lang="es-ES" b="1" dirty="0" smtClean="0"/>
+              <a:t>):</a:t>
+            </a:r>
+          </a:p>
+          <a:p>
+            <a:pPr algn="just"/>
+            <a:r>
+              <a:rPr lang="es-ES" dirty="0" smtClean="0"/>
+              <a:t>Cada </a:t>
+            </a:r>
+            <a:r>
+              <a:rPr lang="es-ES" dirty="0" err="1" smtClean="0"/>
+              <a:t>llum</a:t>
+            </a:r>
+            <a:r>
+              <a:rPr lang="es-ES" dirty="0" smtClean="0"/>
+              <a:t> está identificada </a:t>
+            </a:r>
+            <a:r>
+              <a:rPr lang="es-ES" dirty="0" err="1" smtClean="0"/>
+              <a:t>amb</a:t>
+            </a:r>
+            <a:r>
+              <a:rPr lang="es-ES" dirty="0" smtClean="0"/>
+              <a:t> un identificador del 1 al 9 que la diferencia de les </a:t>
+            </a:r>
+            <a:r>
+              <a:rPr lang="es-ES" dirty="0" err="1" smtClean="0"/>
+              <a:t>altres</a:t>
+            </a:r>
+            <a:r>
+              <a:rPr lang="es-ES" dirty="0" smtClean="0"/>
+              <a:t> </a:t>
+            </a:r>
+            <a:r>
+              <a:rPr lang="es-ES" dirty="0" err="1" smtClean="0"/>
+              <a:t>llums</a:t>
+            </a:r>
+            <a:r>
+              <a:rPr lang="es-ES" dirty="0" smtClean="0"/>
+              <a:t>, en </a:t>
+            </a:r>
+            <a:r>
+              <a:rPr lang="es-ES" dirty="0" err="1" smtClean="0"/>
+              <a:t>funció</a:t>
+            </a:r>
+            <a:r>
+              <a:rPr lang="es-ES" dirty="0" smtClean="0"/>
+              <a:t> de quina </a:t>
+            </a:r>
+            <a:r>
+              <a:rPr lang="es-ES" dirty="0" err="1" smtClean="0"/>
+              <a:t>és</a:t>
+            </a:r>
+            <a:r>
+              <a:rPr lang="es-ES" dirty="0" smtClean="0"/>
+              <a:t> la </a:t>
+            </a:r>
+            <a:r>
+              <a:rPr lang="es-ES" dirty="0" err="1" smtClean="0"/>
+              <a:t>seva</a:t>
+            </a:r>
+            <a:r>
+              <a:rPr lang="es-ES" dirty="0"/>
+              <a:t> </a:t>
+            </a:r>
+            <a:r>
+              <a:rPr lang="es-ES" dirty="0" err="1" smtClean="0"/>
+              <a:t>posició</a:t>
+            </a:r>
+            <a:r>
+              <a:rPr lang="es-ES" dirty="0" smtClean="0"/>
+              <a:t> al </a:t>
+            </a:r>
+            <a:r>
+              <a:rPr lang="es-ES" dirty="0" err="1" smtClean="0"/>
+              <a:t>espai</a:t>
+            </a:r>
+            <a:r>
+              <a:rPr lang="es-ES" dirty="0" smtClean="0"/>
+              <a:t>. En </a:t>
+            </a:r>
+            <a:r>
+              <a:rPr lang="es-ES" dirty="0" err="1" smtClean="0"/>
+              <a:t>principi</a:t>
+            </a:r>
+            <a:r>
+              <a:rPr lang="es-ES" dirty="0" smtClean="0"/>
+              <a:t>, </a:t>
+            </a:r>
+            <a:r>
+              <a:rPr lang="es-ES" dirty="0" err="1" smtClean="0"/>
+              <a:t>com</a:t>
+            </a:r>
+            <a:r>
+              <a:rPr lang="es-ES" dirty="0" smtClean="0"/>
+              <a:t> que totes </a:t>
+            </a:r>
+            <a:r>
+              <a:rPr lang="es-ES" dirty="0" err="1" smtClean="0"/>
+              <a:t>llums</a:t>
+            </a:r>
+            <a:r>
+              <a:rPr lang="es-ES" dirty="0" smtClean="0"/>
+              <a:t> </a:t>
+            </a:r>
+            <a:r>
+              <a:rPr lang="es-ES" dirty="0" err="1" smtClean="0"/>
+              <a:t>són</a:t>
+            </a:r>
+            <a:r>
+              <a:rPr lang="es-ES" dirty="0" smtClean="0"/>
+              <a:t> </a:t>
+            </a:r>
+            <a:r>
+              <a:rPr lang="es-ES" dirty="0" err="1" smtClean="0"/>
+              <a:t>iguals</a:t>
+            </a:r>
+            <a:r>
+              <a:rPr lang="es-ES" dirty="0" smtClean="0"/>
+              <a:t>, no fa falta </a:t>
+            </a:r>
+            <a:r>
+              <a:rPr lang="es-ES" dirty="0" err="1" smtClean="0"/>
+              <a:t>fer</a:t>
+            </a:r>
+            <a:r>
+              <a:rPr lang="es-ES" dirty="0" smtClean="0"/>
+              <a:t> una base de </a:t>
+            </a:r>
+            <a:r>
+              <a:rPr lang="es-ES" dirty="0" err="1" smtClean="0"/>
+              <a:t>dades</a:t>
+            </a:r>
+            <a:r>
+              <a:rPr lang="es-ES" dirty="0" smtClean="0"/>
+              <a:t> </a:t>
+            </a:r>
+            <a:r>
+              <a:rPr lang="es-ES" dirty="0" err="1" smtClean="0"/>
+              <a:t>amb</a:t>
+            </a:r>
+            <a:r>
+              <a:rPr lang="es-ES" dirty="0"/>
+              <a:t> </a:t>
+            </a:r>
+            <a:r>
+              <a:rPr lang="es-ES" dirty="0" smtClean="0"/>
+              <a:t>la información de cada </a:t>
+            </a:r>
+            <a:r>
+              <a:rPr lang="es-ES" dirty="0" err="1" smtClean="0"/>
+              <a:t>llum</a:t>
+            </a:r>
+            <a:r>
+              <a:rPr lang="es-ES" dirty="0" smtClean="0"/>
+              <a:t>. </a:t>
+            </a:r>
+            <a:r>
+              <a:rPr lang="es-ES" dirty="0" err="1" smtClean="0"/>
+              <a:t>Els</a:t>
+            </a:r>
+            <a:r>
+              <a:rPr lang="es-ES" dirty="0" smtClean="0"/>
+              <a:t> </a:t>
+            </a:r>
+            <a:r>
+              <a:rPr lang="es-ES" dirty="0" err="1" smtClean="0"/>
+              <a:t>identificadors</a:t>
+            </a:r>
+            <a:r>
+              <a:rPr lang="es-ES" dirty="0" smtClean="0"/>
+              <a:t> queden </a:t>
+            </a:r>
+            <a:r>
+              <a:rPr lang="es-ES" dirty="0" err="1" smtClean="0"/>
+              <a:t>definits</a:t>
+            </a:r>
+            <a:r>
+              <a:rPr lang="es-ES" dirty="0" smtClean="0"/>
+              <a:t> de la </a:t>
+            </a:r>
+            <a:r>
+              <a:rPr lang="es-ES" dirty="0" err="1" smtClean="0"/>
+              <a:t>següent</a:t>
+            </a:r>
+            <a:r>
+              <a:rPr lang="es-ES" dirty="0" smtClean="0"/>
+              <a:t> forma</a:t>
+            </a:r>
+            <a:endParaRPr lang="es-ES" dirty="0"/>
+          </a:p>
+          <a:p>
+            <a:pPr algn="just"/>
+            <a:endParaRPr lang="es-ES" dirty="0" smtClean="0"/>
+          </a:p>
+          <a:p>
+            <a:pPr marL="285750" indent="-285750" algn="just">
+              <a:buFontTx/>
+              <a:buChar char="-"/>
+            </a:pPr>
+            <a:r>
+              <a:rPr lang="es-ES" b="1" dirty="0" smtClean="0"/>
+              <a:t>RGB (</a:t>
+            </a:r>
+            <a:r>
+              <a:rPr lang="es-ES" b="1" dirty="0" err="1" smtClean="0"/>
+              <a:t>int</a:t>
+            </a:r>
+            <a:r>
+              <a:rPr lang="es-ES" b="1" dirty="0" smtClean="0"/>
+              <a:t>[3]):</a:t>
+            </a:r>
+          </a:p>
+          <a:p>
+            <a:pPr algn="just"/>
+            <a:r>
+              <a:rPr lang="es-ES" dirty="0" smtClean="0"/>
+              <a:t>Vector de 3 </a:t>
+            </a:r>
+            <a:r>
+              <a:rPr lang="es-ES" dirty="0" err="1" smtClean="0"/>
+              <a:t>dimensions</a:t>
+            </a:r>
+            <a:r>
+              <a:rPr lang="es-ES" dirty="0" smtClean="0"/>
+              <a:t> que </a:t>
+            </a:r>
+            <a:r>
+              <a:rPr lang="es-ES" dirty="0" err="1" smtClean="0"/>
+              <a:t>defineix</a:t>
+            </a:r>
+            <a:r>
+              <a:rPr lang="es-ES" dirty="0" smtClean="0"/>
+              <a:t> el color de la </a:t>
+            </a:r>
+            <a:r>
+              <a:rPr lang="es-ES" dirty="0" err="1" smtClean="0"/>
+              <a:t>llum</a:t>
+            </a:r>
+            <a:r>
+              <a:rPr lang="es-ES" dirty="0" smtClean="0"/>
+              <a:t>.</a:t>
+            </a:r>
+          </a:p>
+          <a:p>
+            <a:pPr marL="285750" indent="-285750" algn="just">
+              <a:buFontTx/>
+              <a:buChar char="-"/>
+            </a:pPr>
+            <a:endParaRPr lang="es-ES" dirty="0" smtClean="0"/>
+          </a:p>
+          <a:p>
+            <a:pPr marL="285750" indent="-285750" algn="just">
+              <a:buFontTx/>
+              <a:buChar char="-"/>
+            </a:pPr>
+            <a:r>
+              <a:rPr lang="es-ES" b="1" dirty="0" err="1" smtClean="0"/>
+              <a:t>Intensitat</a:t>
+            </a:r>
+            <a:r>
+              <a:rPr lang="es-ES" b="1" dirty="0" smtClean="0"/>
+              <a:t> (</a:t>
+            </a:r>
+            <a:r>
+              <a:rPr lang="es-ES" b="1" dirty="0" err="1" smtClean="0"/>
+              <a:t>int</a:t>
+            </a:r>
+            <a:r>
+              <a:rPr lang="es-ES" b="1" dirty="0" smtClean="0"/>
+              <a:t>):</a:t>
+            </a:r>
+          </a:p>
+          <a:p>
+            <a:pPr algn="just"/>
+            <a:r>
+              <a:rPr lang="es-ES" dirty="0" err="1" smtClean="0"/>
+              <a:t>Enter</a:t>
+            </a:r>
+            <a:r>
+              <a:rPr lang="es-ES" dirty="0" smtClean="0"/>
+              <a:t> que </a:t>
+            </a:r>
+            <a:r>
+              <a:rPr lang="es-ES" dirty="0" err="1" smtClean="0"/>
+              <a:t>defineix</a:t>
+            </a:r>
+            <a:r>
+              <a:rPr lang="es-ES" dirty="0" smtClean="0"/>
+              <a:t> quina es la </a:t>
+            </a:r>
+            <a:r>
+              <a:rPr lang="es-ES" dirty="0" err="1" smtClean="0"/>
+              <a:t>intensitat</a:t>
+            </a:r>
+            <a:r>
+              <a:rPr lang="es-ES" dirty="0" smtClean="0"/>
+              <a:t> de la </a:t>
+            </a:r>
+            <a:r>
+              <a:rPr lang="es-ES" dirty="0" err="1" smtClean="0"/>
+              <a:t>llum</a:t>
+            </a:r>
+            <a:r>
+              <a:rPr lang="es-ES" dirty="0" smtClean="0"/>
+              <a:t>. 0- </a:t>
+            </a:r>
+            <a:r>
+              <a:rPr lang="es-ES" dirty="0" err="1" smtClean="0"/>
+              <a:t>llum</a:t>
+            </a:r>
+            <a:r>
+              <a:rPr lang="es-ES" dirty="0" smtClean="0"/>
+              <a:t> apagada.</a:t>
+            </a:r>
+          </a:p>
+          <a:p>
+            <a:pPr algn="just"/>
+            <a:endParaRPr lang="es-ES" dirty="0" smtClean="0"/>
+          </a:p>
+        </p:txBody>
+      </p:sp>
+      <p:sp>
+        <p:nvSpPr>
+          <p:cNvPr id="8" name="Rectangle 7"/>
+          <p:cNvSpPr/>
+          <p:nvPr/>
+        </p:nvSpPr>
+        <p:spPr>
+          <a:xfrm>
+            <a:off x="8188865" y="2846747"/>
+            <a:ext cx="2332654" cy="429208"/>
+          </a:xfrm>
+          <a:prstGeom prst="rect">
+            <a:avLst/>
+          </a:prstGeom>
+          <a:solidFill>
+            <a:srgbClr val="4E3B31"/>
+          </a:solidFill>
+        </p:spPr>
+        <p:style>
+          <a:lnRef idx="2">
+            <a:schemeClr val="accent1">
+              <a:shade val="50000"/>
+            </a:schemeClr>
+          </a:lnRef>
+          <a:fillRef idx="1">
+            <a:schemeClr val="accent1"/>
+          </a:fillRef>
+          <a:effectRef idx="0">
+            <a:schemeClr val="accent1"/>
+          </a:effectRef>
+          <a:fontRef idx="minor">
+            <a:schemeClr val="lt1"/>
+          </a:fontRef>
+        </p:style>
+        <p:txBody>
+          <a:bodyPr rtlCol="0" anchor="ctr"/>
+          <a:lstStyle/>
+          <a:p>
+            <a:pPr algn="ctr"/>
+            <a:endParaRPr lang="es-ES"/>
+          </a:p>
+        </p:txBody>
+      </p:sp>
+      <p:sp>
+        <p:nvSpPr>
+          <p:cNvPr id="9" name="Rectangle 8"/>
+          <p:cNvSpPr/>
+          <p:nvPr/>
+        </p:nvSpPr>
+        <p:spPr>
+          <a:xfrm>
+            <a:off x="8188865" y="3418695"/>
+            <a:ext cx="2332654" cy="429208"/>
+          </a:xfrm>
+          <a:prstGeom prst="rect">
+            <a:avLst/>
+          </a:prstGeom>
+          <a:solidFill>
+            <a:srgbClr val="4E3B31"/>
+          </a:solidFill>
+        </p:spPr>
+        <p:style>
+          <a:lnRef idx="2">
+            <a:schemeClr val="accent1">
+              <a:shade val="50000"/>
+            </a:schemeClr>
+          </a:lnRef>
+          <a:fillRef idx="1">
+            <a:schemeClr val="accent1"/>
+          </a:fillRef>
+          <a:effectRef idx="0">
+            <a:schemeClr val="accent1"/>
+          </a:effectRef>
+          <a:fontRef idx="minor">
+            <a:schemeClr val="lt1"/>
+          </a:fontRef>
+        </p:style>
+        <p:txBody>
+          <a:bodyPr rtlCol="0" anchor="ctr"/>
+          <a:lstStyle/>
+          <a:p>
+            <a:pPr algn="ctr"/>
+            <a:endParaRPr lang="es-ES"/>
+          </a:p>
+        </p:txBody>
+      </p:sp>
+      <p:sp>
+        <p:nvSpPr>
+          <p:cNvPr id="10" name="Rectangle 9"/>
+          <p:cNvSpPr/>
+          <p:nvPr/>
+        </p:nvSpPr>
+        <p:spPr>
+          <a:xfrm>
+            <a:off x="8188864" y="4023525"/>
+            <a:ext cx="2332654" cy="429208"/>
+          </a:xfrm>
+          <a:prstGeom prst="rect">
+            <a:avLst/>
+          </a:prstGeom>
+          <a:solidFill>
+            <a:srgbClr val="4E3B31"/>
+          </a:solidFill>
+        </p:spPr>
+        <p:style>
+          <a:lnRef idx="2">
+            <a:schemeClr val="accent1">
+              <a:shade val="50000"/>
+            </a:schemeClr>
+          </a:lnRef>
+          <a:fillRef idx="1">
+            <a:schemeClr val="accent1"/>
+          </a:fillRef>
+          <a:effectRef idx="0">
+            <a:schemeClr val="accent1"/>
+          </a:effectRef>
+          <a:fontRef idx="minor">
+            <a:schemeClr val="lt1"/>
+          </a:fontRef>
+        </p:style>
+        <p:txBody>
+          <a:bodyPr rtlCol="0" anchor="ctr"/>
+          <a:lstStyle/>
+          <a:p>
+            <a:pPr algn="ctr"/>
+            <a:endParaRPr lang="es-ES"/>
+          </a:p>
+        </p:txBody>
+      </p:sp>
+      <p:sp>
+        <p:nvSpPr>
+          <p:cNvPr id="11" name="Up Arrow Callout 10"/>
+          <p:cNvSpPr/>
+          <p:nvPr/>
+        </p:nvSpPr>
+        <p:spPr>
+          <a:xfrm>
+            <a:off x="8375476" y="5200303"/>
+            <a:ext cx="837621" cy="811763"/>
+          </a:xfrm>
+          <a:prstGeom prst="upArrowCallout">
+            <a:avLst/>
+          </a:prstGeom>
+          <a:solidFill>
+            <a:srgbClr val="FFC000"/>
+          </a:solidFill>
+        </p:spPr>
+        <p:style>
+          <a:lnRef idx="2">
+            <a:schemeClr val="accent1">
+              <a:shade val="50000"/>
+            </a:schemeClr>
+          </a:lnRef>
+          <a:fillRef idx="1">
+            <a:schemeClr val="accent1"/>
+          </a:fillRef>
+          <a:effectRef idx="0">
+            <a:schemeClr val="accent1"/>
+          </a:effectRef>
+          <a:fontRef idx="minor">
+            <a:schemeClr val="lt1"/>
+          </a:fontRef>
+        </p:style>
+        <p:txBody>
+          <a:bodyPr rtlCol="0" anchor="ctr"/>
+          <a:lstStyle/>
+          <a:p>
+            <a:pPr algn="ctr"/>
+            <a:r>
+              <a:rPr lang="es-ES" sz="1400" dirty="0" smtClean="0">
+                <a:solidFill>
+                  <a:schemeClr val="tx1"/>
+                </a:solidFill>
+              </a:rPr>
+              <a:t>Càmara1</a:t>
+            </a:r>
+            <a:endParaRPr lang="es-ES" sz="1400" dirty="0">
+              <a:solidFill>
+                <a:schemeClr val="tx1"/>
+              </a:solidFill>
+            </a:endParaRPr>
+          </a:p>
+        </p:txBody>
+      </p:sp>
+      <p:sp>
+        <p:nvSpPr>
+          <p:cNvPr id="12" name="Up Arrow Callout 11"/>
+          <p:cNvSpPr/>
+          <p:nvPr/>
+        </p:nvSpPr>
+        <p:spPr>
+          <a:xfrm>
+            <a:off x="9355191" y="5200303"/>
+            <a:ext cx="860550" cy="811763"/>
+          </a:xfrm>
+          <a:prstGeom prst="upArrowCallout">
+            <a:avLst/>
+          </a:prstGeom>
+        </p:spPr>
+        <p:style>
+          <a:lnRef idx="2">
+            <a:schemeClr val="accent6">
+              <a:shade val="50000"/>
+            </a:schemeClr>
+          </a:lnRef>
+          <a:fillRef idx="1">
+            <a:schemeClr val="accent6"/>
+          </a:fillRef>
+          <a:effectRef idx="0">
+            <a:schemeClr val="accent6"/>
+          </a:effectRef>
+          <a:fontRef idx="minor">
+            <a:schemeClr val="lt1"/>
+          </a:fontRef>
+        </p:style>
+        <p:txBody>
+          <a:bodyPr rtlCol="0" anchor="ctr"/>
+          <a:lstStyle/>
+          <a:p>
+            <a:pPr algn="ctr"/>
+            <a:r>
+              <a:rPr lang="es-ES" sz="1400" dirty="0" smtClean="0"/>
+              <a:t>Càmara2</a:t>
+            </a:r>
+            <a:endParaRPr lang="es-ES" sz="1400" dirty="0"/>
+          </a:p>
+        </p:txBody>
+      </p:sp>
+      <p:sp>
+        <p:nvSpPr>
+          <p:cNvPr id="13" name="Oval 12"/>
+          <p:cNvSpPr/>
+          <p:nvPr/>
+        </p:nvSpPr>
+        <p:spPr>
+          <a:xfrm>
+            <a:off x="8375476" y="4061426"/>
+            <a:ext cx="354563" cy="350308"/>
+          </a:xfrm>
+          <a:prstGeom prst="ellipse">
+            <a:avLst/>
+          </a:prstGeom>
+        </p:spPr>
+        <p:style>
+          <a:lnRef idx="2">
+            <a:schemeClr val="accent1">
+              <a:shade val="50000"/>
+            </a:schemeClr>
+          </a:lnRef>
+          <a:fillRef idx="1">
+            <a:schemeClr val="accent1"/>
+          </a:fillRef>
+          <a:effectRef idx="0">
+            <a:schemeClr val="accent1"/>
+          </a:effectRef>
+          <a:fontRef idx="minor">
+            <a:schemeClr val="lt1"/>
+          </a:fontRef>
+        </p:style>
+        <p:txBody>
+          <a:bodyPr rtlCol="0" anchor="ctr"/>
+          <a:lstStyle/>
+          <a:p>
+            <a:pPr algn="ctr"/>
+            <a:r>
+              <a:rPr lang="es-ES" dirty="0" smtClean="0"/>
+              <a:t>1</a:t>
+            </a:r>
+            <a:endParaRPr lang="es-ES" dirty="0"/>
+          </a:p>
+        </p:txBody>
+      </p:sp>
+      <p:sp>
+        <p:nvSpPr>
+          <p:cNvPr id="14" name="Oval 13"/>
+          <p:cNvSpPr/>
+          <p:nvPr/>
+        </p:nvSpPr>
+        <p:spPr>
+          <a:xfrm>
+            <a:off x="9126846" y="4061426"/>
+            <a:ext cx="354563" cy="350308"/>
+          </a:xfrm>
+          <a:prstGeom prst="ellipse">
+            <a:avLst/>
+          </a:prstGeom>
+        </p:spPr>
+        <p:style>
+          <a:lnRef idx="2">
+            <a:schemeClr val="accent1">
+              <a:shade val="50000"/>
+            </a:schemeClr>
+          </a:lnRef>
+          <a:fillRef idx="1">
+            <a:schemeClr val="accent1"/>
+          </a:fillRef>
+          <a:effectRef idx="0">
+            <a:schemeClr val="accent1"/>
+          </a:effectRef>
+          <a:fontRef idx="minor">
+            <a:schemeClr val="lt1"/>
+          </a:fontRef>
+        </p:style>
+        <p:txBody>
+          <a:bodyPr rtlCol="0" anchor="ctr"/>
+          <a:lstStyle/>
+          <a:p>
+            <a:pPr algn="ctr"/>
+            <a:r>
+              <a:rPr lang="es-ES" dirty="0" smtClean="0"/>
+              <a:t>2</a:t>
+            </a:r>
+            <a:endParaRPr lang="es-ES" dirty="0"/>
+          </a:p>
+        </p:txBody>
+      </p:sp>
+      <p:sp>
+        <p:nvSpPr>
+          <p:cNvPr id="15" name="Oval 14"/>
+          <p:cNvSpPr/>
+          <p:nvPr/>
+        </p:nvSpPr>
+        <p:spPr>
+          <a:xfrm>
+            <a:off x="9917162" y="4061426"/>
+            <a:ext cx="354563" cy="350308"/>
+          </a:xfrm>
+          <a:prstGeom prst="ellipse">
+            <a:avLst/>
+          </a:prstGeom>
+        </p:spPr>
+        <p:style>
+          <a:lnRef idx="2">
+            <a:schemeClr val="accent1">
+              <a:shade val="50000"/>
+            </a:schemeClr>
+          </a:lnRef>
+          <a:fillRef idx="1">
+            <a:schemeClr val="accent1"/>
+          </a:fillRef>
+          <a:effectRef idx="0">
+            <a:schemeClr val="accent1"/>
+          </a:effectRef>
+          <a:fontRef idx="minor">
+            <a:schemeClr val="lt1"/>
+          </a:fontRef>
+        </p:style>
+        <p:txBody>
+          <a:bodyPr rtlCol="0" anchor="ctr"/>
+          <a:lstStyle/>
+          <a:p>
+            <a:pPr algn="ctr"/>
+            <a:r>
+              <a:rPr lang="es-ES" dirty="0" smtClean="0"/>
+              <a:t>3</a:t>
+            </a:r>
+            <a:endParaRPr lang="es-ES" dirty="0"/>
+          </a:p>
+        </p:txBody>
+      </p:sp>
+      <p:sp>
+        <p:nvSpPr>
+          <p:cNvPr id="16" name="Oval 15"/>
+          <p:cNvSpPr/>
+          <p:nvPr/>
+        </p:nvSpPr>
+        <p:spPr>
+          <a:xfrm>
+            <a:off x="8370811" y="3458145"/>
+            <a:ext cx="354563" cy="350308"/>
+          </a:xfrm>
+          <a:prstGeom prst="ellipse">
+            <a:avLst/>
+          </a:prstGeom>
+        </p:spPr>
+        <p:style>
+          <a:lnRef idx="2">
+            <a:schemeClr val="accent1">
+              <a:shade val="50000"/>
+            </a:schemeClr>
+          </a:lnRef>
+          <a:fillRef idx="1">
+            <a:schemeClr val="accent1"/>
+          </a:fillRef>
+          <a:effectRef idx="0">
+            <a:schemeClr val="accent1"/>
+          </a:effectRef>
+          <a:fontRef idx="minor">
+            <a:schemeClr val="lt1"/>
+          </a:fontRef>
+        </p:style>
+        <p:txBody>
+          <a:bodyPr rtlCol="0" anchor="ctr"/>
+          <a:lstStyle/>
+          <a:p>
+            <a:pPr algn="ctr"/>
+            <a:r>
+              <a:rPr lang="es-ES" dirty="0" smtClean="0"/>
+              <a:t>4</a:t>
+            </a:r>
+            <a:endParaRPr lang="es-ES" dirty="0"/>
+          </a:p>
+        </p:txBody>
+      </p:sp>
+      <p:sp>
+        <p:nvSpPr>
+          <p:cNvPr id="17" name="Oval 16"/>
+          <p:cNvSpPr/>
+          <p:nvPr/>
+        </p:nvSpPr>
+        <p:spPr>
+          <a:xfrm>
+            <a:off x="9126845" y="3450991"/>
+            <a:ext cx="354563" cy="350308"/>
+          </a:xfrm>
+          <a:prstGeom prst="ellipse">
+            <a:avLst/>
+          </a:prstGeom>
+        </p:spPr>
+        <p:style>
+          <a:lnRef idx="2">
+            <a:schemeClr val="accent1">
+              <a:shade val="50000"/>
+            </a:schemeClr>
+          </a:lnRef>
+          <a:fillRef idx="1">
+            <a:schemeClr val="accent1"/>
+          </a:fillRef>
+          <a:effectRef idx="0">
+            <a:schemeClr val="accent1"/>
+          </a:effectRef>
+          <a:fontRef idx="minor">
+            <a:schemeClr val="lt1"/>
+          </a:fontRef>
+        </p:style>
+        <p:txBody>
+          <a:bodyPr rtlCol="0" anchor="ctr"/>
+          <a:lstStyle/>
+          <a:p>
+            <a:pPr algn="ctr"/>
+            <a:r>
+              <a:rPr lang="es-ES" dirty="0" smtClean="0"/>
+              <a:t>5</a:t>
+            </a:r>
+            <a:endParaRPr lang="es-ES" dirty="0"/>
+          </a:p>
+        </p:txBody>
+      </p:sp>
+      <p:sp>
+        <p:nvSpPr>
+          <p:cNvPr id="18" name="Oval 17"/>
+          <p:cNvSpPr/>
+          <p:nvPr/>
+        </p:nvSpPr>
+        <p:spPr>
+          <a:xfrm>
+            <a:off x="9917162" y="3450991"/>
+            <a:ext cx="354563" cy="350308"/>
+          </a:xfrm>
+          <a:prstGeom prst="ellipse">
+            <a:avLst/>
+          </a:prstGeom>
+        </p:spPr>
+        <p:style>
+          <a:lnRef idx="2">
+            <a:schemeClr val="accent1">
+              <a:shade val="50000"/>
+            </a:schemeClr>
+          </a:lnRef>
+          <a:fillRef idx="1">
+            <a:schemeClr val="accent1"/>
+          </a:fillRef>
+          <a:effectRef idx="0">
+            <a:schemeClr val="accent1"/>
+          </a:effectRef>
+          <a:fontRef idx="minor">
+            <a:schemeClr val="lt1"/>
+          </a:fontRef>
+        </p:style>
+        <p:txBody>
+          <a:bodyPr rtlCol="0" anchor="ctr"/>
+          <a:lstStyle/>
+          <a:p>
+            <a:pPr algn="ctr"/>
+            <a:r>
+              <a:rPr lang="es-ES" dirty="0" smtClean="0"/>
+              <a:t>6</a:t>
+            </a:r>
+            <a:endParaRPr lang="es-ES" dirty="0"/>
+          </a:p>
+        </p:txBody>
+      </p:sp>
+      <p:sp>
+        <p:nvSpPr>
+          <p:cNvPr id="19" name="Oval 18"/>
+          <p:cNvSpPr/>
+          <p:nvPr/>
+        </p:nvSpPr>
+        <p:spPr>
+          <a:xfrm>
+            <a:off x="8370812" y="2886197"/>
+            <a:ext cx="354563" cy="350308"/>
+          </a:xfrm>
+          <a:prstGeom prst="ellipse">
+            <a:avLst/>
+          </a:prstGeom>
+        </p:spPr>
+        <p:style>
+          <a:lnRef idx="2">
+            <a:schemeClr val="accent1">
+              <a:shade val="50000"/>
+            </a:schemeClr>
+          </a:lnRef>
+          <a:fillRef idx="1">
+            <a:schemeClr val="accent1"/>
+          </a:fillRef>
+          <a:effectRef idx="0">
+            <a:schemeClr val="accent1"/>
+          </a:effectRef>
+          <a:fontRef idx="minor">
+            <a:schemeClr val="lt1"/>
+          </a:fontRef>
+        </p:style>
+        <p:txBody>
+          <a:bodyPr rtlCol="0" anchor="ctr"/>
+          <a:lstStyle/>
+          <a:p>
+            <a:pPr algn="ctr"/>
+            <a:r>
+              <a:rPr lang="es-ES" dirty="0" smtClean="0"/>
+              <a:t>7</a:t>
+            </a:r>
+            <a:endParaRPr lang="es-ES" dirty="0"/>
+          </a:p>
+        </p:txBody>
+      </p:sp>
+      <p:sp>
+        <p:nvSpPr>
+          <p:cNvPr id="20" name="Oval 19"/>
+          <p:cNvSpPr/>
+          <p:nvPr/>
+        </p:nvSpPr>
+        <p:spPr>
+          <a:xfrm>
+            <a:off x="9126844" y="2860839"/>
+            <a:ext cx="354563" cy="350308"/>
+          </a:xfrm>
+          <a:prstGeom prst="ellipse">
+            <a:avLst/>
+          </a:prstGeom>
+        </p:spPr>
+        <p:style>
+          <a:lnRef idx="2">
+            <a:schemeClr val="accent1">
+              <a:shade val="50000"/>
+            </a:schemeClr>
+          </a:lnRef>
+          <a:fillRef idx="1">
+            <a:schemeClr val="accent1"/>
+          </a:fillRef>
+          <a:effectRef idx="0">
+            <a:schemeClr val="accent1"/>
+          </a:effectRef>
+          <a:fontRef idx="minor">
+            <a:schemeClr val="lt1"/>
+          </a:fontRef>
+        </p:style>
+        <p:txBody>
+          <a:bodyPr rtlCol="0" anchor="ctr"/>
+          <a:lstStyle/>
+          <a:p>
+            <a:pPr algn="ctr"/>
+            <a:r>
+              <a:rPr lang="es-ES" dirty="0" smtClean="0"/>
+              <a:t>8</a:t>
+            </a:r>
+            <a:endParaRPr lang="es-ES" dirty="0"/>
+          </a:p>
+        </p:txBody>
+      </p:sp>
+      <p:sp>
+        <p:nvSpPr>
+          <p:cNvPr id="21" name="Oval 20"/>
+          <p:cNvSpPr/>
+          <p:nvPr/>
+        </p:nvSpPr>
+        <p:spPr>
+          <a:xfrm>
+            <a:off x="9917161" y="2869756"/>
+            <a:ext cx="354563" cy="350308"/>
+          </a:xfrm>
+          <a:prstGeom prst="ellipse">
+            <a:avLst/>
+          </a:prstGeom>
+        </p:spPr>
+        <p:style>
+          <a:lnRef idx="2">
+            <a:schemeClr val="accent1">
+              <a:shade val="50000"/>
+            </a:schemeClr>
+          </a:lnRef>
+          <a:fillRef idx="1">
+            <a:schemeClr val="accent1"/>
+          </a:fillRef>
+          <a:effectRef idx="0">
+            <a:schemeClr val="accent1"/>
+          </a:effectRef>
+          <a:fontRef idx="minor">
+            <a:schemeClr val="lt1"/>
+          </a:fontRef>
+        </p:style>
+        <p:txBody>
+          <a:bodyPr rtlCol="0" anchor="ctr"/>
+          <a:lstStyle/>
+          <a:p>
+            <a:pPr algn="ctr"/>
+            <a:r>
+              <a:rPr lang="es-ES" dirty="0" smtClean="0"/>
+              <a:t>9</a:t>
+            </a:r>
+            <a:endParaRPr lang="es-ES" dirty="0"/>
+          </a:p>
+        </p:txBody>
+      </p:sp>
+      <p:sp>
+        <p:nvSpPr>
+          <p:cNvPr id="23" name="TextBox 22"/>
+          <p:cNvSpPr txBox="1"/>
+          <p:nvPr/>
+        </p:nvSpPr>
+        <p:spPr>
+          <a:xfrm>
+            <a:off x="10708130" y="3478571"/>
+            <a:ext cx="914400" cy="369332"/>
+          </a:xfrm>
+          <a:prstGeom prst="rect">
+            <a:avLst/>
+          </a:prstGeom>
+          <a:noFill/>
+        </p:spPr>
+        <p:txBody>
+          <a:bodyPr wrap="square" rtlCol="0">
+            <a:spAutoFit/>
+          </a:bodyPr>
+          <a:lstStyle/>
+          <a:p>
+            <a:r>
+              <a:rPr lang="es-ES" dirty="0" err="1" smtClean="0"/>
+              <a:t>Llums</a:t>
+            </a:r>
+            <a:endParaRPr lang="es-ES" dirty="0"/>
+          </a:p>
+        </p:txBody>
+      </p:sp>
+      <p:cxnSp>
+        <p:nvCxnSpPr>
+          <p:cNvPr id="26" name="Straight Arrow Connector 25"/>
+          <p:cNvCxnSpPr/>
+          <p:nvPr/>
+        </p:nvCxnSpPr>
+        <p:spPr>
+          <a:xfrm>
+            <a:off x="1505415" y="2869756"/>
+            <a:ext cx="6393389" cy="698634"/>
+          </a:xfrm>
+          <a:prstGeom prst="straightConnector1">
+            <a:avLst/>
+          </a:prstGeom>
+          <a:ln>
+            <a:tailEnd type="triangle"/>
+          </a:ln>
+        </p:spPr>
+        <p:style>
+          <a:lnRef idx="1">
+            <a:schemeClr val="dk1"/>
+          </a:lnRef>
+          <a:fillRef idx="0">
+            <a:schemeClr val="dk1"/>
+          </a:fillRef>
+          <a:effectRef idx="0">
+            <a:schemeClr val="dk1"/>
+          </a:effectRef>
+          <a:fontRef idx="minor">
+            <a:schemeClr val="tx1"/>
+          </a:fontRef>
+        </p:style>
+      </p:cxnSp>
+    </p:spTree>
+    <p:extLst>
+      <p:ext uri="{BB962C8B-B14F-4D97-AF65-F5344CB8AC3E}">
+        <p14:creationId xmlns:p14="http://schemas.microsoft.com/office/powerpoint/2010/main" val="3254665125"/>
+      </p:ext>
+    </p:extLst>
+  </p:cSld>
+  <p:clrMapOvr>
+    <a:masterClrMapping/>
+  </p:clrMapOvr>
+</p:sld>
+</file>
+
+<file path=ppt/slides/slide5.xml><?xml version="1.0" encoding="utf-8"?>
+<p:sld xmlns:a="http://schemas.openxmlformats.org/drawingml/2006/main" xmlns:r="http://schemas.openxmlformats.org/officeDocument/2006/relationships" xmlns:p="http://schemas.openxmlformats.org/presentationml/2006/main">
+  <p:cSld>
+    <p:spTree>
+      <p:nvGrpSpPr>
+        <p:cNvPr id="1" name=""/>
+        <p:cNvGrpSpPr/>
+        <p:nvPr/>
+      </p:nvGrpSpPr>
+      <p:grpSpPr>
+        <a:xfrm>
+          <a:off x="0" y="0"/>
+          <a:ext cx="0" cy="0"/>
+          <a:chOff x="0" y="0"/>
+          <a:chExt cx="0" cy="0"/>
+        </a:xfrm>
+      </p:grpSpPr>
+      <p:sp>
+        <p:nvSpPr>
+          <p:cNvPr id="4" name="Rectangle 3"/>
+          <p:cNvSpPr/>
+          <p:nvPr/>
+        </p:nvSpPr>
+        <p:spPr>
+          <a:xfrm>
+            <a:off x="2367842" y="448224"/>
+            <a:ext cx="6923314" cy="709126"/>
+          </a:xfrm>
+          <a:prstGeom prst="rect">
+            <a:avLst/>
+          </a:prstGeom>
+        </p:spPr>
+        <p:style>
+          <a:lnRef idx="2">
+            <a:schemeClr val="accent1">
+              <a:shade val="50000"/>
+            </a:schemeClr>
+          </a:lnRef>
+          <a:fillRef idx="1">
+            <a:schemeClr val="accent1"/>
+          </a:fillRef>
+          <a:effectRef idx="0">
+            <a:schemeClr val="accent1"/>
+          </a:effectRef>
+          <a:fontRef idx="minor">
+            <a:schemeClr val="lt1"/>
+          </a:fontRef>
+        </p:style>
+        <p:txBody>
+          <a:bodyPr rtlCol="0" anchor="ctr"/>
+          <a:lstStyle/>
+          <a:p>
+            <a:pPr algn="ctr"/>
+            <a:endParaRPr lang="es-ES" dirty="0"/>
+          </a:p>
+        </p:txBody>
+      </p:sp>
+      <p:sp>
+        <p:nvSpPr>
+          <p:cNvPr id="8" name="TextBox 7"/>
+          <p:cNvSpPr txBox="1"/>
+          <p:nvPr/>
+        </p:nvSpPr>
+        <p:spPr>
+          <a:xfrm>
+            <a:off x="5108907" y="541177"/>
+            <a:ext cx="2486212" cy="523220"/>
+          </a:xfrm>
+          <a:prstGeom prst="rect">
+            <a:avLst/>
+          </a:prstGeom>
+          <a:noFill/>
+        </p:spPr>
+        <p:txBody>
+          <a:bodyPr wrap="square" rtlCol="0">
+            <a:spAutoFit/>
+          </a:bodyPr>
+          <a:lstStyle/>
+          <a:p>
+            <a:r>
+              <a:rPr lang="es-ES" sz="2800" u="sng" dirty="0" smtClean="0">
+                <a:solidFill>
+                  <a:schemeClr val="bg1"/>
+                </a:solidFill>
+              </a:rPr>
+              <a:t>OBJECTES</a:t>
+            </a:r>
+            <a:endParaRPr lang="es-ES" sz="2800" u="sng" dirty="0">
+              <a:solidFill>
+                <a:schemeClr val="bg1"/>
+              </a:solidFill>
+            </a:endParaRPr>
+          </a:p>
+        </p:txBody>
+      </p:sp>
+      <p:sp>
+        <p:nvSpPr>
+          <p:cNvPr id="12" name="TextBox 11"/>
+          <p:cNvSpPr txBox="1"/>
+          <p:nvPr/>
+        </p:nvSpPr>
+        <p:spPr>
+          <a:xfrm>
+            <a:off x="745392" y="1468041"/>
+            <a:ext cx="9807530" cy="3970318"/>
+          </a:xfrm>
+          <a:prstGeom prst="rect">
+            <a:avLst/>
+          </a:prstGeom>
+          <a:noFill/>
+        </p:spPr>
+        <p:txBody>
+          <a:bodyPr wrap="square" rtlCol="0">
+            <a:spAutoFit/>
+          </a:bodyPr>
+          <a:lstStyle/>
+          <a:p>
+            <a:pPr marL="285750" indent="-285750" algn="just">
+              <a:buFontTx/>
+              <a:buChar char="-"/>
+            </a:pPr>
+            <a:r>
+              <a:rPr lang="es-ES" b="1" dirty="0" err="1" smtClean="0"/>
+              <a:t>Num</a:t>
+            </a:r>
+            <a:r>
+              <a:rPr lang="es-ES" b="1" dirty="0" smtClean="0"/>
+              <a:t> </a:t>
+            </a:r>
+            <a:r>
+              <a:rPr lang="es-ES" b="1" dirty="0" err="1" smtClean="0"/>
+              <a:t>Objectes</a:t>
+            </a:r>
+            <a:r>
+              <a:rPr lang="es-ES" b="1" dirty="0" smtClean="0"/>
+              <a:t>(</a:t>
+            </a:r>
+            <a:r>
+              <a:rPr lang="es-ES" b="1" dirty="0" err="1" smtClean="0"/>
+              <a:t>int</a:t>
+            </a:r>
+            <a:r>
+              <a:rPr lang="es-ES" b="1" dirty="0" smtClean="0"/>
+              <a:t>):</a:t>
+            </a:r>
+          </a:p>
+          <a:p>
+            <a:pPr algn="just"/>
+            <a:r>
+              <a:rPr lang="es-ES" dirty="0" err="1" smtClean="0"/>
+              <a:t>És</a:t>
+            </a:r>
+            <a:r>
+              <a:rPr lang="es-ES" dirty="0" smtClean="0"/>
+              <a:t> un </a:t>
+            </a:r>
+            <a:r>
+              <a:rPr lang="es-ES" dirty="0" err="1" smtClean="0"/>
+              <a:t>enter</a:t>
+            </a:r>
+            <a:r>
+              <a:rPr lang="es-ES" dirty="0" smtClean="0"/>
+              <a:t> que </a:t>
+            </a:r>
+            <a:r>
+              <a:rPr lang="es-ES" dirty="0" err="1" smtClean="0"/>
+              <a:t>defineix</a:t>
+            </a:r>
+            <a:r>
+              <a:rPr lang="es-ES" dirty="0" smtClean="0"/>
+              <a:t> el número </a:t>
+            </a:r>
+            <a:r>
+              <a:rPr lang="es-ES" dirty="0" err="1" smtClean="0"/>
+              <a:t>d’objectes</a:t>
+            </a:r>
+            <a:r>
+              <a:rPr lang="es-ES" dirty="0" smtClean="0"/>
+              <a:t> </a:t>
+            </a:r>
+            <a:r>
+              <a:rPr lang="es-ES" dirty="0" err="1" smtClean="0"/>
+              <a:t>colocats</a:t>
+            </a:r>
+            <a:r>
+              <a:rPr lang="es-ES" dirty="0" smtClean="0"/>
+              <a:t> a la plataforma.</a:t>
+            </a:r>
+          </a:p>
+          <a:p>
+            <a:pPr algn="just"/>
+            <a:endParaRPr lang="es-ES" b="1" dirty="0" smtClean="0"/>
+          </a:p>
+          <a:p>
+            <a:pPr marL="285750" indent="-285750" algn="just">
+              <a:buFontTx/>
+              <a:buChar char="-"/>
+            </a:pPr>
+            <a:r>
+              <a:rPr lang="es-ES" b="1" dirty="0" smtClean="0"/>
+              <a:t>Identificador (</a:t>
+            </a:r>
+            <a:r>
+              <a:rPr lang="es-ES" b="1" dirty="0" err="1" smtClean="0"/>
+              <a:t>int</a:t>
+            </a:r>
+            <a:r>
+              <a:rPr lang="es-ES" b="1" dirty="0" smtClean="0"/>
+              <a:t>):</a:t>
+            </a:r>
+          </a:p>
+          <a:p>
+            <a:pPr algn="just"/>
+            <a:r>
+              <a:rPr lang="es-ES" dirty="0" smtClean="0"/>
+              <a:t>Identificador </a:t>
+            </a:r>
+            <a:r>
+              <a:rPr lang="es-ES" dirty="0" err="1" smtClean="0"/>
+              <a:t>únic</a:t>
+            </a:r>
+            <a:r>
+              <a:rPr lang="es-ES" dirty="0" smtClean="0"/>
+              <a:t> del </a:t>
+            </a:r>
+            <a:r>
+              <a:rPr lang="es-ES" dirty="0" err="1" smtClean="0"/>
+              <a:t>tipus</a:t>
+            </a:r>
+            <a:r>
+              <a:rPr lang="es-ES" dirty="0" smtClean="0"/>
+              <a:t> </a:t>
+            </a:r>
+            <a:r>
+              <a:rPr lang="es-ES" dirty="0" err="1" smtClean="0"/>
+              <a:t>d’objecte</a:t>
+            </a:r>
+            <a:r>
+              <a:rPr lang="es-ES" dirty="0" smtClean="0"/>
+              <a:t>. </a:t>
+            </a:r>
+            <a:r>
+              <a:rPr lang="es-ES" dirty="0" err="1" smtClean="0"/>
+              <a:t>Podria</a:t>
+            </a:r>
+            <a:r>
+              <a:rPr lang="es-ES" dirty="0" smtClean="0"/>
+              <a:t> </a:t>
+            </a:r>
+            <a:r>
+              <a:rPr lang="es-ES" dirty="0" err="1" smtClean="0"/>
+              <a:t>haver</a:t>
+            </a:r>
+            <a:r>
+              <a:rPr lang="es-ES" dirty="0" smtClean="0"/>
+              <a:t> un </a:t>
+            </a:r>
+            <a:r>
+              <a:rPr lang="es-ES" dirty="0" err="1" smtClean="0"/>
+              <a:t>petit</a:t>
+            </a:r>
+            <a:r>
+              <a:rPr lang="es-ES" dirty="0" smtClean="0"/>
+              <a:t> </a:t>
+            </a:r>
+            <a:r>
+              <a:rPr lang="es-ES" dirty="0" err="1" smtClean="0"/>
+              <a:t>arxiu</a:t>
+            </a:r>
+            <a:r>
+              <a:rPr lang="es-ES" dirty="0" smtClean="0"/>
+              <a:t> </a:t>
+            </a:r>
+            <a:r>
+              <a:rPr lang="es-ES" dirty="0" err="1" smtClean="0"/>
+              <a:t>amb</a:t>
+            </a:r>
+            <a:r>
+              <a:rPr lang="es-ES" dirty="0" smtClean="0"/>
+              <a:t> </a:t>
+            </a:r>
+            <a:r>
+              <a:rPr lang="es-ES" dirty="0" err="1" smtClean="0"/>
+              <a:t>informació</a:t>
+            </a:r>
+            <a:r>
+              <a:rPr lang="es-ES" dirty="0" smtClean="0"/>
+              <a:t> de </a:t>
+            </a:r>
+            <a:r>
+              <a:rPr lang="es-ES" dirty="0" err="1" smtClean="0"/>
+              <a:t>tots</a:t>
+            </a:r>
+            <a:r>
+              <a:rPr lang="es-ES" dirty="0" smtClean="0"/>
+              <a:t> </a:t>
+            </a:r>
+            <a:r>
+              <a:rPr lang="es-ES" dirty="0" err="1" smtClean="0"/>
+              <a:t>els</a:t>
+            </a:r>
+            <a:r>
+              <a:rPr lang="es-ES" dirty="0" smtClean="0"/>
+              <a:t> </a:t>
+            </a:r>
+            <a:r>
+              <a:rPr lang="es-ES" dirty="0" err="1" smtClean="0"/>
+              <a:t>objectes</a:t>
+            </a:r>
+            <a:r>
+              <a:rPr lang="es-ES" dirty="0" smtClean="0"/>
+              <a:t> disponibles, i </a:t>
+            </a:r>
+            <a:r>
+              <a:rPr lang="es-ES" dirty="0" err="1" smtClean="0"/>
+              <a:t>l’usuari</a:t>
+            </a:r>
+            <a:r>
+              <a:rPr lang="es-ES" dirty="0" smtClean="0"/>
+              <a:t> </a:t>
+            </a:r>
+            <a:r>
+              <a:rPr lang="es-ES" dirty="0" err="1" smtClean="0"/>
+              <a:t>hauría</a:t>
+            </a:r>
+            <a:r>
+              <a:rPr lang="es-ES" dirty="0" smtClean="0"/>
+              <a:t> de actualizar </a:t>
+            </a:r>
+            <a:r>
+              <a:rPr lang="es-ES" dirty="0" err="1" smtClean="0"/>
+              <a:t>aquesta</a:t>
+            </a:r>
+            <a:r>
+              <a:rPr lang="es-ES" dirty="0" smtClean="0"/>
+              <a:t> base de </a:t>
+            </a:r>
+            <a:r>
+              <a:rPr lang="es-ES" dirty="0" err="1" smtClean="0"/>
+              <a:t>dades</a:t>
+            </a:r>
+            <a:r>
+              <a:rPr lang="es-ES" dirty="0" smtClean="0"/>
+              <a:t> </a:t>
+            </a:r>
+            <a:r>
+              <a:rPr lang="es-ES" dirty="0" err="1" smtClean="0"/>
+              <a:t>quan</a:t>
+            </a:r>
+            <a:r>
+              <a:rPr lang="es-ES" dirty="0" smtClean="0"/>
+              <a:t> </a:t>
+            </a:r>
+            <a:r>
+              <a:rPr lang="es-ES" dirty="0" err="1" smtClean="0"/>
+              <a:t>s’utilitzin</a:t>
+            </a:r>
+            <a:r>
+              <a:rPr lang="es-ES" dirty="0" smtClean="0"/>
+              <a:t> </a:t>
+            </a:r>
+            <a:r>
+              <a:rPr lang="es-ES" dirty="0" err="1" smtClean="0"/>
+              <a:t>nous</a:t>
+            </a:r>
+            <a:r>
+              <a:rPr lang="es-ES" dirty="0" smtClean="0"/>
+              <a:t> </a:t>
+            </a:r>
+            <a:r>
+              <a:rPr lang="es-ES" dirty="0" err="1" smtClean="0"/>
+              <a:t>objectes</a:t>
+            </a:r>
+            <a:r>
+              <a:rPr lang="es-ES" dirty="0" smtClean="0"/>
+              <a:t>.</a:t>
+            </a:r>
+          </a:p>
+          <a:p>
+            <a:pPr algn="just"/>
+            <a:endParaRPr lang="es-ES" dirty="0" smtClean="0"/>
+          </a:p>
+          <a:p>
+            <a:pPr marL="285750" indent="-285750" algn="just">
+              <a:buFontTx/>
+              <a:buChar char="-"/>
+            </a:pPr>
+            <a:r>
+              <a:rPr lang="es-ES" b="1" dirty="0" err="1" smtClean="0"/>
+              <a:t>Posicio_taula</a:t>
+            </a:r>
+            <a:r>
+              <a:rPr lang="es-ES" b="1" dirty="0" smtClean="0"/>
+              <a:t> (</a:t>
+            </a:r>
+            <a:r>
+              <a:rPr lang="es-ES" b="1" dirty="0" err="1" smtClean="0"/>
+              <a:t>int</a:t>
+            </a:r>
+            <a:r>
+              <a:rPr lang="es-ES" b="1" dirty="0" smtClean="0"/>
+              <a:t>[2]):</a:t>
+            </a:r>
+          </a:p>
+          <a:p>
+            <a:pPr algn="just"/>
+            <a:r>
+              <a:rPr lang="es-ES" dirty="0" err="1" smtClean="0"/>
+              <a:t>Són</a:t>
+            </a:r>
+            <a:r>
+              <a:rPr lang="es-ES" dirty="0" smtClean="0"/>
+              <a:t> dos </a:t>
+            </a:r>
+            <a:r>
+              <a:rPr lang="es-ES" dirty="0" err="1" smtClean="0"/>
+              <a:t>enters</a:t>
+            </a:r>
+            <a:r>
+              <a:rPr lang="es-ES" dirty="0" smtClean="0"/>
+              <a:t> del 1 al 19 que </a:t>
+            </a:r>
+            <a:r>
+              <a:rPr lang="es-ES" dirty="0" err="1" smtClean="0"/>
+              <a:t>permeten</a:t>
+            </a:r>
+            <a:r>
+              <a:rPr lang="es-ES" dirty="0" smtClean="0"/>
+              <a:t> identificar a </a:t>
+            </a:r>
+            <a:r>
+              <a:rPr lang="es-ES" dirty="0" err="1" smtClean="0"/>
+              <a:t>quin</a:t>
+            </a:r>
+            <a:r>
+              <a:rPr lang="es-ES" dirty="0" smtClean="0"/>
+              <a:t> </a:t>
+            </a:r>
+            <a:r>
+              <a:rPr lang="es-ES" dirty="0" err="1" smtClean="0"/>
+              <a:t>forat</a:t>
+            </a:r>
+            <a:r>
+              <a:rPr lang="es-ES" dirty="0" smtClean="0"/>
+              <a:t> de la taula es </a:t>
+            </a:r>
+            <a:r>
+              <a:rPr lang="es-ES" dirty="0" err="1" smtClean="0"/>
+              <a:t>troba</a:t>
+            </a:r>
+            <a:r>
+              <a:rPr lang="es-ES" dirty="0" smtClean="0"/>
+              <a:t> el </a:t>
+            </a:r>
+            <a:r>
+              <a:rPr lang="es-ES" dirty="0" err="1" smtClean="0"/>
+              <a:t>objecte</a:t>
+            </a:r>
+            <a:r>
+              <a:rPr lang="es-ES" dirty="0" smtClean="0"/>
+              <a:t>.</a:t>
+            </a:r>
+          </a:p>
+          <a:p>
+            <a:pPr algn="just"/>
+            <a:endParaRPr lang="es-ES" dirty="0" smtClean="0"/>
+          </a:p>
+          <a:p>
+            <a:pPr marL="285750" indent="-285750" algn="just">
+              <a:buFontTx/>
+              <a:buChar char="-"/>
+            </a:pPr>
+            <a:r>
+              <a:rPr lang="es-ES" b="1" dirty="0" err="1" smtClean="0"/>
+              <a:t>Orientació</a:t>
+            </a:r>
+            <a:r>
+              <a:rPr lang="es-ES" b="1" dirty="0" smtClean="0"/>
+              <a:t> (</a:t>
+            </a:r>
+            <a:r>
+              <a:rPr lang="es-ES" b="1" dirty="0" err="1" smtClean="0"/>
+              <a:t>int</a:t>
+            </a:r>
+            <a:r>
+              <a:rPr lang="es-ES" b="1" dirty="0" smtClean="0"/>
+              <a:t>): </a:t>
+            </a:r>
+          </a:p>
+          <a:p>
+            <a:pPr algn="just"/>
+            <a:r>
+              <a:rPr lang="es-ES" dirty="0" err="1" smtClean="0"/>
+              <a:t>És</a:t>
+            </a:r>
+            <a:r>
+              <a:rPr lang="es-ES" dirty="0" smtClean="0"/>
+              <a:t> un </a:t>
+            </a:r>
+            <a:r>
+              <a:rPr lang="es-ES" dirty="0" err="1" smtClean="0"/>
+              <a:t>enter</a:t>
+            </a:r>
+            <a:r>
+              <a:rPr lang="es-ES" dirty="0" smtClean="0"/>
+              <a:t> del 1 al 6 que </a:t>
+            </a:r>
+            <a:r>
+              <a:rPr lang="es-ES" dirty="0" err="1" smtClean="0"/>
+              <a:t>permet</a:t>
+            </a:r>
+            <a:r>
+              <a:rPr lang="es-ES" dirty="0" smtClean="0"/>
+              <a:t> identificar a quina </a:t>
+            </a:r>
+            <a:r>
+              <a:rPr lang="es-ES" dirty="0" err="1" smtClean="0"/>
+              <a:t>orientació</a:t>
+            </a:r>
+            <a:r>
+              <a:rPr lang="es-ES" dirty="0" smtClean="0"/>
+              <a:t> es </a:t>
+            </a:r>
+            <a:r>
+              <a:rPr lang="es-ES" dirty="0" err="1" smtClean="0"/>
+              <a:t>troba</a:t>
+            </a:r>
+            <a:r>
+              <a:rPr lang="es-ES" dirty="0" smtClean="0"/>
+              <a:t> el </a:t>
+            </a:r>
+            <a:r>
+              <a:rPr lang="es-ES" dirty="0" err="1" smtClean="0"/>
+              <a:t>objecte</a:t>
+            </a:r>
+            <a:r>
+              <a:rPr lang="es-ES" dirty="0" smtClean="0"/>
+              <a:t>. </a:t>
+            </a:r>
+          </a:p>
+          <a:p>
+            <a:pPr algn="just"/>
+            <a:r>
+              <a:rPr lang="es-ES" dirty="0" err="1" smtClean="0"/>
+              <a:t>S’identificará</a:t>
+            </a:r>
+            <a:r>
+              <a:rPr lang="es-ES" dirty="0" smtClean="0"/>
+              <a:t> en </a:t>
+            </a:r>
+            <a:r>
+              <a:rPr lang="es-ES" dirty="0" err="1" smtClean="0"/>
+              <a:t>sentit</a:t>
+            </a:r>
+            <a:r>
+              <a:rPr lang="es-ES" dirty="0" smtClean="0"/>
+              <a:t> </a:t>
+            </a:r>
+            <a:r>
+              <a:rPr lang="es-ES" dirty="0" err="1" smtClean="0"/>
+              <a:t>horari</a:t>
+            </a:r>
+            <a:r>
+              <a:rPr lang="es-ES" dirty="0" smtClean="0"/>
+              <a:t>, de la </a:t>
+            </a:r>
+            <a:r>
+              <a:rPr lang="es-ES" dirty="0" err="1" smtClean="0"/>
+              <a:t>següent</a:t>
+            </a:r>
+            <a:r>
+              <a:rPr lang="es-ES" dirty="0" smtClean="0"/>
+              <a:t> forma, </a:t>
+            </a:r>
+            <a:r>
+              <a:rPr lang="es-ES" dirty="0" err="1" smtClean="0"/>
+              <a:t>començant</a:t>
+            </a:r>
+            <a:r>
+              <a:rPr lang="es-ES" dirty="0" smtClean="0"/>
+              <a:t> per la </a:t>
+            </a:r>
+            <a:r>
+              <a:rPr lang="es-ES" dirty="0" err="1" smtClean="0"/>
+              <a:t>posició</a:t>
+            </a:r>
+            <a:r>
+              <a:rPr lang="es-ES" dirty="0" smtClean="0"/>
+              <a:t> en la </a:t>
+            </a:r>
+            <a:r>
+              <a:rPr lang="es-ES" dirty="0" err="1" smtClean="0"/>
+              <a:t>qual</a:t>
+            </a:r>
+            <a:r>
+              <a:rPr lang="es-ES" dirty="0" smtClean="0"/>
+              <a:t> el </a:t>
+            </a:r>
+            <a:r>
+              <a:rPr lang="es-ES" dirty="0" err="1" smtClean="0"/>
+              <a:t>objecte</a:t>
+            </a:r>
+            <a:endParaRPr lang="es-ES" dirty="0"/>
+          </a:p>
+          <a:p>
+            <a:pPr algn="just"/>
+            <a:r>
+              <a:rPr lang="es-ES" dirty="0" smtClean="0"/>
+              <a:t>Es trova </a:t>
+            </a:r>
+            <a:r>
+              <a:rPr lang="es-ES" dirty="0" err="1" smtClean="0"/>
+              <a:t>mirant</a:t>
+            </a:r>
+            <a:r>
+              <a:rPr lang="es-ES" dirty="0" smtClean="0"/>
+              <a:t> a cámara.</a:t>
+            </a:r>
+          </a:p>
+        </p:txBody>
+      </p:sp>
+      <p:sp>
+        <p:nvSpPr>
+          <p:cNvPr id="13" name="Oval 12"/>
+          <p:cNvSpPr/>
+          <p:nvPr/>
+        </p:nvSpPr>
+        <p:spPr>
+          <a:xfrm>
+            <a:off x="9834464" y="2696547"/>
+            <a:ext cx="2357535" cy="1889286"/>
+          </a:xfrm>
+          <a:prstGeom prst="ellipse">
+            <a:avLst/>
+          </a:prstGeom>
+          <a:solidFill>
+            <a:srgbClr val="FF0000"/>
+          </a:solidFill>
+        </p:spPr>
+        <p:style>
+          <a:lnRef idx="2">
+            <a:schemeClr val="accent1">
+              <a:shade val="50000"/>
+            </a:schemeClr>
+          </a:lnRef>
+          <a:fillRef idx="1">
+            <a:schemeClr val="accent1"/>
+          </a:fillRef>
+          <a:effectRef idx="0">
+            <a:schemeClr val="accent1"/>
+          </a:effectRef>
+          <a:fontRef idx="minor">
+            <a:schemeClr val="lt1"/>
+          </a:fontRef>
+        </p:style>
+        <p:txBody>
+          <a:bodyPr rtlCol="0" anchor="ctr"/>
+          <a:lstStyle/>
+          <a:p>
+            <a:r>
+              <a:rPr lang="es-ES" sz="1400" dirty="0" err="1" smtClean="0"/>
+              <a:t>Els</a:t>
+            </a:r>
+            <a:r>
+              <a:rPr lang="es-ES" sz="1400" dirty="0" smtClean="0"/>
+              <a:t> </a:t>
+            </a:r>
+            <a:r>
+              <a:rPr lang="es-ES" sz="1400" dirty="0" err="1" smtClean="0"/>
+              <a:t>objectes</a:t>
+            </a:r>
+            <a:r>
+              <a:rPr lang="es-ES" sz="1400" dirty="0" smtClean="0"/>
+              <a:t> </a:t>
+            </a:r>
+            <a:r>
+              <a:rPr lang="es-ES" sz="1400" dirty="0" err="1" smtClean="0"/>
+              <a:t>són</a:t>
+            </a:r>
+            <a:r>
+              <a:rPr lang="es-ES" sz="1400" dirty="0" smtClean="0"/>
+              <a:t> </a:t>
+            </a:r>
+            <a:r>
+              <a:rPr lang="es-ES" sz="1400" dirty="0" err="1" smtClean="0"/>
+              <a:t>constants</a:t>
+            </a:r>
+            <a:r>
+              <a:rPr lang="es-ES" sz="1400" dirty="0" smtClean="0"/>
+              <a:t> per un </a:t>
+            </a:r>
+            <a:r>
+              <a:rPr lang="es-ES" sz="1400" dirty="0" err="1" smtClean="0"/>
+              <a:t>determinat</a:t>
+            </a:r>
+            <a:r>
+              <a:rPr lang="es-ES" sz="1400" dirty="0" smtClean="0"/>
+              <a:t> </a:t>
+            </a:r>
+            <a:r>
+              <a:rPr lang="es-ES" sz="1400" dirty="0" err="1" smtClean="0"/>
+              <a:t>experiment</a:t>
+            </a:r>
+            <a:r>
+              <a:rPr lang="es-ES" sz="1400" dirty="0" smtClean="0"/>
+              <a:t>. No es </a:t>
+            </a:r>
+            <a:r>
+              <a:rPr lang="es-ES" sz="1400" dirty="0" err="1" smtClean="0"/>
+              <a:t>tocaràn</a:t>
+            </a:r>
+            <a:r>
+              <a:rPr lang="es-ES" sz="1400" dirty="0" smtClean="0"/>
+              <a:t> al </a:t>
+            </a:r>
+            <a:r>
+              <a:rPr lang="es-ES" sz="1400" dirty="0" err="1" smtClean="0"/>
+              <a:t>llarg</a:t>
+            </a:r>
+            <a:r>
+              <a:rPr lang="es-ES" sz="1400" dirty="0" smtClean="0"/>
+              <a:t> </a:t>
+            </a:r>
+            <a:r>
+              <a:rPr lang="es-ES" sz="1400" dirty="0" err="1" smtClean="0"/>
+              <a:t>d’un</a:t>
+            </a:r>
+            <a:r>
+              <a:rPr lang="es-ES" sz="1400" dirty="0" smtClean="0"/>
+              <a:t> </a:t>
+            </a:r>
+            <a:r>
+              <a:rPr lang="es-ES" sz="1400" dirty="0" err="1" smtClean="0"/>
+              <a:t>procés</a:t>
+            </a:r>
+            <a:r>
+              <a:rPr lang="es-ES" sz="1400" dirty="0" smtClean="0"/>
+              <a:t> </a:t>
+            </a:r>
+            <a:r>
+              <a:rPr lang="es-ES" sz="1400" dirty="0" err="1" smtClean="0"/>
+              <a:t>d’adquisició</a:t>
+            </a:r>
+            <a:r>
+              <a:rPr lang="es-ES" sz="1400" dirty="0" smtClean="0"/>
+              <a:t>.</a:t>
+            </a:r>
+            <a:endParaRPr lang="es-ES" sz="1400" dirty="0"/>
+          </a:p>
+        </p:txBody>
+      </p:sp>
+      <p:sp>
+        <p:nvSpPr>
+          <p:cNvPr id="14" name="&quot;No&quot; Symbol 13"/>
+          <p:cNvSpPr/>
+          <p:nvPr/>
+        </p:nvSpPr>
+        <p:spPr>
+          <a:xfrm>
+            <a:off x="10137121" y="4653680"/>
+            <a:ext cx="1483567" cy="1334278"/>
+          </a:xfrm>
+          <a:prstGeom prst="noSmoking">
+            <a:avLst/>
+          </a:prstGeom>
+          <a:solidFill>
+            <a:srgbClr val="FF0000"/>
+          </a:solidFill>
+        </p:spPr>
+        <p:style>
+          <a:lnRef idx="2">
+            <a:schemeClr val="accent1">
+              <a:shade val="50000"/>
+            </a:schemeClr>
+          </a:lnRef>
+          <a:fillRef idx="1">
+            <a:schemeClr val="accent1"/>
+          </a:fillRef>
+          <a:effectRef idx="0">
+            <a:schemeClr val="accent1"/>
+          </a:effectRef>
+          <a:fontRef idx="minor">
+            <a:schemeClr val="lt1"/>
+          </a:fontRef>
+        </p:style>
+        <p:txBody>
+          <a:bodyPr rtlCol="0" anchor="ctr"/>
+          <a:lstStyle/>
+          <a:p>
+            <a:pPr algn="ctr"/>
+            <a:endParaRPr lang="es-ES">
+              <a:solidFill>
+                <a:schemeClr val="tx1"/>
+              </a:solidFill>
+            </a:endParaRPr>
+          </a:p>
+        </p:txBody>
+      </p:sp>
+      <p:sp>
+        <p:nvSpPr>
+          <p:cNvPr id="15" name="Hexagon 14"/>
+          <p:cNvSpPr/>
+          <p:nvPr/>
+        </p:nvSpPr>
+        <p:spPr>
+          <a:xfrm rot="14581954">
+            <a:off x="3927673" y="5333528"/>
+            <a:ext cx="1206448" cy="1173165"/>
+          </a:xfrm>
+          <a:prstGeom prst="hexagon">
+            <a:avLst/>
+          </a:prstGeom>
+        </p:spPr>
+        <p:style>
+          <a:lnRef idx="2">
+            <a:schemeClr val="accent1">
+              <a:shade val="50000"/>
+            </a:schemeClr>
+          </a:lnRef>
+          <a:fillRef idx="1">
+            <a:schemeClr val="accent1"/>
+          </a:fillRef>
+          <a:effectRef idx="0">
+            <a:schemeClr val="accent1"/>
+          </a:effectRef>
+          <a:fontRef idx="minor">
+            <a:schemeClr val="lt1"/>
+          </a:fontRef>
+        </p:style>
+        <p:txBody>
+          <a:bodyPr rtlCol="0" anchor="ctr"/>
+          <a:lstStyle/>
+          <a:p>
+            <a:pPr algn="ctr"/>
+            <a:endParaRPr lang="es-ES"/>
+          </a:p>
+        </p:txBody>
+      </p:sp>
+      <p:sp>
+        <p:nvSpPr>
+          <p:cNvPr id="18" name="TextBox 17"/>
+          <p:cNvSpPr txBox="1"/>
+          <p:nvPr/>
+        </p:nvSpPr>
+        <p:spPr>
+          <a:xfrm>
+            <a:off x="4380054" y="6488668"/>
+            <a:ext cx="301686" cy="369332"/>
+          </a:xfrm>
+          <a:prstGeom prst="rect">
+            <a:avLst/>
+          </a:prstGeom>
+          <a:noFill/>
+        </p:spPr>
+        <p:txBody>
+          <a:bodyPr wrap="none" rtlCol="0">
+            <a:spAutoFit/>
+          </a:bodyPr>
+          <a:lstStyle/>
+          <a:p>
+            <a:r>
+              <a:rPr lang="es-ES" dirty="0" smtClean="0"/>
+              <a:t>1</a:t>
+            </a:r>
+            <a:endParaRPr lang="es-ES" dirty="0"/>
+          </a:p>
+        </p:txBody>
+      </p:sp>
+      <p:sp>
+        <p:nvSpPr>
+          <p:cNvPr id="19" name="TextBox 18"/>
+          <p:cNvSpPr txBox="1"/>
+          <p:nvPr/>
+        </p:nvSpPr>
+        <p:spPr>
+          <a:xfrm>
+            <a:off x="3734544" y="6119336"/>
+            <a:ext cx="301686" cy="369332"/>
+          </a:xfrm>
+          <a:prstGeom prst="rect">
+            <a:avLst/>
+          </a:prstGeom>
+          <a:noFill/>
+        </p:spPr>
+        <p:txBody>
+          <a:bodyPr wrap="none" rtlCol="0">
+            <a:spAutoFit/>
+          </a:bodyPr>
+          <a:lstStyle/>
+          <a:p>
+            <a:r>
+              <a:rPr lang="es-ES" dirty="0" smtClean="0"/>
+              <a:t>2</a:t>
+            </a:r>
+            <a:endParaRPr lang="es-ES" dirty="0"/>
+          </a:p>
+        </p:txBody>
+      </p:sp>
+      <p:sp>
+        <p:nvSpPr>
+          <p:cNvPr id="20" name="TextBox 19"/>
+          <p:cNvSpPr txBox="1"/>
+          <p:nvPr/>
+        </p:nvSpPr>
+        <p:spPr>
+          <a:xfrm>
+            <a:off x="3827176" y="5252972"/>
+            <a:ext cx="301686" cy="369332"/>
+          </a:xfrm>
+          <a:prstGeom prst="rect">
+            <a:avLst/>
+          </a:prstGeom>
+          <a:noFill/>
+        </p:spPr>
+        <p:txBody>
+          <a:bodyPr wrap="none" rtlCol="0">
+            <a:spAutoFit/>
+          </a:bodyPr>
+          <a:lstStyle/>
+          <a:p>
+            <a:r>
+              <a:rPr lang="es-ES" dirty="0" smtClean="0"/>
+              <a:t>3</a:t>
+            </a:r>
+            <a:endParaRPr lang="es-ES" dirty="0"/>
+          </a:p>
+        </p:txBody>
+      </p:sp>
+      <p:sp>
+        <p:nvSpPr>
+          <p:cNvPr id="21" name="TextBox 20"/>
+          <p:cNvSpPr txBox="1"/>
+          <p:nvPr/>
+        </p:nvSpPr>
+        <p:spPr>
+          <a:xfrm>
+            <a:off x="4397895" y="5068306"/>
+            <a:ext cx="301686" cy="369332"/>
+          </a:xfrm>
+          <a:prstGeom prst="rect">
+            <a:avLst/>
+          </a:prstGeom>
+          <a:noFill/>
+        </p:spPr>
+        <p:txBody>
+          <a:bodyPr wrap="none" rtlCol="0">
+            <a:spAutoFit/>
+          </a:bodyPr>
+          <a:lstStyle/>
+          <a:p>
+            <a:r>
+              <a:rPr lang="es-ES" dirty="0" smtClean="0"/>
+              <a:t>4</a:t>
+            </a:r>
+            <a:endParaRPr lang="es-ES" dirty="0"/>
+          </a:p>
+        </p:txBody>
+      </p:sp>
+      <p:sp>
+        <p:nvSpPr>
+          <p:cNvPr id="22" name="TextBox 21"/>
+          <p:cNvSpPr txBox="1"/>
+          <p:nvPr/>
+        </p:nvSpPr>
+        <p:spPr>
+          <a:xfrm>
+            <a:off x="5025564" y="5320819"/>
+            <a:ext cx="301686" cy="369332"/>
+          </a:xfrm>
+          <a:prstGeom prst="rect">
+            <a:avLst/>
+          </a:prstGeom>
+          <a:noFill/>
+        </p:spPr>
+        <p:txBody>
+          <a:bodyPr wrap="none" rtlCol="0">
+            <a:spAutoFit/>
+          </a:bodyPr>
+          <a:lstStyle/>
+          <a:p>
+            <a:r>
+              <a:rPr lang="es-ES" dirty="0" smtClean="0"/>
+              <a:t>5</a:t>
+            </a:r>
+            <a:endParaRPr lang="es-ES" dirty="0"/>
+          </a:p>
+        </p:txBody>
+      </p:sp>
+      <p:sp>
+        <p:nvSpPr>
+          <p:cNvPr id="23" name="TextBox 22"/>
+          <p:cNvSpPr txBox="1"/>
+          <p:nvPr/>
+        </p:nvSpPr>
+        <p:spPr>
+          <a:xfrm>
+            <a:off x="5025564" y="6066550"/>
+            <a:ext cx="301686" cy="369332"/>
+          </a:xfrm>
+          <a:prstGeom prst="rect">
+            <a:avLst/>
+          </a:prstGeom>
+          <a:noFill/>
+        </p:spPr>
+        <p:txBody>
+          <a:bodyPr wrap="none" rtlCol="0">
+            <a:spAutoFit/>
+          </a:bodyPr>
+          <a:lstStyle/>
+          <a:p>
+            <a:r>
+              <a:rPr lang="es-ES" dirty="0" smtClean="0"/>
+              <a:t>6</a:t>
+            </a:r>
+            <a:endParaRPr lang="es-ES" dirty="0"/>
+          </a:p>
+        </p:txBody>
+      </p:sp>
+    </p:spTree>
+    <p:extLst>
+      <p:ext uri="{BB962C8B-B14F-4D97-AF65-F5344CB8AC3E}">
+        <p14:creationId xmlns:p14="http://schemas.microsoft.com/office/powerpoint/2010/main" val="3946611118"/>
+      </p:ext>
+    </p:extLst>
+  </p:cSld>
+  <p:clrMapOvr>
+    <a:masterClrMapping/>
+  </p:clrMapOvr>
+</p:sld>
+</file>
+
+<file path=ppt/slides/slide6.xml><?xml version="1.0" encoding="utf-8"?>
+<p:sld xmlns:a="http://schemas.openxmlformats.org/drawingml/2006/main" xmlns:r="http://schemas.openxmlformats.org/officeDocument/2006/relationships" xmlns:p="http://schemas.openxmlformats.org/presentationml/2006/main">
+  <p:cSld>
+    <p:spTree>
+      <p:nvGrpSpPr>
+        <p:cNvPr id="1" name=""/>
+        <p:cNvGrpSpPr/>
+        <p:nvPr/>
+      </p:nvGrpSpPr>
+      <p:grpSpPr>
+        <a:xfrm>
+          <a:off x="0" y="0"/>
+          <a:ext cx="0" cy="0"/>
+          <a:chOff x="0" y="0"/>
+          <a:chExt cx="0" cy="0"/>
+        </a:xfrm>
+      </p:grpSpPr>
+      <p:sp>
+        <p:nvSpPr>
+          <p:cNvPr id="2" name="Title 1"/>
+          <p:cNvSpPr>
+            <a:spLocks noGrp="1"/>
+          </p:cNvSpPr>
+          <p:nvPr>
+            <p:ph type="title"/>
+          </p:nvPr>
+        </p:nvSpPr>
+        <p:spPr>
+          <a:xfrm>
+            <a:off x="514815" y="365125"/>
+            <a:ext cx="10959790" cy="1325563"/>
+          </a:xfrm>
+        </p:spPr>
+        <p:txBody>
+          <a:bodyPr/>
+          <a:lstStyle/>
+          <a:p>
+            <a:r>
+              <a:rPr lang="es-ES" dirty="0" smtClean="0"/>
+              <a:t>PRIMERA PROPOSTA PER GUARDAR LES DADES</a:t>
+            </a:r>
+            <a:endParaRPr lang="es-ES" dirty="0"/>
+          </a:p>
+        </p:txBody>
+      </p:sp>
+      <p:sp>
+        <p:nvSpPr>
+          <p:cNvPr id="4" name="TextBox 3"/>
+          <p:cNvSpPr txBox="1"/>
+          <p:nvPr/>
+        </p:nvSpPr>
+        <p:spPr>
+          <a:xfrm>
+            <a:off x="216235" y="1808090"/>
+            <a:ext cx="11809515" cy="1200329"/>
+          </a:xfrm>
+          <a:prstGeom prst="rect">
+            <a:avLst/>
+          </a:prstGeom>
+          <a:noFill/>
+        </p:spPr>
+        <p:txBody>
+          <a:bodyPr wrap="none" rtlCol="0">
+            <a:spAutoFit/>
+          </a:bodyPr>
+          <a:lstStyle/>
+          <a:p>
+            <a:r>
+              <a:rPr lang="es-ES" dirty="0" smtClean="0"/>
+              <a:t>Cada escena (</a:t>
+            </a:r>
+            <a:r>
+              <a:rPr lang="es-ES" dirty="0" err="1" smtClean="0"/>
+              <a:t>imatge</a:t>
+            </a:r>
+            <a:r>
+              <a:rPr lang="es-ES" dirty="0" smtClean="0"/>
+              <a:t>) </a:t>
+            </a:r>
+            <a:r>
+              <a:rPr lang="es-ES" dirty="0" err="1" smtClean="0"/>
+              <a:t>quedaria</a:t>
+            </a:r>
+            <a:r>
+              <a:rPr lang="es-ES" dirty="0" smtClean="0"/>
+              <a:t> </a:t>
+            </a:r>
+            <a:r>
+              <a:rPr lang="es-ES" dirty="0" err="1" smtClean="0"/>
+              <a:t>llavors</a:t>
+            </a:r>
+            <a:r>
+              <a:rPr lang="es-ES" dirty="0" smtClean="0"/>
+              <a:t> identificada </a:t>
+            </a:r>
+            <a:r>
+              <a:rPr lang="es-ES" dirty="0" err="1" smtClean="0"/>
+              <a:t>amb</a:t>
+            </a:r>
+            <a:r>
+              <a:rPr lang="es-ES" dirty="0" smtClean="0"/>
+              <a:t> un número </a:t>
+            </a:r>
+            <a:r>
+              <a:rPr lang="es-ES" dirty="0" err="1" smtClean="0"/>
+              <a:t>únic</a:t>
+            </a:r>
+            <a:r>
+              <a:rPr lang="es-ES" dirty="0" smtClean="0"/>
+              <a:t> que </a:t>
+            </a:r>
+            <a:r>
+              <a:rPr lang="es-ES" dirty="0" err="1" smtClean="0"/>
+              <a:t>s’utilitzaria</a:t>
+            </a:r>
+            <a:r>
+              <a:rPr lang="es-ES" dirty="0" smtClean="0"/>
+              <a:t> per nombrar la </a:t>
+            </a:r>
+            <a:r>
+              <a:rPr lang="es-ES" dirty="0" err="1" smtClean="0"/>
+              <a:t>imatge</a:t>
+            </a:r>
+            <a:r>
+              <a:rPr lang="es-ES" dirty="0" smtClean="0"/>
+              <a:t>. </a:t>
+            </a:r>
+          </a:p>
+          <a:p>
+            <a:r>
+              <a:rPr lang="es-ES" dirty="0" err="1" smtClean="0"/>
+              <a:t>Amb</a:t>
+            </a:r>
+            <a:r>
+              <a:rPr lang="es-ES" dirty="0" smtClean="0"/>
+              <a:t> </a:t>
+            </a:r>
+            <a:r>
+              <a:rPr lang="es-ES" dirty="0" err="1" smtClean="0"/>
+              <a:t>aquest</a:t>
+            </a:r>
+            <a:r>
+              <a:rPr lang="es-ES" dirty="0" smtClean="0"/>
+              <a:t> número </a:t>
+            </a:r>
+            <a:r>
+              <a:rPr lang="es-ES" dirty="0" err="1" smtClean="0"/>
+              <a:t>podriem</a:t>
+            </a:r>
+            <a:r>
+              <a:rPr lang="es-ES" dirty="0" smtClean="0"/>
+              <a:t> </a:t>
+            </a:r>
+            <a:r>
+              <a:rPr lang="es-ES" dirty="0" err="1" smtClean="0"/>
+              <a:t>anar</a:t>
+            </a:r>
+            <a:r>
+              <a:rPr lang="es-ES" dirty="0" smtClean="0"/>
+              <a:t> al </a:t>
+            </a:r>
+            <a:r>
+              <a:rPr lang="es-ES" dirty="0" err="1" smtClean="0"/>
+              <a:t>fitxer</a:t>
+            </a:r>
+            <a:r>
+              <a:rPr lang="es-ES" dirty="0" smtClean="0"/>
+              <a:t> </a:t>
+            </a:r>
+            <a:r>
+              <a:rPr lang="es-ES" dirty="0" err="1" smtClean="0"/>
+              <a:t>on</a:t>
+            </a:r>
+            <a:r>
+              <a:rPr lang="es-ES" dirty="0" smtClean="0"/>
+              <a:t> es guarden les </a:t>
+            </a:r>
+            <a:r>
+              <a:rPr lang="es-ES" dirty="0" err="1" smtClean="0"/>
+              <a:t>dades</a:t>
+            </a:r>
+            <a:r>
+              <a:rPr lang="es-ES" dirty="0" smtClean="0"/>
+              <a:t> per </a:t>
+            </a:r>
+            <a:r>
+              <a:rPr lang="es-ES" dirty="0" err="1" smtClean="0"/>
+              <a:t>trobar</a:t>
+            </a:r>
+            <a:r>
+              <a:rPr lang="es-ES" dirty="0" smtClean="0"/>
+              <a:t> </a:t>
+            </a:r>
+            <a:r>
+              <a:rPr lang="es-ES" dirty="0" err="1" smtClean="0"/>
+              <a:t>quins</a:t>
+            </a:r>
+            <a:r>
+              <a:rPr lang="es-ES" dirty="0" smtClean="0"/>
+              <a:t> </a:t>
+            </a:r>
+            <a:r>
+              <a:rPr lang="es-ES" dirty="0" err="1" smtClean="0"/>
+              <a:t>són</a:t>
+            </a:r>
+            <a:r>
+              <a:rPr lang="es-ES" dirty="0" smtClean="0"/>
+              <a:t> </a:t>
+            </a:r>
+            <a:r>
+              <a:rPr lang="es-ES" dirty="0" err="1" smtClean="0"/>
+              <a:t>els</a:t>
+            </a:r>
+            <a:r>
+              <a:rPr lang="es-ES" dirty="0"/>
+              <a:t> </a:t>
+            </a:r>
+            <a:r>
+              <a:rPr lang="es-ES" dirty="0" err="1" smtClean="0"/>
+              <a:t>parámetres</a:t>
+            </a:r>
+            <a:r>
+              <a:rPr lang="es-ES" dirty="0" smtClean="0"/>
+              <a:t> </a:t>
+            </a:r>
+            <a:r>
+              <a:rPr lang="es-ES" dirty="0" err="1" smtClean="0"/>
+              <a:t>específics</a:t>
+            </a:r>
+            <a:r>
+              <a:rPr lang="es-ES" dirty="0" smtClean="0"/>
+              <a:t> </a:t>
+            </a:r>
+            <a:r>
+              <a:rPr lang="es-ES" dirty="0" err="1" smtClean="0"/>
+              <a:t>d’aquella</a:t>
+            </a:r>
+            <a:r>
+              <a:rPr lang="es-ES" dirty="0" smtClean="0"/>
+              <a:t> </a:t>
+            </a:r>
+          </a:p>
+          <a:p>
+            <a:r>
+              <a:rPr lang="es-ES" dirty="0" smtClean="0"/>
+              <a:t>escena.</a:t>
+            </a:r>
+          </a:p>
+          <a:p>
+            <a:endParaRPr lang="es-ES" dirty="0"/>
+          </a:p>
+        </p:txBody>
+      </p:sp>
+      <p:sp>
+        <p:nvSpPr>
+          <p:cNvPr id="5" name="TextBox 4"/>
+          <p:cNvSpPr txBox="1"/>
+          <p:nvPr/>
+        </p:nvSpPr>
+        <p:spPr>
+          <a:xfrm>
+            <a:off x="514815" y="2846558"/>
+            <a:ext cx="4096121" cy="923330"/>
+          </a:xfrm>
+          <a:prstGeom prst="rect">
+            <a:avLst/>
+          </a:prstGeom>
+        </p:spPr>
+        <p:style>
+          <a:lnRef idx="2">
+            <a:schemeClr val="dk1"/>
+          </a:lnRef>
+          <a:fillRef idx="1">
+            <a:schemeClr val="lt1"/>
+          </a:fillRef>
+          <a:effectRef idx="0">
+            <a:schemeClr val="dk1"/>
+          </a:effectRef>
+          <a:fontRef idx="minor">
+            <a:schemeClr val="dk1"/>
+          </a:fontRef>
+        </p:style>
+        <p:txBody>
+          <a:bodyPr wrap="none" rtlCol="0">
+            <a:spAutoFit/>
+          </a:bodyPr>
+          <a:lstStyle/>
+          <a:p>
+            <a:r>
+              <a:rPr lang="es-ES" dirty="0"/>
+              <a:t>·</a:t>
+            </a:r>
+            <a:r>
+              <a:rPr lang="es-ES" dirty="0" err="1" smtClean="0"/>
+              <a:t>Informació</a:t>
+            </a:r>
+            <a:r>
+              <a:rPr lang="es-ES" dirty="0" smtClean="0"/>
+              <a:t> sobre cada escena</a:t>
+            </a:r>
+          </a:p>
+          <a:p>
+            <a:r>
+              <a:rPr lang="es-ES" dirty="0" smtClean="0"/>
+              <a:t>·</a:t>
+            </a:r>
+            <a:r>
+              <a:rPr lang="es-ES" dirty="0" err="1" smtClean="0"/>
+              <a:t>Informació</a:t>
+            </a:r>
+            <a:r>
+              <a:rPr lang="es-ES" dirty="0" smtClean="0"/>
+              <a:t> sobre </a:t>
+            </a:r>
+            <a:r>
+              <a:rPr lang="es-ES" dirty="0" err="1" smtClean="0"/>
+              <a:t>els</a:t>
+            </a:r>
+            <a:r>
+              <a:rPr lang="es-ES" dirty="0" smtClean="0"/>
+              <a:t> </a:t>
+            </a:r>
+            <a:r>
+              <a:rPr lang="es-ES" dirty="0" err="1" smtClean="0"/>
+              <a:t>objectes</a:t>
+            </a:r>
+            <a:r>
+              <a:rPr lang="es-ES" dirty="0" smtClean="0"/>
+              <a:t> posibles</a:t>
+            </a:r>
+          </a:p>
+          <a:p>
+            <a:r>
+              <a:rPr lang="es-ES" dirty="0" smtClean="0"/>
+              <a:t>·</a:t>
+            </a:r>
+            <a:r>
+              <a:rPr lang="es-ES" dirty="0" err="1" smtClean="0"/>
+              <a:t>Informació</a:t>
+            </a:r>
+            <a:r>
+              <a:rPr lang="es-ES" dirty="0" smtClean="0"/>
+              <a:t> sobre les </a:t>
+            </a:r>
+            <a:r>
+              <a:rPr lang="es-ES" dirty="0" err="1" smtClean="0"/>
+              <a:t>càmeras</a:t>
+            </a:r>
+            <a:r>
+              <a:rPr lang="es-ES" dirty="0" smtClean="0"/>
+              <a:t> disponibles</a:t>
+            </a:r>
+            <a:endParaRPr lang="es-ES" dirty="0"/>
+          </a:p>
+        </p:txBody>
+      </p:sp>
+      <p:sp>
+        <p:nvSpPr>
+          <p:cNvPr id="6" name="Right Arrow 5"/>
+          <p:cNvSpPr/>
+          <p:nvPr/>
+        </p:nvSpPr>
+        <p:spPr>
+          <a:xfrm>
+            <a:off x="4945224" y="2972521"/>
+            <a:ext cx="1408922" cy="671404"/>
+          </a:xfrm>
+          <a:prstGeom prst="rightArrow">
+            <a:avLst/>
+          </a:prstGeom>
+        </p:spPr>
+        <p:style>
+          <a:lnRef idx="2">
+            <a:schemeClr val="accent1">
+              <a:shade val="50000"/>
+            </a:schemeClr>
+          </a:lnRef>
+          <a:fillRef idx="1">
+            <a:schemeClr val="accent1"/>
+          </a:fillRef>
+          <a:effectRef idx="0">
+            <a:schemeClr val="accent1"/>
+          </a:effectRef>
+          <a:fontRef idx="minor">
+            <a:schemeClr val="lt1"/>
+          </a:fontRef>
+        </p:style>
+        <p:txBody>
+          <a:bodyPr rtlCol="0" anchor="ctr"/>
+          <a:lstStyle/>
+          <a:p>
+            <a:pPr algn="ctr"/>
+            <a:endParaRPr lang="es-ES"/>
+          </a:p>
+        </p:txBody>
+      </p:sp>
+      <p:sp>
+        <p:nvSpPr>
+          <p:cNvPr id="7" name="TextBox 6"/>
+          <p:cNvSpPr txBox="1"/>
+          <p:nvPr/>
+        </p:nvSpPr>
+        <p:spPr>
+          <a:xfrm>
+            <a:off x="6536170" y="3003007"/>
+            <a:ext cx="5462970" cy="646331"/>
+          </a:xfrm>
+          <a:prstGeom prst="rect">
+            <a:avLst/>
+          </a:prstGeom>
+        </p:spPr>
+        <p:style>
+          <a:lnRef idx="2">
+            <a:schemeClr val="dk1"/>
+          </a:lnRef>
+          <a:fillRef idx="1">
+            <a:schemeClr val="lt1"/>
+          </a:fillRef>
+          <a:effectRef idx="0">
+            <a:schemeClr val="dk1"/>
+          </a:effectRef>
+          <a:fontRef idx="minor">
+            <a:schemeClr val="dk1"/>
+          </a:fontRef>
+        </p:style>
+        <p:txBody>
+          <a:bodyPr wrap="none" rtlCol="0">
+            <a:spAutoFit/>
+          </a:bodyPr>
+          <a:lstStyle/>
+          <a:p>
+            <a:r>
+              <a:rPr lang="es-ES" dirty="0" smtClean="0"/>
+              <a:t>3 </a:t>
+            </a:r>
+            <a:r>
+              <a:rPr lang="es-ES" dirty="0" err="1" smtClean="0"/>
+              <a:t>arxius</a:t>
+            </a:r>
+            <a:r>
+              <a:rPr lang="es-ES" dirty="0" smtClean="0"/>
+              <a:t> .</a:t>
+            </a:r>
+            <a:r>
+              <a:rPr lang="es-ES" dirty="0" err="1" smtClean="0"/>
+              <a:t>csv</a:t>
+            </a:r>
+            <a:r>
+              <a:rPr lang="es-ES" dirty="0" smtClean="0"/>
+              <a:t> </a:t>
+            </a:r>
+            <a:r>
+              <a:rPr lang="es-ES" dirty="0" err="1" smtClean="0"/>
+              <a:t>diferents</a:t>
+            </a:r>
+            <a:r>
+              <a:rPr lang="es-ES" dirty="0" smtClean="0"/>
+              <a:t>, en </a:t>
+            </a:r>
+            <a:r>
+              <a:rPr lang="es-ES" dirty="0" err="1" smtClean="0"/>
+              <a:t>els</a:t>
+            </a:r>
+            <a:r>
+              <a:rPr lang="es-ES" dirty="0" smtClean="0"/>
+              <a:t> </a:t>
+            </a:r>
+            <a:r>
+              <a:rPr lang="es-ES" dirty="0" err="1" smtClean="0"/>
+              <a:t>cuals</a:t>
+            </a:r>
+            <a:r>
+              <a:rPr lang="es-ES" dirty="0" smtClean="0"/>
+              <a:t> </a:t>
+            </a:r>
+            <a:r>
+              <a:rPr lang="es-ES" dirty="0" err="1" smtClean="0"/>
+              <a:t>s’anirà</a:t>
+            </a:r>
+            <a:r>
+              <a:rPr lang="es-ES" dirty="0" smtClean="0"/>
+              <a:t> </a:t>
+            </a:r>
+            <a:r>
+              <a:rPr lang="es-ES" dirty="0" err="1" smtClean="0"/>
+              <a:t>guardant</a:t>
+            </a:r>
+            <a:r>
+              <a:rPr lang="es-ES" dirty="0" smtClean="0"/>
+              <a:t> </a:t>
+            </a:r>
+          </a:p>
+          <a:p>
+            <a:r>
+              <a:rPr lang="es-ES" dirty="0" smtClean="0"/>
+              <a:t>la </a:t>
+            </a:r>
+            <a:r>
+              <a:rPr lang="es-ES" dirty="0" err="1" smtClean="0"/>
+              <a:t>informació</a:t>
+            </a:r>
+            <a:r>
+              <a:rPr lang="es-ES" dirty="0" smtClean="0"/>
+              <a:t> en files i </a:t>
+            </a:r>
+            <a:r>
+              <a:rPr lang="es-ES" dirty="0" err="1" smtClean="0"/>
+              <a:t>columnes</a:t>
+            </a:r>
+            <a:r>
+              <a:rPr lang="es-ES" dirty="0" smtClean="0"/>
+              <a:t>, </a:t>
+            </a:r>
+            <a:r>
+              <a:rPr lang="es-ES" dirty="0" err="1" smtClean="0"/>
+              <a:t>d’una</a:t>
+            </a:r>
+            <a:r>
+              <a:rPr lang="es-ES" dirty="0" smtClean="0"/>
+              <a:t> forma ordenada.</a:t>
+            </a:r>
+            <a:endParaRPr lang="es-ES" dirty="0"/>
+          </a:p>
+        </p:txBody>
+      </p:sp>
+      <p:cxnSp>
+        <p:nvCxnSpPr>
+          <p:cNvPr id="9" name="Straight Connector 8"/>
+          <p:cNvCxnSpPr/>
+          <p:nvPr/>
+        </p:nvCxnSpPr>
+        <p:spPr>
+          <a:xfrm>
+            <a:off x="5551715" y="4702629"/>
+            <a:ext cx="0" cy="1698171"/>
+          </a:xfrm>
+          <a:prstGeom prst="line">
+            <a:avLst/>
+          </a:prstGeom>
+        </p:spPr>
+        <p:style>
+          <a:lnRef idx="1">
+            <a:schemeClr val="accent1"/>
+          </a:lnRef>
+          <a:fillRef idx="0">
+            <a:schemeClr val="accent1"/>
+          </a:fillRef>
+          <a:effectRef idx="0">
+            <a:schemeClr val="accent1"/>
+          </a:effectRef>
+          <a:fontRef idx="minor">
+            <a:schemeClr val="tx1"/>
+          </a:fontRef>
+        </p:style>
+      </p:cxnSp>
+      <p:sp>
+        <p:nvSpPr>
+          <p:cNvPr id="13" name="Donut 12"/>
+          <p:cNvSpPr/>
+          <p:nvPr/>
+        </p:nvSpPr>
+        <p:spPr>
+          <a:xfrm>
+            <a:off x="2371952" y="3984172"/>
+            <a:ext cx="737118" cy="718457"/>
+          </a:xfrm>
+          <a:prstGeom prst="donut">
+            <a:avLst/>
+          </a:prstGeom>
+          <a:solidFill>
+            <a:schemeClr val="accent6"/>
+          </a:solidFill>
+          <a:ln>
+            <a:solidFill>
+              <a:schemeClr val="accent6"/>
+            </a:solidFill>
+          </a:ln>
+        </p:spPr>
+        <p:style>
+          <a:lnRef idx="2">
+            <a:schemeClr val="accent1">
+              <a:shade val="50000"/>
+            </a:schemeClr>
+          </a:lnRef>
+          <a:fillRef idx="1">
+            <a:schemeClr val="accent1"/>
+          </a:fillRef>
+          <a:effectRef idx="0">
+            <a:schemeClr val="accent1"/>
+          </a:effectRef>
+          <a:fontRef idx="minor">
+            <a:schemeClr val="lt1"/>
+          </a:fontRef>
+        </p:style>
+        <p:txBody>
+          <a:bodyPr rtlCol="0" anchor="ctr"/>
+          <a:lstStyle/>
+          <a:p>
+            <a:pPr algn="ctr"/>
+            <a:endParaRPr lang="es-ES">
+              <a:solidFill>
+                <a:schemeClr val="tx1"/>
+              </a:solidFill>
+            </a:endParaRPr>
+          </a:p>
+        </p:txBody>
+      </p:sp>
+      <p:sp>
+        <p:nvSpPr>
+          <p:cNvPr id="14" name="Multiply 13"/>
+          <p:cNvSpPr/>
+          <p:nvPr/>
+        </p:nvSpPr>
+        <p:spPr>
+          <a:xfrm>
+            <a:off x="8199635" y="3777125"/>
+            <a:ext cx="1045028" cy="942392"/>
+          </a:xfrm>
+          <a:prstGeom prst="mathMultiply">
+            <a:avLst/>
+          </a:prstGeom>
+          <a:solidFill>
+            <a:srgbClr val="FF0000"/>
+          </a:solidFill>
+          <a:ln>
+            <a:solidFill>
+              <a:srgbClr val="FF0000"/>
+            </a:solidFill>
+          </a:ln>
+        </p:spPr>
+        <p:style>
+          <a:lnRef idx="2">
+            <a:schemeClr val="accent1">
+              <a:shade val="50000"/>
+            </a:schemeClr>
+          </a:lnRef>
+          <a:fillRef idx="1">
+            <a:schemeClr val="accent1"/>
+          </a:fillRef>
+          <a:effectRef idx="0">
+            <a:schemeClr val="accent1"/>
+          </a:effectRef>
+          <a:fontRef idx="minor">
+            <a:schemeClr val="lt1"/>
+          </a:fontRef>
+        </p:style>
+        <p:txBody>
+          <a:bodyPr rtlCol="0" anchor="ctr"/>
+          <a:lstStyle/>
+          <a:p>
+            <a:pPr algn="ctr"/>
+            <a:endParaRPr lang="es-ES"/>
+          </a:p>
+        </p:txBody>
+      </p:sp>
+      <p:sp>
+        <p:nvSpPr>
+          <p:cNvPr id="15" name="TextBox 14"/>
+          <p:cNvSpPr txBox="1"/>
+          <p:nvPr/>
+        </p:nvSpPr>
+        <p:spPr>
+          <a:xfrm>
+            <a:off x="5958640" y="4815566"/>
+            <a:ext cx="6075061" cy="923330"/>
+          </a:xfrm>
+          <a:prstGeom prst="rect">
+            <a:avLst/>
+          </a:prstGeom>
+          <a:noFill/>
+        </p:spPr>
+        <p:txBody>
+          <a:bodyPr wrap="none" rtlCol="0">
+            <a:spAutoFit/>
+          </a:bodyPr>
+          <a:lstStyle/>
+          <a:p>
+            <a:r>
+              <a:rPr lang="es-ES" dirty="0" smtClean="0"/>
+              <a:t>·</a:t>
+            </a:r>
+            <a:r>
+              <a:rPr lang="es-ES" dirty="0" err="1" smtClean="0"/>
+              <a:t>Potser</a:t>
+            </a:r>
+            <a:r>
+              <a:rPr lang="es-ES" dirty="0" smtClean="0"/>
+              <a:t> la forma de buscar </a:t>
+            </a:r>
+            <a:r>
+              <a:rPr lang="es-ES" dirty="0" err="1" smtClean="0"/>
+              <a:t>informació</a:t>
+            </a:r>
+            <a:r>
+              <a:rPr lang="es-ES" dirty="0" smtClean="0"/>
+              <a:t> en </a:t>
+            </a:r>
+            <a:r>
+              <a:rPr lang="es-ES" dirty="0" err="1" smtClean="0"/>
+              <a:t>aquest</a:t>
+            </a:r>
+            <a:r>
+              <a:rPr lang="es-ES" dirty="0" smtClean="0"/>
+              <a:t> </a:t>
+            </a:r>
+            <a:r>
+              <a:rPr lang="es-ES" dirty="0" err="1" smtClean="0"/>
+              <a:t>tipus</a:t>
+            </a:r>
+            <a:r>
+              <a:rPr lang="es-ES" dirty="0" smtClean="0"/>
+              <a:t> de </a:t>
+            </a:r>
+            <a:r>
+              <a:rPr lang="es-ES" dirty="0" err="1" smtClean="0"/>
+              <a:t>fitxer</a:t>
+            </a:r>
+            <a:r>
+              <a:rPr lang="es-ES" dirty="0" smtClean="0"/>
+              <a:t> </a:t>
+            </a:r>
+          </a:p>
+          <a:p>
+            <a:r>
+              <a:rPr lang="es-ES" dirty="0" smtClean="0"/>
+              <a:t>no </a:t>
+            </a:r>
+            <a:r>
+              <a:rPr lang="es-ES" dirty="0" err="1" smtClean="0"/>
+              <a:t>és</a:t>
+            </a:r>
+            <a:r>
+              <a:rPr lang="es-ES" dirty="0" smtClean="0"/>
+              <a:t> la </a:t>
+            </a:r>
+            <a:r>
+              <a:rPr lang="es-ES" dirty="0" err="1" smtClean="0"/>
+              <a:t>més</a:t>
+            </a:r>
+            <a:r>
+              <a:rPr lang="es-ES" dirty="0" smtClean="0"/>
+              <a:t> </a:t>
+            </a:r>
+            <a:r>
+              <a:rPr lang="es-ES" dirty="0" err="1" smtClean="0"/>
+              <a:t>eficient</a:t>
+            </a:r>
+            <a:r>
+              <a:rPr lang="es-ES" dirty="0" smtClean="0"/>
+              <a:t>??.</a:t>
+            </a:r>
+          </a:p>
+          <a:p>
+            <a:r>
+              <a:rPr lang="es-ES" dirty="0" smtClean="0"/>
+              <a:t>·???</a:t>
+            </a:r>
+            <a:endParaRPr lang="es-ES" dirty="0"/>
+          </a:p>
+        </p:txBody>
+      </p:sp>
+      <p:sp>
+        <p:nvSpPr>
+          <p:cNvPr id="16" name="TextBox 15"/>
+          <p:cNvSpPr txBox="1"/>
+          <p:nvPr/>
+        </p:nvSpPr>
+        <p:spPr>
+          <a:xfrm>
+            <a:off x="290864" y="4723233"/>
+            <a:ext cx="4899293" cy="2031325"/>
+          </a:xfrm>
+          <a:prstGeom prst="rect">
+            <a:avLst/>
+          </a:prstGeom>
+          <a:noFill/>
+        </p:spPr>
+        <p:txBody>
+          <a:bodyPr wrap="square" rtlCol="0">
+            <a:spAutoFit/>
+          </a:bodyPr>
+          <a:lstStyle/>
+          <a:p>
+            <a:r>
+              <a:rPr lang="es-ES" dirty="0" smtClean="0"/>
+              <a:t>·</a:t>
+            </a:r>
+            <a:r>
+              <a:rPr lang="es-ES" dirty="0" err="1" smtClean="0"/>
+              <a:t>Arxius</a:t>
+            </a:r>
+            <a:r>
+              <a:rPr lang="es-ES" dirty="0" smtClean="0"/>
+              <a:t> .</a:t>
+            </a:r>
+            <a:r>
+              <a:rPr lang="es-ES" dirty="0" err="1" smtClean="0"/>
+              <a:t>csv</a:t>
+            </a:r>
+            <a:r>
+              <a:rPr lang="es-ES" dirty="0" smtClean="0"/>
+              <a:t> </a:t>
+            </a:r>
+            <a:r>
+              <a:rPr lang="es-ES" dirty="0" err="1" smtClean="0"/>
+              <a:t>són</a:t>
+            </a:r>
+            <a:r>
+              <a:rPr lang="es-ES" dirty="0" smtClean="0"/>
+              <a:t> </a:t>
+            </a:r>
+            <a:r>
+              <a:rPr lang="es-ES" dirty="0" err="1" smtClean="0"/>
+              <a:t>molt</a:t>
+            </a:r>
+            <a:r>
+              <a:rPr lang="es-ES" dirty="0" smtClean="0"/>
+              <a:t> </a:t>
+            </a:r>
+            <a:r>
+              <a:rPr lang="es-ES" dirty="0" err="1" smtClean="0"/>
+              <a:t>universals</a:t>
+            </a:r>
+            <a:r>
+              <a:rPr lang="es-ES" dirty="0" smtClean="0"/>
+              <a:t> (es poden </a:t>
+            </a:r>
+            <a:r>
+              <a:rPr lang="es-ES" dirty="0" err="1" smtClean="0"/>
+              <a:t>obrir</a:t>
+            </a:r>
+            <a:r>
+              <a:rPr lang="es-ES" dirty="0" smtClean="0"/>
+              <a:t> </a:t>
+            </a:r>
+            <a:r>
+              <a:rPr lang="es-ES" dirty="0" err="1" smtClean="0"/>
+              <a:t>amb</a:t>
+            </a:r>
+            <a:r>
+              <a:rPr lang="es-ES" dirty="0" smtClean="0"/>
+              <a:t> </a:t>
+            </a:r>
+            <a:r>
+              <a:rPr lang="es-ES" dirty="0" err="1" smtClean="0"/>
+              <a:t>tots</a:t>
+            </a:r>
+            <a:r>
+              <a:rPr lang="es-ES" dirty="0" smtClean="0"/>
+              <a:t> </a:t>
+            </a:r>
+            <a:r>
+              <a:rPr lang="es-ES" dirty="0" err="1" smtClean="0"/>
+              <a:t>els</a:t>
+            </a:r>
+            <a:r>
+              <a:rPr lang="es-ES" dirty="0" smtClean="0"/>
+              <a:t> </a:t>
+            </a:r>
+            <a:r>
+              <a:rPr lang="es-ES" dirty="0" err="1" smtClean="0"/>
+              <a:t>sistemes</a:t>
+            </a:r>
+            <a:r>
+              <a:rPr lang="es-ES" dirty="0" smtClean="0"/>
+              <a:t> </a:t>
+            </a:r>
+            <a:r>
+              <a:rPr lang="es-ES" dirty="0" err="1" smtClean="0"/>
+              <a:t>operatius</a:t>
+            </a:r>
+            <a:r>
+              <a:rPr lang="es-ES" dirty="0" smtClean="0"/>
+              <a:t> i un número gran de programes de </a:t>
+            </a:r>
+            <a:r>
+              <a:rPr lang="es-ES" dirty="0" err="1" smtClean="0"/>
+              <a:t>tractament</a:t>
+            </a:r>
+            <a:r>
+              <a:rPr lang="es-ES" dirty="0" smtClean="0"/>
+              <a:t> de </a:t>
+            </a:r>
+            <a:r>
+              <a:rPr lang="es-ES" dirty="0" err="1" smtClean="0"/>
+              <a:t>dades</a:t>
+            </a:r>
+            <a:r>
+              <a:rPr lang="es-ES" dirty="0" smtClean="0"/>
+              <a:t>, Excel, </a:t>
+            </a:r>
+            <a:r>
+              <a:rPr lang="es-ES" dirty="0" err="1" smtClean="0"/>
+              <a:t>openoficce</a:t>
+            </a:r>
+            <a:r>
+              <a:rPr lang="es-ES" dirty="0" smtClean="0"/>
+              <a:t>, Matlab, etc.)</a:t>
+            </a:r>
+          </a:p>
+          <a:p>
+            <a:r>
+              <a:rPr lang="es-ES" dirty="0" smtClean="0"/>
+              <a:t>·</a:t>
+            </a:r>
+            <a:r>
+              <a:rPr lang="es-ES" dirty="0" err="1" smtClean="0"/>
+              <a:t>Informació</a:t>
+            </a:r>
+            <a:r>
+              <a:rPr lang="es-ES" dirty="0" smtClean="0"/>
+              <a:t> ben ordenada i </a:t>
+            </a:r>
+            <a:r>
+              <a:rPr lang="es-ES" dirty="0" err="1" smtClean="0"/>
+              <a:t>classificada</a:t>
+            </a:r>
+            <a:r>
+              <a:rPr lang="es-ES" dirty="0" smtClean="0"/>
+              <a:t>.</a:t>
+            </a:r>
+          </a:p>
+          <a:p>
+            <a:r>
+              <a:rPr lang="es-ES" dirty="0" smtClean="0"/>
+              <a:t>·Escritura de la </a:t>
+            </a:r>
+            <a:r>
+              <a:rPr lang="es-ES" dirty="0" err="1" smtClean="0"/>
+              <a:t>informació</a:t>
+            </a:r>
+            <a:r>
+              <a:rPr lang="es-ES" dirty="0" smtClean="0"/>
+              <a:t> </a:t>
+            </a:r>
+            <a:r>
+              <a:rPr lang="es-ES" dirty="0" err="1" smtClean="0"/>
+              <a:t>molt</a:t>
+            </a:r>
+            <a:r>
+              <a:rPr lang="es-ES" dirty="0" smtClean="0"/>
+              <a:t> fácil en </a:t>
+            </a:r>
+            <a:r>
+              <a:rPr lang="es-ES" dirty="0" err="1" smtClean="0"/>
+              <a:t>qualsevol</a:t>
+            </a:r>
+            <a:r>
+              <a:rPr lang="es-ES" dirty="0" smtClean="0"/>
+              <a:t> </a:t>
+            </a:r>
+            <a:r>
+              <a:rPr lang="es-ES" dirty="0" err="1" smtClean="0"/>
+              <a:t>lenguatge</a:t>
+            </a:r>
+            <a:r>
+              <a:rPr lang="es-ES" dirty="0" smtClean="0"/>
+              <a:t> de </a:t>
+            </a:r>
+            <a:r>
+              <a:rPr lang="es-ES" dirty="0" err="1" smtClean="0"/>
+              <a:t>programació</a:t>
+            </a:r>
+            <a:r>
+              <a:rPr lang="es-ES" dirty="0" smtClean="0"/>
+              <a:t>.</a:t>
+            </a:r>
+          </a:p>
+        </p:txBody>
+      </p:sp>
+    </p:spTree>
+    <p:extLst>
+      <p:ext uri="{BB962C8B-B14F-4D97-AF65-F5344CB8AC3E}">
+        <p14:creationId xmlns:p14="http://schemas.microsoft.com/office/powerpoint/2010/main" val="4039873086"/>
+      </p:ext>
+    </p:extLst>
+  </p:cSld>
+  <p:clrMapOvr>
+    <a:masterClrMapping/>
+  </p:clrMapOvr>
+</p:sld>
+</file>
+
+<file path=ppt/slides/slide7.xml><?xml version="1.0" encoding="utf-8"?>
+<p:sld xmlns:a="http://schemas.openxmlformats.org/drawingml/2006/main" xmlns:r="http://schemas.openxmlformats.org/officeDocument/2006/relationships" xmlns:p="http://schemas.openxmlformats.org/presentationml/2006/main">
+  <p:cSld>
+    <p:spTree>
+      <p:nvGrpSpPr>
+        <p:cNvPr id="1" name=""/>
+        <p:cNvGrpSpPr/>
+        <p:nvPr/>
+      </p:nvGrpSpPr>
+      <p:grpSpPr>
+        <a:xfrm>
+          <a:off x="0" y="0"/>
+          <a:ext cx="0" cy="0"/>
+          <a:chOff x="0" y="0"/>
+          <a:chExt cx="0" cy="0"/>
+        </a:xfrm>
+      </p:grpSpPr>
+      <p:sp>
+        <p:nvSpPr>
+          <p:cNvPr id="5" name="Rounded Rectangle 4"/>
+          <p:cNvSpPr/>
+          <p:nvPr/>
+        </p:nvSpPr>
+        <p:spPr>
+          <a:xfrm>
+            <a:off x="657252" y="813705"/>
+            <a:ext cx="4096140" cy="1054359"/>
+          </a:xfrm>
+          <a:prstGeom prst="roundRect">
+            <a:avLst/>
+          </a:prstGeom>
+        </p:spPr>
+        <p:style>
+          <a:lnRef idx="2">
+            <a:schemeClr val="accent1">
+              <a:shade val="50000"/>
+            </a:schemeClr>
+          </a:lnRef>
+          <a:fillRef idx="1">
+            <a:schemeClr val="accent1"/>
+          </a:fillRef>
+          <a:effectRef idx="0">
+            <a:schemeClr val="accent1"/>
+          </a:effectRef>
+          <a:fontRef idx="minor">
+            <a:schemeClr val="lt1"/>
+          </a:fontRef>
+        </p:style>
+        <p:txBody>
+          <a:bodyPr rtlCol="0" anchor="ctr"/>
+          <a:lstStyle/>
+          <a:p>
+            <a:pPr algn="ctr"/>
+            <a:r>
+              <a:rPr lang="es-ES" dirty="0" smtClean="0"/>
+              <a:t>ESCENES</a:t>
+            </a:r>
+            <a:endParaRPr lang="es-ES" dirty="0"/>
+          </a:p>
+        </p:txBody>
+      </p:sp>
+      <p:cxnSp>
+        <p:nvCxnSpPr>
+          <p:cNvPr id="7" name="Straight Connector 6"/>
+          <p:cNvCxnSpPr/>
+          <p:nvPr/>
+        </p:nvCxnSpPr>
+        <p:spPr>
+          <a:xfrm>
+            <a:off x="5775648" y="1109175"/>
+            <a:ext cx="0" cy="1334277"/>
+          </a:xfrm>
+          <a:prstGeom prst="line">
+            <a:avLst/>
+          </a:prstGeom>
+        </p:spPr>
+        <p:style>
+          <a:lnRef idx="1">
+            <a:schemeClr val="dk1"/>
+          </a:lnRef>
+          <a:fillRef idx="0">
+            <a:schemeClr val="dk1"/>
+          </a:fillRef>
+          <a:effectRef idx="0">
+            <a:schemeClr val="dk1"/>
+          </a:effectRef>
+          <a:fontRef idx="minor">
+            <a:schemeClr val="tx1"/>
+          </a:fontRef>
+        </p:style>
+      </p:cxnSp>
+      <p:sp>
+        <p:nvSpPr>
+          <p:cNvPr id="8" name="Rounded Rectangle 7"/>
+          <p:cNvSpPr/>
+          <p:nvPr/>
+        </p:nvSpPr>
+        <p:spPr>
+          <a:xfrm>
+            <a:off x="6797905" y="820699"/>
+            <a:ext cx="4096140" cy="553289"/>
+          </a:xfrm>
+          <a:prstGeom prst="roundRect">
+            <a:avLst/>
+          </a:prstGeom>
+        </p:spPr>
+        <p:style>
+          <a:lnRef idx="2">
+            <a:schemeClr val="accent1">
+              <a:shade val="50000"/>
+            </a:schemeClr>
+          </a:lnRef>
+          <a:fillRef idx="1">
+            <a:schemeClr val="accent1"/>
+          </a:fillRef>
+          <a:effectRef idx="0">
+            <a:schemeClr val="accent1"/>
+          </a:effectRef>
+          <a:fontRef idx="minor">
+            <a:schemeClr val="lt1"/>
+          </a:fontRef>
+        </p:style>
+        <p:txBody>
+          <a:bodyPr rtlCol="0" anchor="ctr"/>
+          <a:lstStyle/>
+          <a:p>
+            <a:pPr algn="ctr"/>
+            <a:r>
+              <a:rPr lang="es-ES" dirty="0" smtClean="0"/>
+              <a:t>TRANSICIÓ ENTRE ESCENES</a:t>
+            </a:r>
+            <a:endParaRPr lang="es-ES" dirty="0"/>
+          </a:p>
+        </p:txBody>
+      </p:sp>
+      <p:sp>
+        <p:nvSpPr>
+          <p:cNvPr id="11" name="Rounded Rectangle 10"/>
+          <p:cNvSpPr/>
+          <p:nvPr/>
+        </p:nvSpPr>
+        <p:spPr>
+          <a:xfrm>
+            <a:off x="478969" y="3435607"/>
+            <a:ext cx="1116564" cy="1054359"/>
+          </a:xfrm>
+          <a:prstGeom prst="roundRect">
+            <a:avLst/>
+          </a:prstGeom>
+        </p:spPr>
+        <p:style>
+          <a:lnRef idx="1">
+            <a:schemeClr val="accent2"/>
+          </a:lnRef>
+          <a:fillRef idx="2">
+            <a:schemeClr val="accent2"/>
+          </a:fillRef>
+          <a:effectRef idx="1">
+            <a:schemeClr val="accent2"/>
+          </a:effectRef>
+          <a:fontRef idx="minor">
+            <a:schemeClr val="dk1"/>
+          </a:fontRef>
+        </p:style>
+        <p:txBody>
+          <a:bodyPr rtlCol="0" anchor="ctr"/>
+          <a:lstStyle/>
+          <a:p>
+            <a:pPr algn="ctr"/>
+            <a:r>
+              <a:rPr lang="es-ES" dirty="0" smtClean="0"/>
+              <a:t>Escena inicial</a:t>
+            </a:r>
+            <a:endParaRPr lang="es-ES" dirty="0"/>
+          </a:p>
+        </p:txBody>
+      </p:sp>
+      <p:sp>
+        <p:nvSpPr>
+          <p:cNvPr id="12" name="Right Arrow 11"/>
+          <p:cNvSpPr/>
+          <p:nvPr/>
+        </p:nvSpPr>
+        <p:spPr>
+          <a:xfrm>
+            <a:off x="1726162" y="3776173"/>
+            <a:ext cx="8014996" cy="373225"/>
+          </a:xfrm>
+          <a:prstGeom prst="rightArrow">
+            <a:avLst/>
+          </a:prstGeom>
+        </p:spPr>
+        <p:style>
+          <a:lnRef idx="2">
+            <a:schemeClr val="accent2">
+              <a:shade val="50000"/>
+            </a:schemeClr>
+          </a:lnRef>
+          <a:fillRef idx="1">
+            <a:schemeClr val="accent2"/>
+          </a:fillRef>
+          <a:effectRef idx="0">
+            <a:schemeClr val="accent2"/>
+          </a:effectRef>
+          <a:fontRef idx="minor">
+            <a:schemeClr val="lt1"/>
+          </a:fontRef>
+        </p:style>
+        <p:txBody>
+          <a:bodyPr rtlCol="0" anchor="ctr"/>
+          <a:lstStyle/>
+          <a:p>
+            <a:pPr algn="ctr"/>
+            <a:endParaRPr lang="es-ES"/>
+          </a:p>
+        </p:txBody>
+      </p:sp>
+      <p:sp>
+        <p:nvSpPr>
+          <p:cNvPr id="13" name="Rounded Rectangle 12"/>
+          <p:cNvSpPr/>
+          <p:nvPr/>
+        </p:nvSpPr>
+        <p:spPr>
+          <a:xfrm>
+            <a:off x="9871787" y="3435605"/>
+            <a:ext cx="1116564" cy="1054359"/>
+          </a:xfrm>
+          <a:prstGeom prst="roundRect">
+            <a:avLst/>
+          </a:prstGeom>
+        </p:spPr>
+        <p:style>
+          <a:lnRef idx="1">
+            <a:schemeClr val="accent2"/>
+          </a:lnRef>
+          <a:fillRef idx="2">
+            <a:schemeClr val="accent2"/>
+          </a:fillRef>
+          <a:effectRef idx="1">
+            <a:schemeClr val="accent2"/>
+          </a:effectRef>
+          <a:fontRef idx="minor">
+            <a:schemeClr val="dk1"/>
+          </a:fontRef>
+        </p:style>
+        <p:txBody>
+          <a:bodyPr rtlCol="0" anchor="ctr"/>
+          <a:lstStyle/>
+          <a:p>
+            <a:pPr algn="ctr"/>
+            <a:r>
+              <a:rPr lang="es-ES" dirty="0" smtClean="0"/>
+              <a:t>Escena final</a:t>
+            </a:r>
+            <a:endParaRPr lang="es-ES" dirty="0"/>
+          </a:p>
+        </p:txBody>
+      </p:sp>
+      <p:cxnSp>
+        <p:nvCxnSpPr>
+          <p:cNvPr id="17" name="Straight Arrow Connector 16"/>
+          <p:cNvCxnSpPr/>
+          <p:nvPr/>
+        </p:nvCxnSpPr>
+        <p:spPr>
+          <a:xfrm>
+            <a:off x="2174032" y="3628440"/>
+            <a:ext cx="0" cy="671804"/>
+          </a:xfrm>
+          <a:prstGeom prst="straightConnector1">
+            <a:avLst/>
+          </a:prstGeom>
+          <a:ln>
+            <a:tailEnd type="triangle"/>
+          </a:ln>
+        </p:spPr>
+        <p:style>
+          <a:lnRef idx="1">
+            <a:schemeClr val="dk1"/>
+          </a:lnRef>
+          <a:fillRef idx="0">
+            <a:schemeClr val="dk1"/>
+          </a:fillRef>
+          <a:effectRef idx="0">
+            <a:schemeClr val="dk1"/>
+          </a:effectRef>
+          <a:fontRef idx="minor">
+            <a:schemeClr val="tx1"/>
+          </a:fontRef>
+        </p:style>
+      </p:cxnSp>
+      <p:cxnSp>
+        <p:nvCxnSpPr>
+          <p:cNvPr id="18" name="Straight Arrow Connector 17"/>
+          <p:cNvCxnSpPr/>
+          <p:nvPr/>
+        </p:nvCxnSpPr>
+        <p:spPr>
+          <a:xfrm>
+            <a:off x="3502089" y="3628440"/>
+            <a:ext cx="0" cy="671804"/>
+          </a:xfrm>
+          <a:prstGeom prst="straightConnector1">
+            <a:avLst/>
+          </a:prstGeom>
+          <a:ln>
+            <a:tailEnd type="triangle"/>
+          </a:ln>
+        </p:spPr>
+        <p:style>
+          <a:lnRef idx="1">
+            <a:schemeClr val="dk1"/>
+          </a:lnRef>
+          <a:fillRef idx="0">
+            <a:schemeClr val="dk1"/>
+          </a:fillRef>
+          <a:effectRef idx="0">
+            <a:schemeClr val="dk1"/>
+          </a:effectRef>
+          <a:fontRef idx="minor">
+            <a:schemeClr val="tx1"/>
+          </a:fontRef>
+        </p:style>
+      </p:cxnSp>
+      <p:cxnSp>
+        <p:nvCxnSpPr>
+          <p:cNvPr id="19" name="Straight Arrow Connector 18"/>
+          <p:cNvCxnSpPr/>
+          <p:nvPr/>
+        </p:nvCxnSpPr>
+        <p:spPr>
+          <a:xfrm>
+            <a:off x="4876799" y="3628440"/>
+            <a:ext cx="0" cy="671804"/>
+          </a:xfrm>
+          <a:prstGeom prst="straightConnector1">
+            <a:avLst/>
+          </a:prstGeom>
+          <a:ln>
+            <a:tailEnd type="triangle"/>
+          </a:ln>
+        </p:spPr>
+        <p:style>
+          <a:lnRef idx="1">
+            <a:schemeClr val="dk1"/>
+          </a:lnRef>
+          <a:fillRef idx="0">
+            <a:schemeClr val="dk1"/>
+          </a:fillRef>
+          <a:effectRef idx="0">
+            <a:schemeClr val="dk1"/>
+          </a:effectRef>
+          <a:fontRef idx="minor">
+            <a:schemeClr val="tx1"/>
+          </a:fontRef>
+        </p:style>
+      </p:cxnSp>
+      <p:cxnSp>
+        <p:nvCxnSpPr>
+          <p:cNvPr id="20" name="Straight Arrow Connector 19"/>
+          <p:cNvCxnSpPr/>
+          <p:nvPr/>
+        </p:nvCxnSpPr>
+        <p:spPr>
+          <a:xfrm>
+            <a:off x="6400799" y="3628440"/>
+            <a:ext cx="0" cy="671804"/>
+          </a:xfrm>
+          <a:prstGeom prst="straightConnector1">
+            <a:avLst/>
+          </a:prstGeom>
+          <a:ln>
+            <a:tailEnd type="triangle"/>
+          </a:ln>
+        </p:spPr>
+        <p:style>
+          <a:lnRef idx="1">
+            <a:schemeClr val="dk1"/>
+          </a:lnRef>
+          <a:fillRef idx="0">
+            <a:schemeClr val="dk1"/>
+          </a:fillRef>
+          <a:effectRef idx="0">
+            <a:schemeClr val="dk1"/>
+          </a:effectRef>
+          <a:fontRef idx="minor">
+            <a:schemeClr val="tx1"/>
+          </a:fontRef>
+        </p:style>
+      </p:cxnSp>
+      <p:cxnSp>
+        <p:nvCxnSpPr>
+          <p:cNvPr id="21" name="Straight Arrow Connector 20"/>
+          <p:cNvCxnSpPr/>
+          <p:nvPr/>
+        </p:nvCxnSpPr>
+        <p:spPr>
+          <a:xfrm>
+            <a:off x="8167395" y="3628440"/>
+            <a:ext cx="0" cy="671804"/>
+          </a:xfrm>
+          <a:prstGeom prst="straightConnector1">
+            <a:avLst/>
+          </a:prstGeom>
+          <a:ln>
+            <a:tailEnd type="triangle"/>
+          </a:ln>
+        </p:spPr>
+        <p:style>
+          <a:lnRef idx="1">
+            <a:schemeClr val="dk1"/>
+          </a:lnRef>
+          <a:fillRef idx="0">
+            <a:schemeClr val="dk1"/>
+          </a:fillRef>
+          <a:effectRef idx="0">
+            <a:schemeClr val="dk1"/>
+          </a:effectRef>
+          <a:fontRef idx="minor">
+            <a:schemeClr val="tx1"/>
+          </a:fontRef>
+        </p:style>
+      </p:cxnSp>
+      <p:cxnSp>
+        <p:nvCxnSpPr>
+          <p:cNvPr id="25" name="Straight Arrow Connector 24"/>
+          <p:cNvCxnSpPr/>
+          <p:nvPr/>
+        </p:nvCxnSpPr>
+        <p:spPr>
+          <a:xfrm flipV="1">
+            <a:off x="1037251" y="4489964"/>
+            <a:ext cx="0" cy="799325"/>
+          </a:xfrm>
+          <a:prstGeom prst="straightConnector1">
+            <a:avLst/>
+          </a:prstGeom>
+          <a:ln>
+            <a:tailEnd type="triangle"/>
+          </a:ln>
+        </p:spPr>
+        <p:style>
+          <a:lnRef idx="1">
+            <a:schemeClr val="dk1"/>
+          </a:lnRef>
+          <a:fillRef idx="0">
+            <a:schemeClr val="dk1"/>
+          </a:fillRef>
+          <a:effectRef idx="0">
+            <a:schemeClr val="dk1"/>
+          </a:effectRef>
+          <a:fontRef idx="minor">
+            <a:schemeClr val="tx1"/>
+          </a:fontRef>
+        </p:style>
+      </p:cxnSp>
+      <p:sp>
+        <p:nvSpPr>
+          <p:cNvPr id="27" name="Rounded Rectangle 26"/>
+          <p:cNvSpPr/>
+          <p:nvPr/>
+        </p:nvSpPr>
+        <p:spPr>
+          <a:xfrm>
+            <a:off x="273695" y="5289289"/>
+            <a:ext cx="1527112" cy="625151"/>
+          </a:xfrm>
+          <a:prstGeom prst="roundRect">
+            <a:avLst/>
+          </a:prstGeom>
+        </p:spPr>
+        <p:style>
+          <a:lnRef idx="2">
+            <a:schemeClr val="accent1"/>
+          </a:lnRef>
+          <a:fillRef idx="1">
+            <a:schemeClr val="lt1"/>
+          </a:fillRef>
+          <a:effectRef idx="0">
+            <a:schemeClr val="accent1"/>
+          </a:effectRef>
+          <a:fontRef idx="minor">
+            <a:schemeClr val="dk1"/>
+          </a:fontRef>
+        </p:style>
+        <p:txBody>
+          <a:bodyPr rtlCol="0" anchor="ctr"/>
+          <a:lstStyle/>
+          <a:p>
+            <a:pPr algn="ctr"/>
+            <a:r>
+              <a:rPr lang="es-ES" sz="1600" dirty="0" err="1" smtClean="0"/>
+              <a:t>Fixades</a:t>
+            </a:r>
+            <a:r>
+              <a:rPr lang="es-ES" sz="1600" dirty="0" smtClean="0"/>
+              <a:t> per </a:t>
+            </a:r>
+            <a:r>
+              <a:rPr lang="es-ES" sz="1600" dirty="0" err="1" smtClean="0"/>
+              <a:t>l’usuari</a:t>
+            </a:r>
+            <a:endParaRPr lang="es-ES" sz="1600" dirty="0"/>
+          </a:p>
+        </p:txBody>
+      </p:sp>
+      <p:cxnSp>
+        <p:nvCxnSpPr>
+          <p:cNvPr id="30" name="Straight Arrow Connector 29"/>
+          <p:cNvCxnSpPr>
+            <a:stCxn id="27" idx="3"/>
+          </p:cNvCxnSpPr>
+          <p:nvPr/>
+        </p:nvCxnSpPr>
+        <p:spPr>
+          <a:xfrm flipV="1">
+            <a:off x="1800807" y="4384219"/>
+            <a:ext cx="8070980" cy="1217646"/>
+          </a:xfrm>
+          <a:prstGeom prst="straightConnector1">
+            <a:avLst/>
+          </a:prstGeom>
+          <a:ln>
+            <a:tailEnd type="triangle"/>
+          </a:ln>
+        </p:spPr>
+        <p:style>
+          <a:lnRef idx="1">
+            <a:schemeClr val="dk1"/>
+          </a:lnRef>
+          <a:fillRef idx="0">
+            <a:schemeClr val="dk1"/>
+          </a:fillRef>
+          <a:effectRef idx="0">
+            <a:schemeClr val="dk1"/>
+          </a:effectRef>
+          <a:fontRef idx="minor">
+            <a:schemeClr val="tx1"/>
+          </a:fontRef>
+        </p:style>
+      </p:cxnSp>
+      <p:sp>
+        <p:nvSpPr>
+          <p:cNvPr id="31" name="Rounded Rectangle 30"/>
+          <p:cNvSpPr/>
+          <p:nvPr/>
+        </p:nvSpPr>
+        <p:spPr>
+          <a:xfrm>
+            <a:off x="1652683" y="4343010"/>
+            <a:ext cx="1042698" cy="459531"/>
+          </a:xfrm>
+          <a:prstGeom prst="roundRect">
+            <a:avLst/>
+          </a:prstGeom>
+        </p:spPr>
+        <p:style>
+          <a:lnRef idx="1">
+            <a:schemeClr val="accent2"/>
+          </a:lnRef>
+          <a:fillRef idx="2">
+            <a:schemeClr val="accent2"/>
+          </a:fillRef>
+          <a:effectRef idx="1">
+            <a:schemeClr val="accent2"/>
+          </a:effectRef>
+          <a:fontRef idx="minor">
+            <a:schemeClr val="dk1"/>
+          </a:fontRef>
+        </p:style>
+        <p:txBody>
+          <a:bodyPr rtlCol="0" anchor="ctr"/>
+          <a:lstStyle/>
+          <a:p>
+            <a:pPr algn="ctr"/>
+            <a:r>
+              <a:rPr lang="es-ES" sz="1200" dirty="0" smtClean="0"/>
+              <a:t>Escena </a:t>
+            </a:r>
+            <a:r>
+              <a:rPr lang="es-ES" sz="1200" dirty="0" err="1" smtClean="0"/>
+              <a:t>intermèdia</a:t>
+            </a:r>
+            <a:r>
+              <a:rPr lang="es-ES" sz="1200" dirty="0" smtClean="0"/>
+              <a:t> 1</a:t>
+            </a:r>
+            <a:endParaRPr lang="es-ES" sz="1200" dirty="0"/>
+          </a:p>
+        </p:txBody>
+      </p:sp>
+      <p:sp>
+        <p:nvSpPr>
+          <p:cNvPr id="32" name="Rounded Rectangle 31"/>
+          <p:cNvSpPr/>
+          <p:nvPr/>
+        </p:nvSpPr>
+        <p:spPr>
+          <a:xfrm>
+            <a:off x="2980740" y="4343010"/>
+            <a:ext cx="1042698" cy="459531"/>
+          </a:xfrm>
+          <a:prstGeom prst="roundRect">
+            <a:avLst/>
+          </a:prstGeom>
+        </p:spPr>
+        <p:style>
+          <a:lnRef idx="1">
+            <a:schemeClr val="accent2"/>
+          </a:lnRef>
+          <a:fillRef idx="2">
+            <a:schemeClr val="accent2"/>
+          </a:fillRef>
+          <a:effectRef idx="1">
+            <a:schemeClr val="accent2"/>
+          </a:effectRef>
+          <a:fontRef idx="minor">
+            <a:schemeClr val="dk1"/>
+          </a:fontRef>
+        </p:style>
+        <p:txBody>
+          <a:bodyPr rtlCol="0" anchor="ctr"/>
+          <a:lstStyle/>
+          <a:p>
+            <a:pPr algn="ctr"/>
+            <a:r>
+              <a:rPr lang="es-ES" sz="1200" dirty="0" smtClean="0"/>
+              <a:t>Escena </a:t>
+            </a:r>
+            <a:r>
+              <a:rPr lang="es-ES" sz="1200" dirty="0" err="1" smtClean="0"/>
+              <a:t>intermèdia</a:t>
+            </a:r>
+            <a:r>
+              <a:rPr lang="es-ES" sz="1200" dirty="0" smtClean="0"/>
+              <a:t> 2</a:t>
+            </a:r>
+            <a:endParaRPr lang="es-ES" sz="1200" dirty="0"/>
+          </a:p>
+        </p:txBody>
+      </p:sp>
+      <p:sp>
+        <p:nvSpPr>
+          <p:cNvPr id="33" name="Rounded Rectangle 32"/>
+          <p:cNvSpPr/>
+          <p:nvPr/>
+        </p:nvSpPr>
+        <p:spPr>
+          <a:xfrm>
+            <a:off x="4360115" y="4332123"/>
+            <a:ext cx="1042698" cy="459531"/>
+          </a:xfrm>
+          <a:prstGeom prst="roundRect">
+            <a:avLst/>
+          </a:prstGeom>
+        </p:spPr>
+        <p:style>
+          <a:lnRef idx="1">
+            <a:schemeClr val="accent2"/>
+          </a:lnRef>
+          <a:fillRef idx="2">
+            <a:schemeClr val="accent2"/>
+          </a:fillRef>
+          <a:effectRef idx="1">
+            <a:schemeClr val="accent2"/>
+          </a:effectRef>
+          <a:fontRef idx="minor">
+            <a:schemeClr val="dk1"/>
+          </a:fontRef>
+        </p:style>
+        <p:txBody>
+          <a:bodyPr rtlCol="0" anchor="ctr"/>
+          <a:lstStyle/>
+          <a:p>
+            <a:pPr algn="ctr"/>
+            <a:r>
+              <a:rPr lang="es-ES" sz="1200" dirty="0" smtClean="0"/>
+              <a:t>Escena </a:t>
+            </a:r>
+            <a:r>
+              <a:rPr lang="es-ES" sz="1200" dirty="0" err="1" smtClean="0"/>
+              <a:t>intermèdia</a:t>
+            </a:r>
+            <a:r>
+              <a:rPr lang="es-ES" sz="1200" dirty="0" smtClean="0"/>
+              <a:t> 3</a:t>
+            </a:r>
+            <a:endParaRPr lang="es-ES" sz="1200" dirty="0"/>
+          </a:p>
+        </p:txBody>
+      </p:sp>
+      <p:sp>
+        <p:nvSpPr>
+          <p:cNvPr id="34" name="Rounded Rectangle 33"/>
+          <p:cNvSpPr/>
+          <p:nvPr/>
+        </p:nvSpPr>
+        <p:spPr>
+          <a:xfrm>
+            <a:off x="5879450" y="4352340"/>
+            <a:ext cx="1042698" cy="459531"/>
+          </a:xfrm>
+          <a:prstGeom prst="roundRect">
+            <a:avLst/>
+          </a:prstGeom>
+        </p:spPr>
+        <p:style>
+          <a:lnRef idx="1">
+            <a:schemeClr val="accent2"/>
+          </a:lnRef>
+          <a:fillRef idx="2">
+            <a:schemeClr val="accent2"/>
+          </a:fillRef>
+          <a:effectRef idx="1">
+            <a:schemeClr val="accent2"/>
+          </a:effectRef>
+          <a:fontRef idx="minor">
+            <a:schemeClr val="dk1"/>
+          </a:fontRef>
+        </p:style>
+        <p:txBody>
+          <a:bodyPr rtlCol="0" anchor="ctr"/>
+          <a:lstStyle/>
+          <a:p>
+            <a:pPr algn="ctr"/>
+            <a:r>
+              <a:rPr lang="es-ES" sz="1200" dirty="0" smtClean="0"/>
+              <a:t>Escena </a:t>
+            </a:r>
+            <a:r>
+              <a:rPr lang="es-ES" sz="1200" dirty="0" err="1" smtClean="0"/>
+              <a:t>intermèdia</a:t>
+            </a:r>
+            <a:r>
+              <a:rPr lang="es-ES" sz="1200" dirty="0" smtClean="0"/>
+              <a:t> 4</a:t>
+            </a:r>
+            <a:endParaRPr lang="es-ES" sz="1200" dirty="0"/>
+          </a:p>
+        </p:txBody>
+      </p:sp>
+      <p:sp>
+        <p:nvSpPr>
+          <p:cNvPr id="35" name="Rounded Rectangle 34"/>
+          <p:cNvSpPr/>
+          <p:nvPr/>
+        </p:nvSpPr>
+        <p:spPr>
+          <a:xfrm>
+            <a:off x="7656156" y="4352340"/>
+            <a:ext cx="1042698" cy="459531"/>
+          </a:xfrm>
+          <a:prstGeom prst="roundRect">
+            <a:avLst/>
+          </a:prstGeom>
+        </p:spPr>
+        <p:style>
+          <a:lnRef idx="1">
+            <a:schemeClr val="accent2"/>
+          </a:lnRef>
+          <a:fillRef idx="2">
+            <a:schemeClr val="accent2"/>
+          </a:fillRef>
+          <a:effectRef idx="1">
+            <a:schemeClr val="accent2"/>
+          </a:effectRef>
+          <a:fontRef idx="minor">
+            <a:schemeClr val="dk1"/>
+          </a:fontRef>
+        </p:style>
+        <p:txBody>
+          <a:bodyPr rtlCol="0" anchor="ctr"/>
+          <a:lstStyle/>
+          <a:p>
+            <a:pPr algn="ctr"/>
+            <a:r>
+              <a:rPr lang="es-ES" sz="1200" dirty="0" smtClean="0"/>
+              <a:t>Escena </a:t>
+            </a:r>
+            <a:r>
+              <a:rPr lang="es-ES" sz="1200" dirty="0" err="1" smtClean="0"/>
+              <a:t>intermèdia</a:t>
+            </a:r>
+            <a:r>
+              <a:rPr lang="es-ES" sz="1200" dirty="0" smtClean="0"/>
+              <a:t> 5</a:t>
+            </a:r>
+            <a:endParaRPr lang="es-ES" sz="1200" dirty="0"/>
+          </a:p>
+        </p:txBody>
+      </p:sp>
+      <p:sp>
+        <p:nvSpPr>
+          <p:cNvPr id="36" name="Rounded Rectangle 35"/>
+          <p:cNvSpPr/>
+          <p:nvPr/>
+        </p:nvSpPr>
+        <p:spPr>
+          <a:xfrm>
+            <a:off x="8440151" y="5562603"/>
+            <a:ext cx="2195191" cy="1295397"/>
+          </a:xfrm>
+          <a:prstGeom prst="roundRect">
+            <a:avLst/>
+          </a:prstGeom>
+        </p:spPr>
+        <p:style>
+          <a:lnRef idx="2">
+            <a:schemeClr val="accent1"/>
+          </a:lnRef>
+          <a:fillRef idx="1">
+            <a:schemeClr val="lt1"/>
+          </a:fillRef>
+          <a:effectRef idx="0">
+            <a:schemeClr val="accent1"/>
+          </a:effectRef>
+          <a:fontRef idx="minor">
+            <a:schemeClr val="dk1"/>
+          </a:fontRef>
+        </p:style>
+        <p:txBody>
+          <a:bodyPr rtlCol="0" anchor="ctr"/>
+          <a:lstStyle/>
+          <a:p>
+            <a:pPr algn="ctr"/>
+            <a:r>
+              <a:rPr lang="es-ES" sz="1600" dirty="0" smtClean="0"/>
+              <a:t>Poden ser </a:t>
+            </a:r>
+            <a:r>
+              <a:rPr lang="es-ES" sz="1600" dirty="0" err="1" smtClean="0"/>
+              <a:t>fixades</a:t>
+            </a:r>
+            <a:r>
+              <a:rPr lang="es-ES" sz="1600" dirty="0" smtClean="0"/>
+              <a:t> per </a:t>
+            </a:r>
+            <a:r>
+              <a:rPr lang="es-ES" sz="1600" dirty="0" err="1" smtClean="0"/>
+              <a:t>l’usuari</a:t>
+            </a:r>
+            <a:r>
+              <a:rPr lang="es-ES" sz="1600" dirty="0" smtClean="0"/>
+              <a:t> o </a:t>
+            </a:r>
+            <a:r>
+              <a:rPr lang="es-ES" sz="1600" dirty="0" err="1" smtClean="0"/>
+              <a:t>creades</a:t>
+            </a:r>
+            <a:r>
+              <a:rPr lang="es-ES" sz="1600" dirty="0" smtClean="0"/>
+              <a:t> </a:t>
+            </a:r>
+            <a:r>
+              <a:rPr lang="es-ES" sz="1600" dirty="0" err="1" smtClean="0"/>
+              <a:t>automáticament</a:t>
+            </a:r>
+            <a:r>
+              <a:rPr lang="es-ES" sz="1600" dirty="0" smtClean="0"/>
+              <a:t> </a:t>
+            </a:r>
+            <a:r>
+              <a:rPr lang="es-ES" sz="1600" dirty="0" err="1" smtClean="0"/>
+              <a:t>pel</a:t>
+            </a:r>
+            <a:r>
+              <a:rPr lang="es-ES" sz="1600" dirty="0" smtClean="0"/>
+              <a:t> software</a:t>
+            </a:r>
+            <a:endParaRPr lang="es-ES" sz="1600" dirty="0"/>
+          </a:p>
+        </p:txBody>
+      </p:sp>
+      <p:sp>
+        <p:nvSpPr>
+          <p:cNvPr id="37" name="Down Arrow 36"/>
+          <p:cNvSpPr/>
+          <p:nvPr/>
+        </p:nvSpPr>
+        <p:spPr>
+          <a:xfrm rot="1377462">
+            <a:off x="6996470" y="2381271"/>
+            <a:ext cx="461120" cy="1111783"/>
+          </a:xfrm>
+          <a:prstGeom prst="downArrow">
+            <a:avLst/>
+          </a:prstGeom>
+        </p:spPr>
+        <p:style>
+          <a:lnRef idx="2">
+            <a:schemeClr val="accent1">
+              <a:shade val="50000"/>
+            </a:schemeClr>
+          </a:lnRef>
+          <a:fillRef idx="1">
+            <a:schemeClr val="accent1"/>
+          </a:fillRef>
+          <a:effectRef idx="0">
+            <a:schemeClr val="accent1"/>
+          </a:effectRef>
+          <a:fontRef idx="minor">
+            <a:schemeClr val="lt1"/>
+          </a:fontRef>
+        </p:style>
+        <p:txBody>
+          <a:bodyPr rtlCol="0" anchor="ctr"/>
+          <a:lstStyle/>
+          <a:p>
+            <a:pPr algn="ctr"/>
+            <a:endParaRPr lang="es-ES"/>
+          </a:p>
+        </p:txBody>
+      </p:sp>
+      <p:sp>
+        <p:nvSpPr>
+          <p:cNvPr id="38" name="TextBox 37"/>
+          <p:cNvSpPr txBox="1"/>
+          <p:nvPr/>
+        </p:nvSpPr>
+        <p:spPr>
+          <a:xfrm>
+            <a:off x="478969" y="1918219"/>
+            <a:ext cx="4569841" cy="369332"/>
+          </a:xfrm>
+          <a:prstGeom prst="rect">
+            <a:avLst/>
+          </a:prstGeom>
+          <a:noFill/>
+        </p:spPr>
+        <p:txBody>
+          <a:bodyPr wrap="none" rtlCol="0">
+            <a:spAutoFit/>
+          </a:bodyPr>
+          <a:lstStyle/>
+          <a:p>
+            <a:r>
+              <a:rPr lang="es-ES" dirty="0" smtClean="0"/>
+              <a:t>· Definir </a:t>
+            </a:r>
+            <a:r>
+              <a:rPr lang="es-ES" dirty="0" err="1" smtClean="0"/>
+              <a:t>quines</a:t>
+            </a:r>
+            <a:r>
+              <a:rPr lang="es-ES" dirty="0" smtClean="0"/>
+              <a:t> variables fan una escena única.</a:t>
+            </a:r>
+            <a:endParaRPr lang="es-ES" dirty="0"/>
+          </a:p>
+        </p:txBody>
+      </p:sp>
+      <p:sp>
+        <p:nvSpPr>
+          <p:cNvPr id="39" name="TextBox 38"/>
+          <p:cNvSpPr txBox="1"/>
+          <p:nvPr/>
+        </p:nvSpPr>
+        <p:spPr>
+          <a:xfrm>
+            <a:off x="5984838" y="1340885"/>
+            <a:ext cx="5867375" cy="369332"/>
+          </a:xfrm>
+          <a:prstGeom prst="rect">
+            <a:avLst/>
+          </a:prstGeom>
+          <a:noFill/>
+        </p:spPr>
+        <p:txBody>
+          <a:bodyPr wrap="none" rtlCol="0">
+            <a:spAutoFit/>
+          </a:bodyPr>
+          <a:lstStyle/>
+          <a:p>
+            <a:r>
+              <a:rPr lang="es-ES" dirty="0" smtClean="0"/>
+              <a:t>· Definir </a:t>
+            </a:r>
+            <a:r>
+              <a:rPr lang="es-ES" dirty="0" err="1" smtClean="0"/>
+              <a:t>com</a:t>
+            </a:r>
+            <a:r>
+              <a:rPr lang="es-ES" dirty="0" smtClean="0"/>
+              <a:t> </a:t>
+            </a:r>
+            <a:r>
+              <a:rPr lang="es-ES" dirty="0" err="1" smtClean="0"/>
+              <a:t>l’usuari</a:t>
+            </a:r>
+            <a:r>
+              <a:rPr lang="es-ES" dirty="0" smtClean="0"/>
+              <a:t> crea un </a:t>
+            </a:r>
+            <a:r>
+              <a:rPr lang="es-ES" dirty="0" err="1" smtClean="0"/>
+              <a:t>procés</a:t>
+            </a:r>
+            <a:r>
+              <a:rPr lang="es-ES" dirty="0" smtClean="0"/>
+              <a:t> </a:t>
+            </a:r>
+            <a:r>
+              <a:rPr lang="es-ES" dirty="0" err="1" smtClean="0"/>
+              <a:t>d’adquisició</a:t>
+            </a:r>
+            <a:r>
+              <a:rPr lang="es-ES" dirty="0" smtClean="0"/>
+              <a:t> </a:t>
+            </a:r>
+            <a:r>
+              <a:rPr lang="es-ES" dirty="0" err="1" smtClean="0"/>
+              <a:t>determinat</a:t>
+            </a:r>
+            <a:r>
+              <a:rPr lang="es-ES" dirty="0" smtClean="0"/>
+              <a:t>.</a:t>
+            </a:r>
+            <a:endParaRPr lang="es-ES" dirty="0"/>
+          </a:p>
+        </p:txBody>
+      </p:sp>
+      <p:cxnSp>
+        <p:nvCxnSpPr>
+          <p:cNvPr id="41" name="Straight Arrow Connector 40"/>
+          <p:cNvCxnSpPr>
+            <a:stCxn id="36" idx="1"/>
+          </p:cNvCxnSpPr>
+          <p:nvPr/>
+        </p:nvCxnSpPr>
+        <p:spPr>
+          <a:xfrm flipH="1" flipV="1">
+            <a:off x="2176587" y="4883800"/>
+            <a:ext cx="6263564" cy="1326502"/>
+          </a:xfrm>
+          <a:prstGeom prst="straightConnector1">
+            <a:avLst/>
+          </a:prstGeom>
+          <a:ln>
+            <a:tailEnd type="triangle"/>
+          </a:ln>
+        </p:spPr>
+        <p:style>
+          <a:lnRef idx="1">
+            <a:schemeClr val="accent6"/>
+          </a:lnRef>
+          <a:fillRef idx="0">
+            <a:schemeClr val="accent6"/>
+          </a:fillRef>
+          <a:effectRef idx="0">
+            <a:schemeClr val="accent6"/>
+          </a:effectRef>
+          <a:fontRef idx="minor">
+            <a:schemeClr val="tx1"/>
+          </a:fontRef>
+        </p:style>
+      </p:cxnSp>
+      <p:cxnSp>
+        <p:nvCxnSpPr>
+          <p:cNvPr id="46" name="Straight Arrow Connector 45"/>
+          <p:cNvCxnSpPr>
+            <a:stCxn id="36" idx="1"/>
+          </p:cNvCxnSpPr>
+          <p:nvPr/>
+        </p:nvCxnSpPr>
+        <p:spPr>
+          <a:xfrm flipH="1" flipV="1">
+            <a:off x="3660153" y="4822372"/>
+            <a:ext cx="4779998" cy="1387930"/>
+          </a:xfrm>
+          <a:prstGeom prst="straightConnector1">
+            <a:avLst/>
+          </a:prstGeom>
+          <a:ln>
+            <a:tailEnd type="triangle"/>
+          </a:ln>
+        </p:spPr>
+        <p:style>
+          <a:lnRef idx="1">
+            <a:schemeClr val="accent6"/>
+          </a:lnRef>
+          <a:fillRef idx="0">
+            <a:schemeClr val="accent6"/>
+          </a:fillRef>
+          <a:effectRef idx="0">
+            <a:schemeClr val="accent6"/>
+          </a:effectRef>
+          <a:fontRef idx="minor">
+            <a:schemeClr val="tx1"/>
+          </a:fontRef>
+        </p:style>
+      </p:cxnSp>
+      <p:cxnSp>
+        <p:nvCxnSpPr>
+          <p:cNvPr id="49" name="Straight Arrow Connector 48"/>
+          <p:cNvCxnSpPr>
+            <a:stCxn id="36" idx="1"/>
+            <a:endCxn id="33" idx="2"/>
+          </p:cNvCxnSpPr>
+          <p:nvPr/>
+        </p:nvCxnSpPr>
+        <p:spPr>
+          <a:xfrm flipH="1" flipV="1">
+            <a:off x="4881464" y="4791654"/>
+            <a:ext cx="3558687" cy="1418648"/>
+          </a:xfrm>
+          <a:prstGeom prst="straightConnector1">
+            <a:avLst/>
+          </a:prstGeom>
+          <a:ln>
+            <a:tailEnd type="triangle"/>
+          </a:ln>
+        </p:spPr>
+        <p:style>
+          <a:lnRef idx="1">
+            <a:schemeClr val="accent6"/>
+          </a:lnRef>
+          <a:fillRef idx="0">
+            <a:schemeClr val="accent6"/>
+          </a:fillRef>
+          <a:effectRef idx="0">
+            <a:schemeClr val="accent6"/>
+          </a:effectRef>
+          <a:fontRef idx="minor">
+            <a:schemeClr val="tx1"/>
+          </a:fontRef>
+        </p:style>
+      </p:cxnSp>
+      <p:cxnSp>
+        <p:nvCxnSpPr>
+          <p:cNvPr id="56" name="Straight Arrow Connector 55"/>
+          <p:cNvCxnSpPr>
+            <a:stCxn id="36" idx="1"/>
+          </p:cNvCxnSpPr>
+          <p:nvPr/>
+        </p:nvCxnSpPr>
+        <p:spPr>
+          <a:xfrm flipH="1" flipV="1">
+            <a:off x="6388052" y="4752843"/>
+            <a:ext cx="2052099" cy="1457459"/>
+          </a:xfrm>
+          <a:prstGeom prst="straightConnector1">
+            <a:avLst/>
+          </a:prstGeom>
+          <a:ln>
+            <a:tailEnd type="triangle"/>
+          </a:ln>
+        </p:spPr>
+        <p:style>
+          <a:lnRef idx="1">
+            <a:schemeClr val="accent6"/>
+          </a:lnRef>
+          <a:fillRef idx="0">
+            <a:schemeClr val="accent6"/>
+          </a:fillRef>
+          <a:effectRef idx="0">
+            <a:schemeClr val="accent6"/>
+          </a:effectRef>
+          <a:fontRef idx="minor">
+            <a:schemeClr val="tx1"/>
+          </a:fontRef>
+        </p:style>
+      </p:cxnSp>
+      <p:cxnSp>
+        <p:nvCxnSpPr>
+          <p:cNvPr id="58" name="Straight Arrow Connector 57"/>
+          <p:cNvCxnSpPr>
+            <a:stCxn id="36" idx="1"/>
+            <a:endCxn id="35" idx="2"/>
+          </p:cNvCxnSpPr>
+          <p:nvPr/>
+        </p:nvCxnSpPr>
+        <p:spPr>
+          <a:xfrm flipH="1" flipV="1">
+            <a:off x="8177505" y="4811871"/>
+            <a:ext cx="262646" cy="1398431"/>
+          </a:xfrm>
+          <a:prstGeom prst="straightConnector1">
+            <a:avLst/>
+          </a:prstGeom>
+          <a:ln>
+            <a:tailEnd type="triangle"/>
+          </a:ln>
+        </p:spPr>
+        <p:style>
+          <a:lnRef idx="1">
+            <a:schemeClr val="accent6"/>
+          </a:lnRef>
+          <a:fillRef idx="0">
+            <a:schemeClr val="accent6"/>
+          </a:fillRef>
+          <a:effectRef idx="0">
+            <a:schemeClr val="accent6"/>
+          </a:effectRef>
+          <a:fontRef idx="minor">
+            <a:schemeClr val="tx1"/>
+          </a:fontRef>
+        </p:style>
+      </p:cxnSp>
+      <p:sp>
+        <p:nvSpPr>
+          <p:cNvPr id="63" name="TextBox 62"/>
+          <p:cNvSpPr txBox="1"/>
+          <p:nvPr/>
+        </p:nvSpPr>
+        <p:spPr>
+          <a:xfrm>
+            <a:off x="7456103" y="2669916"/>
+            <a:ext cx="3437942" cy="369332"/>
+          </a:xfrm>
+          <a:prstGeom prst="rect">
+            <a:avLst/>
+          </a:prstGeom>
+          <a:noFill/>
+        </p:spPr>
+        <p:txBody>
+          <a:bodyPr wrap="square" rtlCol="0">
+            <a:spAutoFit/>
+          </a:bodyPr>
+          <a:lstStyle/>
+          <a:p>
+            <a:r>
+              <a:rPr lang="es-ES" dirty="0" err="1" smtClean="0"/>
+              <a:t>Utilització</a:t>
+            </a:r>
+            <a:r>
+              <a:rPr lang="es-ES" dirty="0" smtClean="0"/>
+              <a:t> </a:t>
+            </a:r>
+            <a:r>
+              <a:rPr lang="es-ES" dirty="0" err="1" smtClean="0"/>
+              <a:t>d’un</a:t>
+            </a:r>
+            <a:r>
+              <a:rPr lang="es-ES" dirty="0" smtClean="0"/>
+              <a:t> </a:t>
+            </a:r>
+            <a:r>
+              <a:rPr lang="es-ES" dirty="0" err="1" smtClean="0"/>
+              <a:t>timelapse</a:t>
+            </a:r>
+            <a:r>
+              <a:rPr lang="es-ES" dirty="0" smtClean="0"/>
+              <a:t>!!!!!!!!</a:t>
+            </a:r>
+            <a:endParaRPr lang="es-ES" dirty="0"/>
+          </a:p>
+        </p:txBody>
+      </p:sp>
+      <p:sp>
+        <p:nvSpPr>
+          <p:cNvPr id="64" name="TextBox 63"/>
+          <p:cNvSpPr txBox="1"/>
+          <p:nvPr/>
+        </p:nvSpPr>
+        <p:spPr>
+          <a:xfrm>
+            <a:off x="6010972" y="1774631"/>
+            <a:ext cx="6079613" cy="646331"/>
+          </a:xfrm>
+          <a:prstGeom prst="rect">
+            <a:avLst/>
+          </a:prstGeom>
+          <a:noFill/>
+        </p:spPr>
+        <p:txBody>
+          <a:bodyPr wrap="none" rtlCol="0">
+            <a:spAutoFit/>
+          </a:bodyPr>
+          <a:lstStyle/>
+          <a:p>
+            <a:r>
+              <a:rPr lang="es-ES" dirty="0" smtClean="0"/>
+              <a:t>· </a:t>
+            </a:r>
+            <a:r>
+              <a:rPr lang="es-ES" dirty="0" err="1" smtClean="0"/>
+              <a:t>Només</a:t>
+            </a:r>
+            <a:r>
+              <a:rPr lang="es-ES" dirty="0" smtClean="0"/>
+              <a:t> son </a:t>
+            </a:r>
+            <a:r>
+              <a:rPr lang="es-ES" dirty="0" err="1" smtClean="0"/>
+              <a:t>variants</a:t>
+            </a:r>
+            <a:r>
+              <a:rPr lang="es-ES" dirty="0" smtClean="0"/>
+              <a:t> la taula rotatoria i la </a:t>
+            </a:r>
+            <a:r>
+              <a:rPr lang="es-ES" dirty="0" err="1" smtClean="0"/>
+              <a:t>iluminació</a:t>
+            </a:r>
+            <a:r>
+              <a:rPr lang="es-ES" dirty="0" smtClean="0"/>
+              <a:t>. </a:t>
+            </a:r>
+            <a:r>
+              <a:rPr lang="es-ES" dirty="0" err="1" smtClean="0"/>
+              <a:t>Objectes</a:t>
+            </a:r>
+            <a:r>
+              <a:rPr lang="es-ES" dirty="0" smtClean="0"/>
+              <a:t> </a:t>
+            </a:r>
+          </a:p>
+          <a:p>
+            <a:r>
+              <a:rPr lang="es-ES" dirty="0" smtClean="0"/>
+              <a:t>i </a:t>
+            </a:r>
+            <a:r>
+              <a:rPr lang="es-ES" dirty="0" err="1" smtClean="0"/>
+              <a:t>paràmetres</a:t>
+            </a:r>
+            <a:r>
+              <a:rPr lang="es-ES" dirty="0" smtClean="0"/>
+              <a:t> de cámara </a:t>
+            </a:r>
+            <a:r>
+              <a:rPr lang="es-ES" dirty="0" err="1" smtClean="0"/>
+              <a:t>constants</a:t>
+            </a:r>
+            <a:r>
+              <a:rPr lang="es-ES" dirty="0" smtClean="0"/>
+              <a:t>????</a:t>
+            </a:r>
+            <a:endParaRPr lang="es-ES" dirty="0"/>
+          </a:p>
+        </p:txBody>
+      </p:sp>
+      <p:sp>
+        <p:nvSpPr>
+          <p:cNvPr id="65" name="Title 1"/>
+          <p:cNvSpPr>
+            <a:spLocks noGrp="1"/>
+          </p:cNvSpPr>
+          <p:nvPr>
+            <p:ph type="title"/>
+          </p:nvPr>
+        </p:nvSpPr>
+        <p:spPr>
+          <a:xfrm>
+            <a:off x="1976208" y="-163645"/>
+            <a:ext cx="10959790" cy="1325563"/>
+          </a:xfrm>
+        </p:spPr>
+        <p:txBody>
+          <a:bodyPr/>
+          <a:lstStyle/>
+          <a:p>
+            <a:r>
+              <a:rPr lang="es-ES" dirty="0" smtClean="0"/>
+              <a:t>2. TRANSICIÓ ENTRE ESCENES</a:t>
+            </a:r>
+            <a:endParaRPr lang="es-ES" dirty="0"/>
+          </a:p>
+        </p:txBody>
+      </p:sp>
+    </p:spTree>
+    <p:extLst>
+      <p:ext uri="{BB962C8B-B14F-4D97-AF65-F5344CB8AC3E}">
+        <p14:creationId xmlns:p14="http://schemas.microsoft.com/office/powerpoint/2010/main" val="349732243"/>
+      </p:ext>
+    </p:extLst>
+  </p:cSld>
+  <p:clrMapOvr>
+    <a:masterClrMapping/>
+  </p:clrMapOvr>
+</p:sld>
+</file>
+
+<file path=ppt/slides/slide8.xml><?xml version="1.0" encoding="utf-8"?>
+<p:sld xmlns:a="http://schemas.openxmlformats.org/drawingml/2006/main" xmlns:r="http://schemas.openxmlformats.org/officeDocument/2006/relationships" xmlns:p="http://schemas.openxmlformats.org/presentationml/2006/main">
+  <p:cSld>
+    <p:spTree>
+      <p:nvGrpSpPr>
+        <p:cNvPr id="1" name=""/>
+        <p:cNvGrpSpPr/>
+        <p:nvPr/>
+      </p:nvGrpSpPr>
+      <p:grpSpPr>
+        <a:xfrm>
+          <a:off x="0" y="0"/>
+          <a:ext cx="0" cy="0"/>
+          <a:chOff x="0" y="0"/>
+          <a:chExt cx="0" cy="0"/>
+        </a:xfrm>
+      </p:grpSpPr>
+      <p:sp>
+        <p:nvSpPr>
+          <p:cNvPr id="2" name="Title 1"/>
+          <p:cNvSpPr>
+            <a:spLocks noGrp="1"/>
+          </p:cNvSpPr>
+          <p:nvPr>
+            <p:ph type="title"/>
+          </p:nvPr>
+        </p:nvSpPr>
+        <p:spPr/>
+        <p:txBody>
+          <a:bodyPr/>
+          <a:lstStyle/>
+          <a:p>
+            <a:r>
+              <a:rPr lang="es-ES" dirty="0" smtClean="0"/>
+              <a:t>EXEMPLE TIMELAPSE- </a:t>
+            </a:r>
+            <a:r>
+              <a:rPr lang="es-ES" dirty="0" err="1" smtClean="0"/>
+              <a:t>Animation</a:t>
+            </a:r>
+            <a:r>
+              <a:rPr lang="es-ES" dirty="0" smtClean="0"/>
+              <a:t> 3d</a:t>
+            </a:r>
+            <a:endParaRPr lang="es-ES" dirty="0"/>
+          </a:p>
+        </p:txBody>
+      </p:sp>
+      <p:pic>
+        <p:nvPicPr>
+          <p:cNvPr id="4" name="Picture 3"/>
+          <p:cNvPicPr>
+            <a:picLocks noChangeAspect="1"/>
+          </p:cNvPicPr>
+          <p:nvPr/>
+        </p:nvPicPr>
+        <p:blipFill>
+          <a:blip r:embed="rId2"/>
+          <a:stretch>
+            <a:fillRect/>
+          </a:stretch>
+        </p:blipFill>
+        <p:spPr>
+          <a:xfrm>
+            <a:off x="1896833" y="1534496"/>
+            <a:ext cx="6793465" cy="3220279"/>
+          </a:xfrm>
+          <a:prstGeom prst="rect">
+            <a:avLst/>
+          </a:prstGeom>
+        </p:spPr>
+      </p:pic>
+      <p:sp>
+        <p:nvSpPr>
+          <p:cNvPr id="5" name="TextBox 4"/>
+          <p:cNvSpPr txBox="1"/>
+          <p:nvPr/>
+        </p:nvSpPr>
+        <p:spPr>
+          <a:xfrm>
+            <a:off x="670249" y="5290455"/>
+            <a:ext cx="11415304" cy="646331"/>
+          </a:xfrm>
+          <a:prstGeom prst="rect">
+            <a:avLst/>
+          </a:prstGeom>
+          <a:noFill/>
+        </p:spPr>
+        <p:txBody>
+          <a:bodyPr wrap="none" rtlCol="0">
+            <a:spAutoFit/>
+          </a:bodyPr>
+          <a:lstStyle/>
+          <a:p>
+            <a:r>
+              <a:rPr lang="es-ES" dirty="0" err="1" smtClean="0"/>
+              <a:t>Cadascun</a:t>
+            </a:r>
+            <a:r>
+              <a:rPr lang="es-ES" dirty="0" smtClean="0"/>
+              <a:t> </a:t>
+            </a:r>
+            <a:r>
+              <a:rPr lang="es-ES" dirty="0" err="1" smtClean="0"/>
+              <a:t>dels</a:t>
+            </a:r>
+            <a:r>
+              <a:rPr lang="es-ES" dirty="0" smtClean="0"/>
+              <a:t> </a:t>
+            </a:r>
+            <a:r>
+              <a:rPr lang="es-ES" dirty="0" err="1" smtClean="0"/>
+              <a:t>estats</a:t>
+            </a:r>
+            <a:r>
+              <a:rPr lang="es-ES" dirty="0" smtClean="0"/>
+              <a:t> queda ben </a:t>
+            </a:r>
+            <a:r>
+              <a:rPr lang="es-ES" dirty="0" err="1" smtClean="0"/>
+              <a:t>definit</a:t>
+            </a:r>
+            <a:r>
+              <a:rPr lang="es-ES" dirty="0" smtClean="0"/>
+              <a:t> per </a:t>
+            </a:r>
+            <a:r>
+              <a:rPr lang="es-ES" dirty="0" err="1" smtClean="0"/>
+              <a:t>l’usuari</a:t>
+            </a:r>
+            <a:r>
+              <a:rPr lang="es-ES" dirty="0" smtClean="0"/>
+              <a:t> i </a:t>
+            </a:r>
+            <a:r>
+              <a:rPr lang="es-ES" dirty="0" err="1" smtClean="0"/>
+              <a:t>llavors</a:t>
+            </a:r>
+            <a:r>
+              <a:rPr lang="es-ES" dirty="0" smtClean="0"/>
+              <a:t> es el software </a:t>
+            </a:r>
+            <a:r>
+              <a:rPr lang="es-ES" dirty="0" err="1" smtClean="0"/>
+              <a:t>l’encarregat</a:t>
+            </a:r>
+            <a:r>
+              <a:rPr lang="es-ES" dirty="0" smtClean="0"/>
+              <a:t> de determinar quina forma </a:t>
+            </a:r>
+            <a:r>
+              <a:rPr lang="es-ES" dirty="0" err="1" smtClean="0"/>
+              <a:t>tenen</a:t>
+            </a:r>
+            <a:endParaRPr lang="es-ES" dirty="0"/>
+          </a:p>
+          <a:p>
+            <a:r>
+              <a:rPr lang="es-ES" dirty="0" err="1" smtClean="0"/>
+              <a:t>els</a:t>
+            </a:r>
+            <a:r>
+              <a:rPr lang="es-ES" dirty="0" smtClean="0"/>
+              <a:t> </a:t>
+            </a:r>
+            <a:r>
+              <a:rPr lang="es-ES" dirty="0" err="1" smtClean="0"/>
+              <a:t>estats</a:t>
+            </a:r>
+            <a:r>
+              <a:rPr lang="es-ES" dirty="0" smtClean="0"/>
+              <a:t> que no es </a:t>
+            </a:r>
+            <a:r>
+              <a:rPr lang="es-ES" dirty="0" err="1" smtClean="0"/>
+              <a:t>troben</a:t>
+            </a:r>
+            <a:r>
+              <a:rPr lang="es-ES" dirty="0" smtClean="0"/>
+              <a:t> </a:t>
+            </a:r>
+            <a:r>
+              <a:rPr lang="es-ES" dirty="0" err="1" smtClean="0"/>
+              <a:t>definits</a:t>
+            </a:r>
+            <a:r>
+              <a:rPr lang="es-ES" dirty="0" smtClean="0"/>
+              <a:t>. </a:t>
+            </a:r>
+            <a:r>
+              <a:rPr lang="es-ES" dirty="0" err="1" smtClean="0"/>
+              <a:t>Podrien</a:t>
+            </a:r>
+            <a:r>
+              <a:rPr lang="es-ES" dirty="0" smtClean="0"/>
+              <a:t> </a:t>
+            </a:r>
+            <a:r>
+              <a:rPr lang="es-ES" dirty="0" err="1" smtClean="0"/>
+              <a:t>haver</a:t>
+            </a:r>
+            <a:r>
+              <a:rPr lang="es-ES" dirty="0" smtClean="0"/>
+              <a:t>-hi </a:t>
+            </a:r>
+            <a:r>
+              <a:rPr lang="es-ES" dirty="0" err="1" smtClean="0"/>
+              <a:t>diferents</a:t>
+            </a:r>
+            <a:r>
+              <a:rPr lang="es-ES" dirty="0" smtClean="0"/>
+              <a:t> </a:t>
+            </a:r>
+            <a:r>
+              <a:rPr lang="es-ES" dirty="0" err="1" smtClean="0"/>
+              <a:t>métodes</a:t>
+            </a:r>
+            <a:r>
+              <a:rPr lang="es-ES" dirty="0" smtClean="0"/>
+              <a:t> </a:t>
+            </a:r>
+            <a:r>
+              <a:rPr lang="es-ES" dirty="0" err="1" smtClean="0"/>
+              <a:t>d’interpol·lació</a:t>
+            </a:r>
+            <a:r>
+              <a:rPr lang="es-ES" dirty="0" smtClean="0"/>
+              <a:t>: lineal, exponencial… etc.</a:t>
+            </a:r>
+            <a:endParaRPr lang="es-ES" dirty="0"/>
+          </a:p>
+        </p:txBody>
+      </p:sp>
+      <p:cxnSp>
+        <p:nvCxnSpPr>
+          <p:cNvPr id="7" name="Straight Arrow Connector 6"/>
+          <p:cNvCxnSpPr/>
+          <p:nvPr/>
+        </p:nvCxnSpPr>
+        <p:spPr>
+          <a:xfrm flipV="1">
+            <a:off x="4254759" y="4754775"/>
+            <a:ext cx="0" cy="479698"/>
+          </a:xfrm>
+          <a:prstGeom prst="straightConnector1">
+            <a:avLst/>
+          </a:prstGeom>
+          <a:ln>
+            <a:tailEnd type="triangle"/>
+          </a:ln>
+        </p:spPr>
+        <p:style>
+          <a:lnRef idx="1">
+            <a:schemeClr val="accent1"/>
+          </a:lnRef>
+          <a:fillRef idx="0">
+            <a:schemeClr val="accent1"/>
+          </a:fillRef>
+          <a:effectRef idx="0">
+            <a:schemeClr val="accent1"/>
+          </a:effectRef>
+          <a:fontRef idx="minor">
+            <a:schemeClr val="tx1"/>
+          </a:fontRef>
+        </p:style>
+      </p:cxnSp>
+      <p:cxnSp>
+        <p:nvCxnSpPr>
+          <p:cNvPr id="9" name="Straight Arrow Connector 8"/>
+          <p:cNvCxnSpPr>
+            <a:endCxn id="4" idx="2"/>
+          </p:cNvCxnSpPr>
+          <p:nvPr/>
+        </p:nvCxnSpPr>
+        <p:spPr>
+          <a:xfrm flipV="1">
+            <a:off x="5293565" y="4754775"/>
+            <a:ext cx="1" cy="479698"/>
+          </a:xfrm>
+          <a:prstGeom prst="straightConnector1">
+            <a:avLst/>
+          </a:prstGeom>
+          <a:ln>
+            <a:tailEnd type="triangle"/>
+          </a:ln>
+        </p:spPr>
+        <p:style>
+          <a:lnRef idx="1">
+            <a:schemeClr val="accent1"/>
+          </a:lnRef>
+          <a:fillRef idx="0">
+            <a:schemeClr val="accent1"/>
+          </a:fillRef>
+          <a:effectRef idx="0">
+            <a:schemeClr val="accent1"/>
+          </a:effectRef>
+          <a:fontRef idx="minor">
+            <a:schemeClr val="tx1"/>
+          </a:fontRef>
+        </p:style>
+      </p:cxnSp>
+      <p:cxnSp>
+        <p:nvCxnSpPr>
+          <p:cNvPr id="12" name="Straight Arrow Connector 11"/>
+          <p:cNvCxnSpPr/>
+          <p:nvPr/>
+        </p:nvCxnSpPr>
+        <p:spPr>
+          <a:xfrm flipV="1">
+            <a:off x="6192414" y="4782766"/>
+            <a:ext cx="1" cy="479698"/>
+          </a:xfrm>
+          <a:prstGeom prst="straightConnector1">
+            <a:avLst/>
+          </a:prstGeom>
+          <a:ln>
+            <a:tailEnd type="triangle"/>
+          </a:ln>
+        </p:spPr>
+        <p:style>
+          <a:lnRef idx="1">
+            <a:schemeClr val="accent1"/>
+          </a:lnRef>
+          <a:fillRef idx="0">
+            <a:schemeClr val="accent1"/>
+          </a:fillRef>
+          <a:effectRef idx="0">
+            <a:schemeClr val="accent1"/>
+          </a:effectRef>
+          <a:fontRef idx="minor">
+            <a:schemeClr val="tx1"/>
+          </a:fontRef>
+        </p:style>
+      </p:cxnSp>
+      <p:cxnSp>
+        <p:nvCxnSpPr>
+          <p:cNvPr id="13" name="Straight Arrow Connector 12"/>
+          <p:cNvCxnSpPr/>
+          <p:nvPr/>
+        </p:nvCxnSpPr>
+        <p:spPr>
+          <a:xfrm flipV="1">
+            <a:off x="7296536" y="4782766"/>
+            <a:ext cx="1" cy="479698"/>
+          </a:xfrm>
+          <a:prstGeom prst="straightConnector1">
+            <a:avLst/>
+          </a:prstGeom>
+          <a:ln>
+            <a:tailEnd type="triangle"/>
+          </a:ln>
+        </p:spPr>
+        <p:style>
+          <a:lnRef idx="1">
+            <a:schemeClr val="accent1"/>
+          </a:lnRef>
+          <a:fillRef idx="0">
+            <a:schemeClr val="accent1"/>
+          </a:fillRef>
+          <a:effectRef idx="0">
+            <a:schemeClr val="accent1"/>
+          </a:effectRef>
+          <a:fontRef idx="minor">
+            <a:schemeClr val="tx1"/>
+          </a:fontRef>
+        </p:style>
+      </p:cxnSp>
+      <p:cxnSp>
+        <p:nvCxnSpPr>
+          <p:cNvPr id="14" name="Straight Arrow Connector 13"/>
+          <p:cNvCxnSpPr/>
+          <p:nvPr/>
+        </p:nvCxnSpPr>
+        <p:spPr>
+          <a:xfrm flipV="1">
+            <a:off x="7980781" y="4782766"/>
+            <a:ext cx="1" cy="479698"/>
+          </a:xfrm>
+          <a:prstGeom prst="straightConnector1">
+            <a:avLst/>
+          </a:prstGeom>
+          <a:ln>
+            <a:tailEnd type="triangle"/>
+          </a:ln>
+        </p:spPr>
+        <p:style>
+          <a:lnRef idx="1">
+            <a:schemeClr val="accent1"/>
+          </a:lnRef>
+          <a:fillRef idx="0">
+            <a:schemeClr val="accent1"/>
+          </a:fillRef>
+          <a:effectRef idx="0">
+            <a:schemeClr val="accent1"/>
+          </a:effectRef>
+          <a:fontRef idx="minor">
+            <a:schemeClr val="tx1"/>
+          </a:fontRef>
+        </p:style>
+      </p:cxnSp>
+      <p:cxnSp>
+        <p:nvCxnSpPr>
+          <p:cNvPr id="15" name="Straight Arrow Connector 14"/>
+          <p:cNvCxnSpPr/>
+          <p:nvPr/>
+        </p:nvCxnSpPr>
+        <p:spPr>
+          <a:xfrm flipV="1">
+            <a:off x="8562389" y="4754775"/>
+            <a:ext cx="1" cy="479698"/>
+          </a:xfrm>
+          <a:prstGeom prst="straightConnector1">
+            <a:avLst/>
+          </a:prstGeom>
+          <a:ln>
+            <a:tailEnd type="triangle"/>
+          </a:ln>
+        </p:spPr>
+        <p:style>
+          <a:lnRef idx="1">
+            <a:schemeClr val="accent1"/>
+          </a:lnRef>
+          <a:fillRef idx="0">
+            <a:schemeClr val="accent1"/>
+          </a:fillRef>
+          <a:effectRef idx="0">
+            <a:schemeClr val="accent1"/>
+          </a:effectRef>
+          <a:fontRef idx="minor">
+            <a:schemeClr val="tx1"/>
+          </a:fontRef>
+        </p:style>
+      </p:cxnSp>
+    </p:spTree>
+    <p:extLst>
+      <p:ext uri="{BB962C8B-B14F-4D97-AF65-F5344CB8AC3E}">
+        <p14:creationId xmlns:p14="http://schemas.microsoft.com/office/powerpoint/2010/main" val="493178946"/>
+      </p:ext>
+    </p:extLst>
+  </p:cSld>
+  <p:clrMapOvr>
+    <a:masterClrMapping/>
+  </p:clrMapOvr>
+</p:sld>
+</file>
+
+<file path=ppt/slides/slide9.xml><?xml version="1.0" encoding="utf-8"?>
+<p:sld xmlns:a="http://schemas.openxmlformats.org/drawingml/2006/main" xmlns:r="http://schemas.openxmlformats.org/officeDocument/2006/relationships" xmlns:p="http://schemas.openxmlformats.org/presentationml/2006/main">
+  <p:cSld>
+    <p:spTree>
+      <p:nvGrpSpPr>
+        <p:cNvPr id="1" name=""/>
+        <p:cNvGrpSpPr/>
+        <p:nvPr/>
+      </p:nvGrpSpPr>
+      <p:grpSpPr>
+        <a:xfrm>
+          <a:off x="0" y="0"/>
+          <a:ext cx="0" cy="0"/>
+          <a:chOff x="0" y="0"/>
+          <a:chExt cx="0" cy="0"/>
+        </a:xfrm>
+      </p:grpSpPr>
+      <p:sp>
+        <p:nvSpPr>
+          <p:cNvPr id="3" name="Content Placeholder 2"/>
+          <p:cNvSpPr>
+            <a:spLocks noGrp="1"/>
+          </p:cNvSpPr>
+          <p:nvPr>
+            <p:ph idx="1"/>
+          </p:nvPr>
+        </p:nvSpPr>
+        <p:spPr>
+          <a:xfrm>
+            <a:off x="548147" y="1548880"/>
+            <a:ext cx="10515600" cy="2948475"/>
+          </a:xfrm>
+        </p:spPr>
+        <p:txBody>
+          <a:bodyPr/>
+          <a:lstStyle/>
+          <a:p>
+            <a:pPr marL="0" indent="0">
+              <a:buNone/>
+            </a:pPr>
+            <a:r>
+              <a:rPr lang="es-ES" dirty="0" err="1" smtClean="0"/>
+              <a:t>Nom</a:t>
+            </a:r>
+            <a:r>
+              <a:rPr lang="es-ES" dirty="0" smtClean="0"/>
+              <a:t> del </a:t>
+            </a:r>
+            <a:r>
+              <a:rPr lang="es-ES" dirty="0" err="1" smtClean="0"/>
+              <a:t>fitxer</a:t>
+            </a:r>
+            <a:r>
+              <a:rPr lang="es-ES" dirty="0" smtClean="0"/>
+              <a:t> de la escena:</a:t>
+            </a:r>
+          </a:p>
+          <a:p>
+            <a:pPr marL="0" indent="0">
+              <a:buNone/>
+            </a:pPr>
+            <a:r>
+              <a:rPr lang="es-ES" sz="3200" dirty="0" smtClean="0"/>
+              <a:t>Ob0100_Rot123_Inc+45_LXYZ0001_Cam1001.jpeg</a:t>
+            </a:r>
+            <a:endParaRPr lang="es-ES" sz="3200" dirty="0" smtClean="0"/>
+          </a:p>
+          <a:p>
+            <a:pPr marL="0" indent="0">
+              <a:buNone/>
+            </a:pPr>
+            <a:endParaRPr lang="es-ES" dirty="0" smtClean="0"/>
+          </a:p>
+          <a:p>
+            <a:pPr marL="0" indent="0">
+              <a:buNone/>
+            </a:pPr>
+            <a:endParaRPr lang="es-ES" dirty="0"/>
+          </a:p>
+        </p:txBody>
+      </p:sp>
+      <p:sp>
+        <p:nvSpPr>
+          <p:cNvPr id="5" name="Oval 4"/>
+          <p:cNvSpPr/>
+          <p:nvPr/>
+        </p:nvSpPr>
+        <p:spPr>
+          <a:xfrm>
+            <a:off x="1113087" y="2080727"/>
+            <a:ext cx="457199" cy="466529"/>
+          </a:xfrm>
+          <a:prstGeom prst="ellipse">
+            <a:avLst/>
+          </a:prstGeom>
+          <a:noFill/>
+          <a:ln>
+            <a:solidFill>
+              <a:schemeClr val="accent2">
+                <a:lumMod val="50000"/>
+              </a:schemeClr>
+            </a:solidFill>
+          </a:ln>
+        </p:spPr>
+        <p:style>
+          <a:lnRef idx="2">
+            <a:schemeClr val="accent1">
+              <a:shade val="50000"/>
+            </a:schemeClr>
+          </a:lnRef>
+          <a:fillRef idx="1">
+            <a:schemeClr val="accent1"/>
+          </a:fillRef>
+          <a:effectRef idx="0">
+            <a:schemeClr val="accent1"/>
+          </a:effectRef>
+          <a:fontRef idx="minor">
+            <a:schemeClr val="lt1"/>
+          </a:fontRef>
+        </p:style>
+        <p:txBody>
+          <a:bodyPr rtlCol="0" anchor="ctr"/>
+          <a:lstStyle/>
+          <a:p>
+            <a:pPr algn="ctr"/>
+            <a:endParaRPr lang="es-ES"/>
+          </a:p>
+        </p:txBody>
+      </p:sp>
+      <p:sp>
+        <p:nvSpPr>
+          <p:cNvPr id="4" name="Title 1"/>
+          <p:cNvSpPr>
+            <a:spLocks noGrp="1"/>
+          </p:cNvSpPr>
+          <p:nvPr>
+            <p:ph type="title"/>
+          </p:nvPr>
+        </p:nvSpPr>
+        <p:spPr>
+          <a:xfrm>
+            <a:off x="931179" y="358869"/>
+            <a:ext cx="10959790" cy="1325563"/>
+          </a:xfrm>
+        </p:spPr>
+        <p:txBody>
+          <a:bodyPr/>
+          <a:lstStyle/>
+          <a:p>
+            <a:r>
+              <a:rPr lang="es-ES" dirty="0" err="1" smtClean="0"/>
+              <a:t>Després</a:t>
+            </a:r>
+            <a:r>
+              <a:rPr lang="es-ES" dirty="0" smtClean="0"/>
+              <a:t> de reunió </a:t>
+            </a:r>
+            <a:r>
+              <a:rPr lang="es-ES" dirty="0" err="1" smtClean="0"/>
+              <a:t>amb</a:t>
+            </a:r>
+            <a:r>
+              <a:rPr lang="es-ES" dirty="0" smtClean="0"/>
+              <a:t> Ramón</a:t>
+            </a:r>
+            <a:endParaRPr lang="es-ES" dirty="0"/>
+          </a:p>
+        </p:txBody>
+      </p:sp>
+      <p:cxnSp>
+        <p:nvCxnSpPr>
+          <p:cNvPr id="7" name="Straight Arrow Connector 6"/>
+          <p:cNvCxnSpPr>
+            <a:endCxn id="10" idx="0"/>
+          </p:cNvCxnSpPr>
+          <p:nvPr/>
+        </p:nvCxnSpPr>
+        <p:spPr>
+          <a:xfrm flipH="1">
+            <a:off x="1026368" y="2482456"/>
+            <a:ext cx="147407" cy="540661"/>
+          </a:xfrm>
+          <a:prstGeom prst="straightConnector1">
+            <a:avLst/>
+          </a:prstGeom>
+          <a:ln>
+            <a:solidFill>
+              <a:srgbClr val="4E3B31"/>
+            </a:solidFill>
+            <a:tailEnd type="triangle"/>
+          </a:ln>
+        </p:spPr>
+        <p:style>
+          <a:lnRef idx="1">
+            <a:schemeClr val="accent1"/>
+          </a:lnRef>
+          <a:fillRef idx="0">
+            <a:schemeClr val="accent1"/>
+          </a:fillRef>
+          <a:effectRef idx="0">
+            <a:schemeClr val="accent1"/>
+          </a:effectRef>
+          <a:fontRef idx="minor">
+            <a:schemeClr val="tx1"/>
+          </a:fontRef>
+        </p:style>
+      </p:cxnSp>
+      <p:sp>
+        <p:nvSpPr>
+          <p:cNvPr id="10" name="TextBox 9"/>
+          <p:cNvSpPr txBox="1"/>
+          <p:nvPr/>
+        </p:nvSpPr>
+        <p:spPr>
+          <a:xfrm>
+            <a:off x="429208" y="3023117"/>
+            <a:ext cx="1194319" cy="1200329"/>
+          </a:xfrm>
+          <a:prstGeom prst="rect">
+            <a:avLst/>
+          </a:prstGeom>
+          <a:noFill/>
+          <a:ln>
+            <a:solidFill>
+              <a:srgbClr val="4E3B31"/>
+            </a:solidFill>
+          </a:ln>
+        </p:spPr>
+        <p:txBody>
+          <a:bodyPr wrap="square" rtlCol="0">
+            <a:spAutoFit/>
+          </a:bodyPr>
+          <a:lstStyle/>
+          <a:p>
+            <a:r>
+              <a:rPr lang="es-ES" dirty="0" smtClean="0"/>
+              <a:t>Numero </a:t>
+            </a:r>
+            <a:r>
+              <a:rPr lang="es-ES" dirty="0" err="1" smtClean="0"/>
+              <a:t>d’objectes</a:t>
+            </a:r>
+            <a:r>
+              <a:rPr lang="es-ES" dirty="0" smtClean="0"/>
+              <a:t> en la escena</a:t>
+            </a:r>
+            <a:endParaRPr lang="es-ES" dirty="0"/>
+          </a:p>
+        </p:txBody>
+      </p:sp>
+      <p:cxnSp>
+        <p:nvCxnSpPr>
+          <p:cNvPr id="13" name="Straight Arrow Connector 12"/>
+          <p:cNvCxnSpPr/>
+          <p:nvPr/>
+        </p:nvCxnSpPr>
+        <p:spPr>
+          <a:xfrm>
+            <a:off x="1770976" y="2547256"/>
+            <a:ext cx="298866" cy="475861"/>
+          </a:xfrm>
+          <a:prstGeom prst="straightConnector1">
+            <a:avLst/>
+          </a:prstGeom>
+          <a:ln>
+            <a:tailEnd type="triangle"/>
+          </a:ln>
+        </p:spPr>
+        <p:style>
+          <a:lnRef idx="1">
+            <a:schemeClr val="accent1"/>
+          </a:lnRef>
+          <a:fillRef idx="0">
+            <a:schemeClr val="accent1"/>
+          </a:fillRef>
+          <a:effectRef idx="0">
+            <a:schemeClr val="accent1"/>
+          </a:effectRef>
+          <a:fontRef idx="minor">
+            <a:schemeClr val="tx1"/>
+          </a:fontRef>
+        </p:style>
+      </p:cxnSp>
+      <p:sp>
+        <p:nvSpPr>
+          <p:cNvPr id="18" name="TextBox 17"/>
+          <p:cNvSpPr txBox="1"/>
+          <p:nvPr/>
+        </p:nvSpPr>
+        <p:spPr>
+          <a:xfrm>
+            <a:off x="1742985" y="3023117"/>
+            <a:ext cx="1783986" cy="1200329"/>
+          </a:xfrm>
+          <a:prstGeom prst="rect">
+            <a:avLst/>
+          </a:prstGeom>
+          <a:ln/>
+        </p:spPr>
+        <p:style>
+          <a:lnRef idx="2">
+            <a:schemeClr val="accent1"/>
+          </a:lnRef>
+          <a:fillRef idx="1">
+            <a:schemeClr val="lt1"/>
+          </a:fillRef>
+          <a:effectRef idx="0">
+            <a:schemeClr val="accent1"/>
+          </a:effectRef>
+          <a:fontRef idx="minor">
+            <a:schemeClr val="dk1"/>
+          </a:fontRef>
+        </p:style>
+        <p:txBody>
+          <a:bodyPr wrap="square" rtlCol="0">
+            <a:spAutoFit/>
+          </a:bodyPr>
+          <a:lstStyle/>
+          <a:p>
+            <a:r>
+              <a:rPr lang="es-ES" dirty="0" smtClean="0">
+                <a:solidFill>
+                  <a:schemeClr val="accent1"/>
+                </a:solidFill>
+              </a:rPr>
+              <a:t>Numero identificador de la </a:t>
+            </a:r>
+            <a:r>
+              <a:rPr lang="es-ES" dirty="0" err="1" smtClean="0">
+                <a:solidFill>
+                  <a:schemeClr val="accent1"/>
+                </a:solidFill>
+              </a:rPr>
+              <a:t>configuració</a:t>
+            </a:r>
+            <a:endParaRPr lang="es-ES" dirty="0" smtClean="0">
+              <a:solidFill>
+                <a:schemeClr val="accent1"/>
+              </a:solidFill>
+            </a:endParaRPr>
+          </a:p>
+          <a:p>
+            <a:r>
+              <a:rPr lang="es-ES" dirty="0" err="1" smtClean="0">
+                <a:solidFill>
+                  <a:schemeClr val="accent1"/>
+                </a:solidFill>
+              </a:rPr>
+              <a:t>d’objectes</a:t>
+            </a:r>
+            <a:endParaRPr lang="es-ES" dirty="0" smtClean="0">
+              <a:solidFill>
+                <a:schemeClr val="accent1"/>
+              </a:solidFill>
+            </a:endParaRPr>
+          </a:p>
+        </p:txBody>
+      </p:sp>
+      <p:cxnSp>
+        <p:nvCxnSpPr>
+          <p:cNvPr id="20" name="Straight Arrow Connector 19"/>
+          <p:cNvCxnSpPr/>
+          <p:nvPr/>
+        </p:nvCxnSpPr>
+        <p:spPr>
+          <a:xfrm>
+            <a:off x="3027497" y="2593909"/>
+            <a:ext cx="306684" cy="1903446"/>
+          </a:xfrm>
+          <a:prstGeom prst="straightConnector1">
+            <a:avLst/>
+          </a:prstGeom>
+          <a:ln>
+            <a:tailEnd type="triangle"/>
+          </a:ln>
+        </p:spPr>
+        <p:style>
+          <a:lnRef idx="1">
+            <a:schemeClr val="accent2"/>
+          </a:lnRef>
+          <a:fillRef idx="0">
+            <a:schemeClr val="accent2"/>
+          </a:fillRef>
+          <a:effectRef idx="0">
+            <a:schemeClr val="accent2"/>
+          </a:effectRef>
+          <a:fontRef idx="minor">
+            <a:schemeClr val="tx1"/>
+          </a:fontRef>
+        </p:style>
+      </p:cxnSp>
+      <p:sp>
+        <p:nvSpPr>
+          <p:cNvPr id="22" name="TextBox 21"/>
+          <p:cNvSpPr txBox="1"/>
+          <p:nvPr/>
+        </p:nvSpPr>
+        <p:spPr>
+          <a:xfrm>
+            <a:off x="1673906" y="4543521"/>
+            <a:ext cx="2963408" cy="646331"/>
+          </a:xfrm>
+          <a:prstGeom prst="rect">
+            <a:avLst/>
+          </a:prstGeom>
+          <a:ln/>
+        </p:spPr>
+        <p:style>
+          <a:lnRef idx="2">
+            <a:schemeClr val="accent2"/>
+          </a:lnRef>
+          <a:fillRef idx="1">
+            <a:schemeClr val="lt1"/>
+          </a:fillRef>
+          <a:effectRef idx="0">
+            <a:schemeClr val="accent2"/>
+          </a:effectRef>
+          <a:fontRef idx="minor">
+            <a:schemeClr val="dk1"/>
+          </a:fontRef>
+        </p:style>
+        <p:txBody>
+          <a:bodyPr wrap="square" rtlCol="0">
+            <a:spAutoFit/>
+          </a:bodyPr>
+          <a:lstStyle/>
+          <a:p>
+            <a:r>
+              <a:rPr lang="es-ES" dirty="0" err="1" smtClean="0">
+                <a:solidFill>
+                  <a:schemeClr val="accent2"/>
+                </a:solidFill>
+              </a:rPr>
+              <a:t>Rotació</a:t>
+            </a:r>
+            <a:r>
+              <a:rPr lang="es-ES" dirty="0" smtClean="0">
+                <a:solidFill>
+                  <a:schemeClr val="accent2"/>
+                </a:solidFill>
+              </a:rPr>
+              <a:t> de la plataforma en el </a:t>
+            </a:r>
+            <a:r>
+              <a:rPr lang="es-ES" dirty="0" err="1" smtClean="0">
+                <a:solidFill>
+                  <a:schemeClr val="accent2"/>
+                </a:solidFill>
+              </a:rPr>
+              <a:t>format</a:t>
+            </a:r>
+            <a:r>
+              <a:rPr lang="es-ES" dirty="0" smtClean="0">
+                <a:solidFill>
+                  <a:schemeClr val="accent2"/>
+                </a:solidFill>
+              </a:rPr>
+              <a:t> </a:t>
+            </a:r>
+            <a:r>
+              <a:rPr lang="es-ES" dirty="0" smtClean="0">
+                <a:solidFill>
+                  <a:schemeClr val="accent2"/>
+                </a:solidFill>
+              </a:rPr>
+              <a:t>123</a:t>
+            </a:r>
+            <a:r>
+              <a:rPr lang="es-ES" b="1" dirty="0" smtClean="0">
+                <a:solidFill>
+                  <a:schemeClr val="accent2"/>
+                </a:solidFill>
+              </a:rPr>
+              <a:t>°</a:t>
+            </a:r>
+            <a:endParaRPr lang="es-ES" dirty="0">
+              <a:solidFill>
+                <a:schemeClr val="accent2"/>
+              </a:solidFill>
+            </a:endParaRPr>
+          </a:p>
+        </p:txBody>
+      </p:sp>
+      <p:cxnSp>
+        <p:nvCxnSpPr>
+          <p:cNvPr id="26" name="Straight Arrow Connector 25"/>
+          <p:cNvCxnSpPr/>
+          <p:nvPr/>
+        </p:nvCxnSpPr>
+        <p:spPr>
+          <a:xfrm>
+            <a:off x="4484626" y="2514468"/>
+            <a:ext cx="899137" cy="2029053"/>
+          </a:xfrm>
+          <a:prstGeom prst="straightConnector1">
+            <a:avLst/>
+          </a:prstGeom>
+          <a:ln>
+            <a:tailEnd type="triangle"/>
+          </a:ln>
+        </p:spPr>
+        <p:style>
+          <a:lnRef idx="1">
+            <a:schemeClr val="dk1"/>
+          </a:lnRef>
+          <a:fillRef idx="0">
+            <a:schemeClr val="dk1"/>
+          </a:fillRef>
+          <a:effectRef idx="0">
+            <a:schemeClr val="dk1"/>
+          </a:effectRef>
+          <a:fontRef idx="minor">
+            <a:schemeClr val="tx1"/>
+          </a:fontRef>
+        </p:style>
+      </p:cxnSp>
+      <p:sp>
+        <p:nvSpPr>
+          <p:cNvPr id="27" name="TextBox 26"/>
+          <p:cNvSpPr txBox="1"/>
+          <p:nvPr/>
+        </p:nvSpPr>
+        <p:spPr>
+          <a:xfrm>
+            <a:off x="4791269" y="4543521"/>
+            <a:ext cx="2883159" cy="646331"/>
+          </a:xfrm>
+          <a:prstGeom prst="rect">
+            <a:avLst/>
+          </a:prstGeom>
+        </p:spPr>
+        <p:style>
+          <a:lnRef idx="2">
+            <a:schemeClr val="dk1"/>
+          </a:lnRef>
+          <a:fillRef idx="1">
+            <a:schemeClr val="lt1"/>
+          </a:fillRef>
+          <a:effectRef idx="0">
+            <a:schemeClr val="dk1"/>
+          </a:effectRef>
+          <a:fontRef idx="minor">
+            <a:schemeClr val="dk1"/>
+          </a:fontRef>
+        </p:style>
+        <p:txBody>
+          <a:bodyPr wrap="square" rtlCol="0">
+            <a:spAutoFit/>
+          </a:bodyPr>
+          <a:lstStyle/>
+          <a:p>
+            <a:r>
+              <a:rPr lang="es-ES" dirty="0" err="1" smtClean="0"/>
+              <a:t>Inclinació</a:t>
+            </a:r>
+            <a:r>
+              <a:rPr lang="es-ES" dirty="0" smtClean="0"/>
+              <a:t> de la plataforma en el </a:t>
+            </a:r>
+            <a:r>
+              <a:rPr lang="es-ES" dirty="0" err="1" smtClean="0"/>
+              <a:t>format</a:t>
+            </a:r>
+            <a:r>
+              <a:rPr lang="es-ES" dirty="0" smtClean="0"/>
+              <a:t> +</a:t>
+            </a:r>
+            <a:r>
+              <a:rPr lang="es-ES" dirty="0" smtClean="0"/>
+              <a:t>45</a:t>
+            </a:r>
+            <a:endParaRPr lang="es-ES" dirty="0"/>
+          </a:p>
+        </p:txBody>
+      </p:sp>
+      <p:sp>
+        <p:nvSpPr>
+          <p:cNvPr id="12" name="Oval 11"/>
+          <p:cNvSpPr/>
+          <p:nvPr/>
+        </p:nvSpPr>
+        <p:spPr>
+          <a:xfrm>
+            <a:off x="1534558" y="2080727"/>
+            <a:ext cx="415540" cy="466529"/>
+          </a:xfrm>
+          <a:prstGeom prst="ellipse">
+            <a:avLst/>
+          </a:prstGeom>
+          <a:noFill/>
+          <a:ln>
+            <a:solidFill>
+              <a:srgbClr val="0070C0"/>
+            </a:solidFill>
+          </a:ln>
+        </p:spPr>
+        <p:style>
+          <a:lnRef idx="2">
+            <a:schemeClr val="accent1">
+              <a:shade val="50000"/>
+            </a:schemeClr>
+          </a:lnRef>
+          <a:fillRef idx="1">
+            <a:schemeClr val="accent1"/>
+          </a:fillRef>
+          <a:effectRef idx="0">
+            <a:schemeClr val="accent1"/>
+          </a:effectRef>
+          <a:fontRef idx="minor">
+            <a:schemeClr val="lt1"/>
+          </a:fontRef>
+        </p:style>
+        <p:txBody>
+          <a:bodyPr rtlCol="0" anchor="ctr"/>
+          <a:lstStyle/>
+          <a:p>
+            <a:pPr algn="ctr"/>
+            <a:endParaRPr lang="es-ES"/>
+          </a:p>
+        </p:txBody>
+      </p:sp>
+      <p:sp>
+        <p:nvSpPr>
+          <p:cNvPr id="19" name="Oval 18"/>
+          <p:cNvSpPr/>
+          <p:nvPr/>
+        </p:nvSpPr>
+        <p:spPr>
+          <a:xfrm>
+            <a:off x="2745695" y="2080726"/>
+            <a:ext cx="588485" cy="466529"/>
+          </a:xfrm>
+          <a:prstGeom prst="ellipse">
+            <a:avLst/>
+          </a:prstGeom>
+          <a:noFill/>
+        </p:spPr>
+        <p:style>
+          <a:lnRef idx="2">
+            <a:schemeClr val="accent2">
+              <a:shade val="50000"/>
+            </a:schemeClr>
+          </a:lnRef>
+          <a:fillRef idx="1">
+            <a:schemeClr val="accent2"/>
+          </a:fillRef>
+          <a:effectRef idx="0">
+            <a:schemeClr val="accent2"/>
+          </a:effectRef>
+          <a:fontRef idx="minor">
+            <a:schemeClr val="lt1"/>
+          </a:fontRef>
+        </p:style>
+        <p:txBody>
+          <a:bodyPr rtlCol="0" anchor="ctr"/>
+          <a:lstStyle/>
+          <a:p>
+            <a:pPr algn="ctr"/>
+            <a:endParaRPr lang="es-ES"/>
+          </a:p>
+        </p:txBody>
+      </p:sp>
+      <p:sp>
+        <p:nvSpPr>
+          <p:cNvPr id="24" name="Oval 23"/>
+          <p:cNvSpPr/>
+          <p:nvPr/>
+        </p:nvSpPr>
+        <p:spPr>
+          <a:xfrm>
+            <a:off x="4244437" y="2113512"/>
+            <a:ext cx="449035" cy="400956"/>
+          </a:xfrm>
+          <a:prstGeom prst="ellipse">
+            <a:avLst/>
+          </a:prstGeom>
+          <a:noFill/>
+          <a:ln>
+            <a:solidFill>
+              <a:schemeClr val="tx1"/>
+            </a:solidFill>
+          </a:ln>
+        </p:spPr>
+        <p:style>
+          <a:lnRef idx="2">
+            <a:schemeClr val="dk1">
+              <a:shade val="50000"/>
+            </a:schemeClr>
+          </a:lnRef>
+          <a:fillRef idx="1">
+            <a:schemeClr val="dk1"/>
+          </a:fillRef>
+          <a:effectRef idx="0">
+            <a:schemeClr val="dk1"/>
+          </a:effectRef>
+          <a:fontRef idx="minor">
+            <a:schemeClr val="lt1"/>
+          </a:fontRef>
+        </p:style>
+        <p:txBody>
+          <a:bodyPr rtlCol="0" anchor="ctr"/>
+          <a:lstStyle/>
+          <a:p>
+            <a:pPr algn="ctr"/>
+            <a:endParaRPr lang="es-ES"/>
+          </a:p>
+        </p:txBody>
+      </p:sp>
+      <p:sp>
+        <p:nvSpPr>
+          <p:cNvPr id="21" name="Oval 20"/>
+          <p:cNvSpPr/>
+          <p:nvPr/>
+        </p:nvSpPr>
+        <p:spPr>
+          <a:xfrm>
+            <a:off x="4991099" y="2111308"/>
+            <a:ext cx="260351" cy="400956"/>
+          </a:xfrm>
+          <a:prstGeom prst="ellipse">
+            <a:avLst/>
+          </a:prstGeom>
+          <a:noFill/>
+          <a:ln>
+            <a:solidFill>
+              <a:srgbClr val="FF0000"/>
+            </a:solidFill>
+          </a:ln>
+        </p:spPr>
+        <p:style>
+          <a:lnRef idx="2">
+            <a:schemeClr val="dk1">
+              <a:shade val="50000"/>
+            </a:schemeClr>
+          </a:lnRef>
+          <a:fillRef idx="1">
+            <a:schemeClr val="dk1"/>
+          </a:fillRef>
+          <a:effectRef idx="0">
+            <a:schemeClr val="dk1"/>
+          </a:effectRef>
+          <a:fontRef idx="minor">
+            <a:schemeClr val="lt1"/>
+          </a:fontRef>
+        </p:style>
+        <p:txBody>
+          <a:bodyPr rtlCol="0" anchor="ctr"/>
+          <a:lstStyle/>
+          <a:p>
+            <a:pPr algn="ctr"/>
+            <a:endParaRPr lang="es-ES"/>
+          </a:p>
+        </p:txBody>
+      </p:sp>
+      <p:cxnSp>
+        <p:nvCxnSpPr>
+          <p:cNvPr id="23" name="Straight Arrow Connector 22"/>
+          <p:cNvCxnSpPr/>
+          <p:nvPr/>
+        </p:nvCxnSpPr>
+        <p:spPr>
+          <a:xfrm>
+            <a:off x="5121274" y="2506431"/>
+            <a:ext cx="224189" cy="688013"/>
+          </a:xfrm>
+          <a:prstGeom prst="straightConnector1">
+            <a:avLst/>
+          </a:prstGeom>
+          <a:ln>
+            <a:solidFill>
+              <a:srgbClr val="FF0000"/>
+            </a:solidFill>
+            <a:tailEnd type="triangle"/>
+          </a:ln>
+        </p:spPr>
+        <p:style>
+          <a:lnRef idx="1">
+            <a:schemeClr val="accent1"/>
+          </a:lnRef>
+          <a:fillRef idx="0">
+            <a:schemeClr val="accent1"/>
+          </a:fillRef>
+          <a:effectRef idx="0">
+            <a:schemeClr val="accent1"/>
+          </a:effectRef>
+          <a:fontRef idx="minor">
+            <a:schemeClr val="tx1"/>
+          </a:fontRef>
+        </p:style>
+      </p:cxnSp>
+      <p:sp>
+        <p:nvSpPr>
+          <p:cNvPr id="25" name="TextBox 24"/>
+          <p:cNvSpPr txBox="1"/>
+          <p:nvPr/>
+        </p:nvSpPr>
+        <p:spPr>
+          <a:xfrm>
+            <a:off x="5251450" y="3240610"/>
+            <a:ext cx="1644651" cy="923330"/>
+          </a:xfrm>
+          <a:prstGeom prst="rect">
+            <a:avLst/>
+          </a:prstGeom>
+          <a:ln>
+            <a:solidFill>
+              <a:srgbClr val="FF0000"/>
+            </a:solidFill>
+          </a:ln>
+        </p:spPr>
+        <p:style>
+          <a:lnRef idx="2">
+            <a:schemeClr val="dk1"/>
+          </a:lnRef>
+          <a:fillRef idx="1">
+            <a:schemeClr val="lt1"/>
+          </a:fillRef>
+          <a:effectRef idx="0">
+            <a:schemeClr val="dk1"/>
+          </a:effectRef>
+          <a:fontRef idx="minor">
+            <a:schemeClr val="dk1"/>
+          </a:fontRef>
+        </p:style>
+        <p:txBody>
+          <a:bodyPr wrap="square" rtlCol="0">
+            <a:spAutoFit/>
+          </a:bodyPr>
+          <a:lstStyle/>
+          <a:p>
+            <a:r>
+              <a:rPr lang="es-ES" dirty="0" smtClean="0">
+                <a:solidFill>
+                  <a:srgbClr val="FF0000"/>
+                </a:solidFill>
+              </a:rPr>
+              <a:t>X: </a:t>
+            </a:r>
+            <a:r>
+              <a:rPr lang="es-ES" dirty="0" err="1" smtClean="0">
+                <a:solidFill>
+                  <a:srgbClr val="FF0000"/>
+                </a:solidFill>
+              </a:rPr>
+              <a:t>Configuració</a:t>
+            </a:r>
+            <a:r>
+              <a:rPr lang="es-ES" dirty="0" smtClean="0">
+                <a:solidFill>
+                  <a:srgbClr val="FF0000"/>
+                </a:solidFill>
+              </a:rPr>
+              <a:t> </a:t>
+            </a:r>
+            <a:r>
+              <a:rPr lang="es-ES" dirty="0" err="1" smtClean="0">
+                <a:solidFill>
+                  <a:srgbClr val="FF0000"/>
+                </a:solidFill>
+              </a:rPr>
+              <a:t>Llums</a:t>
+            </a:r>
+            <a:r>
+              <a:rPr lang="es-ES" dirty="0" smtClean="0">
+                <a:solidFill>
+                  <a:srgbClr val="FF0000"/>
+                </a:solidFill>
+              </a:rPr>
+              <a:t> </a:t>
+            </a:r>
+            <a:r>
+              <a:rPr lang="es-ES" dirty="0" err="1" smtClean="0">
+                <a:solidFill>
+                  <a:srgbClr val="FF0000"/>
+                </a:solidFill>
+              </a:rPr>
+              <a:t>encesses</a:t>
+            </a:r>
+            <a:r>
+              <a:rPr lang="es-ES" dirty="0" smtClean="0">
+                <a:solidFill>
+                  <a:srgbClr val="FF0000"/>
+                </a:solidFill>
+              </a:rPr>
+              <a:t> de </a:t>
+            </a:r>
+            <a:r>
+              <a:rPr lang="es-ES" dirty="0" smtClean="0">
+                <a:solidFill>
+                  <a:srgbClr val="FF0000"/>
+                </a:solidFill>
+              </a:rPr>
+              <a:t>la </a:t>
+            </a:r>
+            <a:r>
+              <a:rPr lang="es-ES" dirty="0" smtClean="0">
+                <a:solidFill>
+                  <a:srgbClr val="FF0000"/>
+                </a:solidFill>
+              </a:rPr>
+              <a:t>Fila1</a:t>
+            </a:r>
+            <a:endParaRPr lang="es-ES" dirty="0">
+              <a:solidFill>
+                <a:srgbClr val="FF0000"/>
+              </a:solidFill>
+            </a:endParaRPr>
+          </a:p>
+        </p:txBody>
+      </p:sp>
+    </p:spTree>
+    <p:extLst>
+      <p:ext uri="{BB962C8B-B14F-4D97-AF65-F5344CB8AC3E}">
+        <p14:creationId xmlns:p14="http://schemas.microsoft.com/office/powerpoint/2010/main" val="3683119342"/>
       </p:ext>
     </p:extLst>
   </p:cSld>
